--- a/media/loft/nyc/voice-powered-analytics-nyc-loft.pptx
+++ b/media/loft/nyc/voice-powered-analytics-nyc-loft.pptx
@@ -5,7 +5,7 @@
     <p:sldMasterId id="2147483674" r:id="rId4"/>
   </p:sldMasterIdLst>
   <p:notesMasterIdLst>
-    <p:notesMasterId r:id="rId29"/>
+    <p:notesMasterId r:id="rId30"/>
   </p:notesMasterIdLst>
   <p:sldIdLst>
     <p:sldId id="285" r:id="rId5"/>
@@ -32,6 +32,7 @@
     <p:sldId id="576" r:id="rId26"/>
     <p:sldId id="575" r:id="rId27"/>
     <p:sldId id="554" r:id="rId28"/>
+    <p:sldId id="577" r:id="rId29"/>
   </p:sldIdLst>
   <p:sldSz cx="9144000" cy="5143500" type="screen16x9"/>
   <p:notesSz cx="6858000" cy="9144000"/>
@@ -5302,7 +5303,7 @@
           <p:cNvPr id="6" name="TextBox 5">
             <a:extLst>
               <a:ext uri="{FF2B5EF4-FFF2-40B4-BE49-F238E27FC236}">
-                <a16:creationId xmlns:a16="http://schemas.microsoft.com/office/drawing/2014/main" id="{8849B2F2-9DED-8C4B-B2FF-B9989E213FD3}"/>
+                <a16:creationId xmlns:a16="http://schemas.microsoft.com/office/drawing/2014/main" xmlns="" id="{8849B2F2-9DED-8C4B-B2FF-B9989E213FD3}"/>
               </a:ext>
             </a:extLst>
           </p:cNvPr>
@@ -5371,7 +5372,7 @@
           <p:cNvPr id="2" name="Title 1">
             <a:extLst>
               <a:ext uri="{FF2B5EF4-FFF2-40B4-BE49-F238E27FC236}">
-                <a16:creationId xmlns:a16="http://schemas.microsoft.com/office/drawing/2014/main" id="{8C2E9DF6-0CF9-DD42-BF15-EA1179777FFE}"/>
+                <a16:creationId xmlns:a16="http://schemas.microsoft.com/office/drawing/2014/main" xmlns="" id="{8C2E9DF6-0CF9-DD42-BF15-EA1179777FFE}"/>
               </a:ext>
             </a:extLst>
           </p:cNvPr>
@@ -5404,7 +5405,7 @@
           <p:cNvPr id="3" name="Content Placeholder 2">
             <a:extLst>
               <a:ext uri="{FF2B5EF4-FFF2-40B4-BE49-F238E27FC236}">
-                <a16:creationId xmlns:a16="http://schemas.microsoft.com/office/drawing/2014/main" id="{946BB516-D9BF-9B40-83C2-4ECB7F6A3E8B}"/>
+                <a16:creationId xmlns:a16="http://schemas.microsoft.com/office/drawing/2014/main" xmlns="" id="{946BB516-D9BF-9B40-83C2-4ECB7F6A3E8B}"/>
               </a:ext>
             </a:extLst>
           </p:cNvPr>
@@ -5651,7 +5652,7 @@
           <p:cNvPr id="2" name="Title 1">
             <a:extLst>
               <a:ext uri="{FF2B5EF4-FFF2-40B4-BE49-F238E27FC236}">
-                <a16:creationId xmlns:a16="http://schemas.microsoft.com/office/drawing/2014/main" id="{E1D44E8A-F09D-B341-BB71-A84A894283B0}"/>
+                <a16:creationId xmlns:a16="http://schemas.microsoft.com/office/drawing/2014/main" xmlns="" id="{E1D44E8A-F09D-B341-BB71-A84A894283B0}"/>
               </a:ext>
             </a:extLst>
           </p:cNvPr>
@@ -5684,7 +5685,7 @@
           <p:cNvPr id="3" name="Content Placeholder 3">
             <a:extLst>
               <a:ext uri="{FF2B5EF4-FFF2-40B4-BE49-F238E27FC236}">
-                <a16:creationId xmlns:a16="http://schemas.microsoft.com/office/drawing/2014/main" id="{07AA4877-5366-5040-8029-52178A95B071}"/>
+                <a16:creationId xmlns:a16="http://schemas.microsoft.com/office/drawing/2014/main" xmlns="" id="{07AA4877-5366-5040-8029-52178A95B071}"/>
               </a:ext>
             </a:extLst>
           </p:cNvPr>
@@ -5881,7 +5882,7 @@
           <p:cNvPr id="4" name="Content Placeholder 2">
             <a:extLst>
               <a:ext uri="{FF2B5EF4-FFF2-40B4-BE49-F238E27FC236}">
-                <a16:creationId xmlns:a16="http://schemas.microsoft.com/office/drawing/2014/main" id="{0103191F-6326-5346-B9DC-02588F05DA7B}"/>
+                <a16:creationId xmlns:a16="http://schemas.microsoft.com/office/drawing/2014/main" xmlns="" id="{0103191F-6326-5346-B9DC-02588F05DA7B}"/>
               </a:ext>
             </a:extLst>
           </p:cNvPr>
@@ -6066,7 +6067,7 @@
           <p:cNvPr id="5" name="Picture 4">
             <a:extLst>
               <a:ext uri="{FF2B5EF4-FFF2-40B4-BE49-F238E27FC236}">
-                <a16:creationId xmlns:a16="http://schemas.microsoft.com/office/drawing/2014/main" id="{8C4D99B2-FDA1-EC47-8661-52ADE329E0D2}"/>
+                <a16:creationId xmlns:a16="http://schemas.microsoft.com/office/drawing/2014/main" xmlns="" id="{8C4D99B2-FDA1-EC47-8661-52ADE329E0D2}"/>
               </a:ext>
             </a:extLst>
           </p:cNvPr>
@@ -6096,7 +6097,7 @@
           <p:cNvPr id="6" name="Picture 5">
             <a:extLst>
               <a:ext uri="{FF2B5EF4-FFF2-40B4-BE49-F238E27FC236}">
-                <a16:creationId xmlns:a16="http://schemas.microsoft.com/office/drawing/2014/main" id="{DB8FF6C2-0AF6-2B46-8391-0CFAA480E689}"/>
+                <a16:creationId xmlns:a16="http://schemas.microsoft.com/office/drawing/2014/main" xmlns="" id="{DB8FF6C2-0AF6-2B46-8391-0CFAA480E689}"/>
               </a:ext>
             </a:extLst>
           </p:cNvPr>
@@ -6162,7 +6163,7 @@
           <p:cNvPr id="2" name="Content Placeholder 1">
             <a:extLst>
               <a:ext uri="{FF2B5EF4-FFF2-40B4-BE49-F238E27FC236}">
-                <a16:creationId xmlns:a16="http://schemas.microsoft.com/office/drawing/2014/main" id="{35F21A48-8A6E-0249-88EC-210599BB8FEC}"/>
+                <a16:creationId xmlns:a16="http://schemas.microsoft.com/office/drawing/2014/main" xmlns="" id="{35F21A48-8A6E-0249-88EC-210599BB8FEC}"/>
               </a:ext>
             </a:extLst>
           </p:cNvPr>
@@ -6550,7 +6551,7 @@
           <p:cNvPr id="3" name="Title 2">
             <a:extLst>
               <a:ext uri="{FF2B5EF4-FFF2-40B4-BE49-F238E27FC236}">
-                <a16:creationId xmlns:a16="http://schemas.microsoft.com/office/drawing/2014/main" id="{BC442EB9-171D-5240-A486-4A40B874AF8B}"/>
+                <a16:creationId xmlns:a16="http://schemas.microsoft.com/office/drawing/2014/main" xmlns="" id="{BC442EB9-171D-5240-A486-4A40B874AF8B}"/>
               </a:ext>
             </a:extLst>
           </p:cNvPr>
@@ -6588,6 +6589,13 @@
   <p:clrMapOvr>
     <a:masterClrMapping/>
   </p:clrMapOvr>
+  <p:timing>
+    <p:tnLst>
+      <p:par>
+        <p:cTn id="1" dur="indefinite" restart="never" nodeType="tmRoot"/>
+      </p:par>
+    </p:tnLst>
+  </p:timing>
 </p:sld>
 </file>
 
@@ -6613,7 +6621,7 @@
           <p:cNvPr id="2" name="Title 7">
             <a:extLst>
               <a:ext uri="{FF2B5EF4-FFF2-40B4-BE49-F238E27FC236}">
-                <a16:creationId xmlns:a16="http://schemas.microsoft.com/office/drawing/2014/main" id="{DB6D03C3-EC3A-5B44-B881-791DF6509BD6}"/>
+                <a16:creationId xmlns:a16="http://schemas.microsoft.com/office/drawing/2014/main" xmlns="" id="{DB6D03C3-EC3A-5B44-B881-791DF6509BD6}"/>
               </a:ext>
             </a:extLst>
           </p:cNvPr>
@@ -6650,7 +6658,7 @@
           <p:cNvPr id="3" name="Picture 2">
             <a:extLst>
               <a:ext uri="{FF2B5EF4-FFF2-40B4-BE49-F238E27FC236}">
-                <a16:creationId xmlns:a16="http://schemas.microsoft.com/office/drawing/2014/main" id="{CF8AE7E4-4B35-6B4C-B4C0-97A8E08A0A7D}"/>
+                <a16:creationId xmlns:a16="http://schemas.microsoft.com/office/drawing/2014/main" xmlns="" id="{CF8AE7E4-4B35-6B4C-B4C0-97A8E08A0A7D}"/>
               </a:ext>
             </a:extLst>
           </p:cNvPr>
@@ -6686,7 +6694,7 @@
           <p:cNvPr id="4" name="Picture 3">
             <a:extLst>
               <a:ext uri="{FF2B5EF4-FFF2-40B4-BE49-F238E27FC236}">
-                <a16:creationId xmlns:a16="http://schemas.microsoft.com/office/drawing/2014/main" id="{C0642037-40BD-4C46-8271-74065001B608}"/>
+                <a16:creationId xmlns:a16="http://schemas.microsoft.com/office/drawing/2014/main" xmlns="" id="{C0642037-40BD-4C46-8271-74065001B608}"/>
               </a:ext>
             </a:extLst>
           </p:cNvPr>
@@ -6722,7 +6730,7 @@
           <p:cNvPr id="5" name="Picture 4">
             <a:extLst>
               <a:ext uri="{FF2B5EF4-FFF2-40B4-BE49-F238E27FC236}">
-                <a16:creationId xmlns:a16="http://schemas.microsoft.com/office/drawing/2014/main" id="{A0B7AF81-8342-E14E-ADE3-56EBF60180A1}"/>
+                <a16:creationId xmlns:a16="http://schemas.microsoft.com/office/drawing/2014/main" xmlns="" id="{A0B7AF81-8342-E14E-ADE3-56EBF60180A1}"/>
               </a:ext>
             </a:extLst>
           </p:cNvPr>
@@ -6758,7 +6766,7 @@
           <p:cNvPr id="6" name="Picture 5">
             <a:extLst>
               <a:ext uri="{FF2B5EF4-FFF2-40B4-BE49-F238E27FC236}">
-                <a16:creationId xmlns:a16="http://schemas.microsoft.com/office/drawing/2014/main" id="{7B5E3261-9796-1248-BED3-A6D95593346B}"/>
+                <a16:creationId xmlns:a16="http://schemas.microsoft.com/office/drawing/2014/main" xmlns="" id="{7B5E3261-9796-1248-BED3-A6D95593346B}"/>
               </a:ext>
             </a:extLst>
           </p:cNvPr>
@@ -6794,7 +6802,7 @@
           <p:cNvPr id="7" name="Picture 6">
             <a:extLst>
               <a:ext uri="{FF2B5EF4-FFF2-40B4-BE49-F238E27FC236}">
-                <a16:creationId xmlns:a16="http://schemas.microsoft.com/office/drawing/2014/main" id="{76C07368-51FD-7142-AEAC-DC81A2B45848}"/>
+                <a16:creationId xmlns:a16="http://schemas.microsoft.com/office/drawing/2014/main" xmlns="" id="{76C07368-51FD-7142-AEAC-DC81A2B45848}"/>
               </a:ext>
             </a:extLst>
           </p:cNvPr>
@@ -6830,7 +6838,7 @@
           <p:cNvPr id="8" name="Right Arrow 7">
             <a:extLst>
               <a:ext uri="{FF2B5EF4-FFF2-40B4-BE49-F238E27FC236}">
-                <a16:creationId xmlns:a16="http://schemas.microsoft.com/office/drawing/2014/main" id="{108D9192-5420-AC4C-B562-C67E5ADD7283}"/>
+                <a16:creationId xmlns:a16="http://schemas.microsoft.com/office/drawing/2014/main" xmlns="" id="{108D9192-5420-AC4C-B562-C67E5ADD7283}"/>
               </a:ext>
             </a:extLst>
           </p:cNvPr>
@@ -6885,7 +6893,7 @@
           <p:cNvPr id="9" name="Right Arrow 8">
             <a:extLst>
               <a:ext uri="{FF2B5EF4-FFF2-40B4-BE49-F238E27FC236}">
-                <a16:creationId xmlns:a16="http://schemas.microsoft.com/office/drawing/2014/main" id="{C681AAFF-5875-C349-9C68-15EC497428E0}"/>
+                <a16:creationId xmlns:a16="http://schemas.microsoft.com/office/drawing/2014/main" xmlns="" id="{C681AAFF-5875-C349-9C68-15EC497428E0}"/>
               </a:ext>
             </a:extLst>
           </p:cNvPr>
@@ -6940,7 +6948,7 @@
           <p:cNvPr id="10" name="Right Arrow 9">
             <a:extLst>
               <a:ext uri="{FF2B5EF4-FFF2-40B4-BE49-F238E27FC236}">
-                <a16:creationId xmlns:a16="http://schemas.microsoft.com/office/drawing/2014/main" id="{EF3810C2-A4FE-CA48-9AB8-36AB638F463D}"/>
+                <a16:creationId xmlns:a16="http://schemas.microsoft.com/office/drawing/2014/main" xmlns="" id="{EF3810C2-A4FE-CA48-9AB8-36AB638F463D}"/>
               </a:ext>
             </a:extLst>
           </p:cNvPr>
@@ -6995,7 +7003,7 @@
           <p:cNvPr id="11" name="Right Arrow 10">
             <a:extLst>
               <a:ext uri="{FF2B5EF4-FFF2-40B4-BE49-F238E27FC236}">
-                <a16:creationId xmlns:a16="http://schemas.microsoft.com/office/drawing/2014/main" id="{1AB17303-A055-D145-8A2F-F2A67FF12A49}"/>
+                <a16:creationId xmlns:a16="http://schemas.microsoft.com/office/drawing/2014/main" xmlns="" id="{1AB17303-A055-D145-8A2F-F2A67FF12A49}"/>
               </a:ext>
             </a:extLst>
           </p:cNvPr>
@@ -7050,7 +7058,7 @@
           <p:cNvPr id="12" name="TextBox 11">
             <a:extLst>
               <a:ext uri="{FF2B5EF4-FFF2-40B4-BE49-F238E27FC236}">
-                <a16:creationId xmlns:a16="http://schemas.microsoft.com/office/drawing/2014/main" id="{ABB065A6-784A-0E40-9488-A1D5BBC619A3}"/>
+                <a16:creationId xmlns:a16="http://schemas.microsoft.com/office/drawing/2014/main" xmlns="" id="{ABB065A6-784A-0E40-9488-A1D5BBC619A3}"/>
               </a:ext>
             </a:extLst>
           </p:cNvPr>
@@ -7089,7 +7097,7 @@
           <p:cNvPr id="13" name="TextBox 12">
             <a:extLst>
               <a:ext uri="{FF2B5EF4-FFF2-40B4-BE49-F238E27FC236}">
-                <a16:creationId xmlns:a16="http://schemas.microsoft.com/office/drawing/2014/main" id="{09215335-9E13-A844-92B3-24BC0799AE4F}"/>
+                <a16:creationId xmlns:a16="http://schemas.microsoft.com/office/drawing/2014/main" xmlns="" id="{09215335-9E13-A844-92B3-24BC0799AE4F}"/>
               </a:ext>
             </a:extLst>
           </p:cNvPr>
@@ -7133,7 +7141,7 @@
           <p:cNvPr id="14" name="TextBox 13">
             <a:extLst>
               <a:ext uri="{FF2B5EF4-FFF2-40B4-BE49-F238E27FC236}">
-                <a16:creationId xmlns:a16="http://schemas.microsoft.com/office/drawing/2014/main" id="{C6B7C9E2-DD05-F143-ABC6-71B035453D77}"/>
+                <a16:creationId xmlns:a16="http://schemas.microsoft.com/office/drawing/2014/main" xmlns="" id="{C6B7C9E2-DD05-F143-ABC6-71B035453D77}"/>
               </a:ext>
             </a:extLst>
           </p:cNvPr>
@@ -7177,7 +7185,7 @@
           <p:cNvPr id="15" name="TextBox 14">
             <a:extLst>
               <a:ext uri="{FF2B5EF4-FFF2-40B4-BE49-F238E27FC236}">
-                <a16:creationId xmlns:a16="http://schemas.microsoft.com/office/drawing/2014/main" id="{5B475BFD-5B2A-3146-8912-C6E338C9CC15}"/>
+                <a16:creationId xmlns:a16="http://schemas.microsoft.com/office/drawing/2014/main" xmlns="" id="{5B475BFD-5B2A-3146-8912-C6E338C9CC15}"/>
               </a:ext>
             </a:extLst>
           </p:cNvPr>
@@ -7216,7 +7224,7 @@
           <p:cNvPr id="16" name="TextBox 15">
             <a:extLst>
               <a:ext uri="{FF2B5EF4-FFF2-40B4-BE49-F238E27FC236}">
-                <a16:creationId xmlns:a16="http://schemas.microsoft.com/office/drawing/2014/main" id="{C4BF2355-B717-514C-9BAB-9BF734EBF396}"/>
+                <a16:creationId xmlns:a16="http://schemas.microsoft.com/office/drawing/2014/main" xmlns="" id="{C4BF2355-B717-514C-9BAB-9BF734EBF396}"/>
               </a:ext>
             </a:extLst>
           </p:cNvPr>
@@ -7260,6 +7268,13 @@
   <p:clrMapOvr>
     <a:masterClrMapping/>
   </p:clrMapOvr>
+  <p:timing>
+    <p:tnLst>
+      <p:par>
+        <p:cTn id="1" dur="indefinite" restart="never" nodeType="tmRoot"/>
+      </p:par>
+    </p:tnLst>
+  </p:timing>
 </p:sld>
 </file>
 
@@ -7285,7 +7300,7 @@
           <p:cNvPr id="2" name="Title 7">
             <a:extLst>
               <a:ext uri="{FF2B5EF4-FFF2-40B4-BE49-F238E27FC236}">
-                <a16:creationId xmlns:a16="http://schemas.microsoft.com/office/drawing/2014/main" id="{85A62AB3-2CB5-FD44-8E1E-64845EB215F8}"/>
+                <a16:creationId xmlns:a16="http://schemas.microsoft.com/office/drawing/2014/main" xmlns="" id="{85A62AB3-2CB5-FD44-8E1E-64845EB215F8}"/>
               </a:ext>
             </a:extLst>
           </p:cNvPr>
@@ -7335,7 +7350,7 @@
           <p:cNvPr id="3" name="Picture 2">
             <a:extLst>
               <a:ext uri="{FF2B5EF4-FFF2-40B4-BE49-F238E27FC236}">
-                <a16:creationId xmlns:a16="http://schemas.microsoft.com/office/drawing/2014/main" id="{D9ECC238-CDD0-A445-99E3-5441863250CD}"/>
+                <a16:creationId xmlns:a16="http://schemas.microsoft.com/office/drawing/2014/main" xmlns="" id="{D9ECC238-CDD0-A445-99E3-5441863250CD}"/>
               </a:ext>
             </a:extLst>
           </p:cNvPr>
@@ -7371,7 +7386,7 @@
           <p:cNvPr id="4" name="Picture 3">
             <a:extLst>
               <a:ext uri="{FF2B5EF4-FFF2-40B4-BE49-F238E27FC236}">
-                <a16:creationId xmlns:a16="http://schemas.microsoft.com/office/drawing/2014/main" id="{FF6F1D51-1413-A44B-8E79-F8AB08902059}"/>
+                <a16:creationId xmlns:a16="http://schemas.microsoft.com/office/drawing/2014/main" xmlns="" id="{FF6F1D51-1413-A44B-8E79-F8AB08902059}"/>
               </a:ext>
             </a:extLst>
           </p:cNvPr>
@@ -7408,7 +7423,7 @@
           <p:cNvPr id="5" name="Picture 4">
             <a:extLst>
               <a:ext uri="{FF2B5EF4-FFF2-40B4-BE49-F238E27FC236}">
-                <a16:creationId xmlns:a16="http://schemas.microsoft.com/office/drawing/2014/main" id="{E0C5D463-A05C-FB48-9EE8-B219CF817F33}"/>
+                <a16:creationId xmlns:a16="http://schemas.microsoft.com/office/drawing/2014/main" xmlns="" id="{E0C5D463-A05C-FB48-9EE8-B219CF817F33}"/>
               </a:ext>
             </a:extLst>
           </p:cNvPr>
@@ -7444,7 +7459,7 @@
           <p:cNvPr id="6" name="Picture 5">
             <a:extLst>
               <a:ext uri="{FF2B5EF4-FFF2-40B4-BE49-F238E27FC236}">
-                <a16:creationId xmlns:a16="http://schemas.microsoft.com/office/drawing/2014/main" id="{3E2838FA-6EC5-B449-9A6E-647536CB04C0}"/>
+                <a16:creationId xmlns:a16="http://schemas.microsoft.com/office/drawing/2014/main" xmlns="" id="{3E2838FA-6EC5-B449-9A6E-647536CB04C0}"/>
               </a:ext>
             </a:extLst>
           </p:cNvPr>
@@ -7480,7 +7495,7 @@
           <p:cNvPr id="7" name="Picture 6">
             <a:extLst>
               <a:ext uri="{FF2B5EF4-FFF2-40B4-BE49-F238E27FC236}">
-                <a16:creationId xmlns:a16="http://schemas.microsoft.com/office/drawing/2014/main" id="{2047E423-03F9-5641-8F35-7424E0324F1D}"/>
+                <a16:creationId xmlns:a16="http://schemas.microsoft.com/office/drawing/2014/main" xmlns="" id="{2047E423-03F9-5641-8F35-7424E0324F1D}"/>
               </a:ext>
             </a:extLst>
           </p:cNvPr>
@@ -7517,7 +7532,7 @@
           <p:cNvPr id="8" name="TextBox 7">
             <a:extLst>
               <a:ext uri="{FF2B5EF4-FFF2-40B4-BE49-F238E27FC236}">
-                <a16:creationId xmlns:a16="http://schemas.microsoft.com/office/drawing/2014/main" id="{321792AA-D1E7-2F4C-90D9-640A97139C4F}"/>
+                <a16:creationId xmlns:a16="http://schemas.microsoft.com/office/drawing/2014/main" xmlns="" id="{321792AA-D1E7-2F4C-90D9-640A97139C4F}"/>
               </a:ext>
             </a:extLst>
           </p:cNvPr>
@@ -7556,7 +7571,7 @@
           <p:cNvPr id="9" name="Picture 8">
             <a:extLst>
               <a:ext uri="{FF2B5EF4-FFF2-40B4-BE49-F238E27FC236}">
-                <a16:creationId xmlns:a16="http://schemas.microsoft.com/office/drawing/2014/main" id="{3E7DB011-DC0E-C040-A5AF-4E6FD896D4FA}"/>
+                <a16:creationId xmlns:a16="http://schemas.microsoft.com/office/drawing/2014/main" xmlns="" id="{3E7DB011-DC0E-C040-A5AF-4E6FD896D4FA}"/>
               </a:ext>
             </a:extLst>
           </p:cNvPr>
@@ -7593,7 +7608,7 @@
           <p:cNvPr id="10" name="Picture 9">
             <a:extLst>
               <a:ext uri="{FF2B5EF4-FFF2-40B4-BE49-F238E27FC236}">
-                <a16:creationId xmlns:a16="http://schemas.microsoft.com/office/drawing/2014/main" id="{2FBAF6B8-09B4-C04E-81F1-0F1AD456C55E}"/>
+                <a16:creationId xmlns:a16="http://schemas.microsoft.com/office/drawing/2014/main" xmlns="" id="{2FBAF6B8-09B4-C04E-81F1-0F1AD456C55E}"/>
               </a:ext>
             </a:extLst>
           </p:cNvPr>
@@ -7630,7 +7645,7 @@
           <p:cNvPr id="11" name="Picture 10">
             <a:extLst>
               <a:ext uri="{FF2B5EF4-FFF2-40B4-BE49-F238E27FC236}">
-                <a16:creationId xmlns:a16="http://schemas.microsoft.com/office/drawing/2014/main" id="{8FDDEFBF-E06F-FF43-9211-0ABDDC3076D1}"/>
+                <a16:creationId xmlns:a16="http://schemas.microsoft.com/office/drawing/2014/main" xmlns="" id="{8FDDEFBF-E06F-FF43-9211-0ABDDC3076D1}"/>
               </a:ext>
             </a:extLst>
           </p:cNvPr>
@@ -7667,7 +7682,7 @@
           <p:cNvPr id="12" name="Picture 11">
             <a:extLst>
               <a:ext uri="{FF2B5EF4-FFF2-40B4-BE49-F238E27FC236}">
-                <a16:creationId xmlns:a16="http://schemas.microsoft.com/office/drawing/2014/main" id="{B98498DC-2A4E-B24B-A6B3-2C12B9B5A8D6}"/>
+                <a16:creationId xmlns:a16="http://schemas.microsoft.com/office/drawing/2014/main" xmlns="" id="{B98498DC-2A4E-B24B-A6B3-2C12B9B5A8D6}"/>
               </a:ext>
             </a:extLst>
           </p:cNvPr>
@@ -7704,7 +7719,7 @@
           <p:cNvPr id="13" name="Right Arrow 12">
             <a:extLst>
               <a:ext uri="{FF2B5EF4-FFF2-40B4-BE49-F238E27FC236}">
-                <a16:creationId xmlns:a16="http://schemas.microsoft.com/office/drawing/2014/main" id="{44D0BA8A-4DE0-AF4F-8356-B70E92236185}"/>
+                <a16:creationId xmlns:a16="http://schemas.microsoft.com/office/drawing/2014/main" xmlns="" id="{44D0BA8A-4DE0-AF4F-8356-B70E92236185}"/>
               </a:ext>
             </a:extLst>
           </p:cNvPr>
@@ -7761,7 +7776,7 @@
           <p:cNvPr id="14" name="Right Arrow 13">
             <a:extLst>
               <a:ext uri="{FF2B5EF4-FFF2-40B4-BE49-F238E27FC236}">
-                <a16:creationId xmlns:a16="http://schemas.microsoft.com/office/drawing/2014/main" id="{2AF4AD68-9BCC-984B-9324-2ABE684E3ABC}"/>
+                <a16:creationId xmlns:a16="http://schemas.microsoft.com/office/drawing/2014/main" xmlns="" id="{2AF4AD68-9BCC-984B-9324-2ABE684E3ABC}"/>
               </a:ext>
             </a:extLst>
           </p:cNvPr>
@@ -7818,7 +7833,7 @@
           <p:cNvPr id="15" name="Right Arrow 14">
             <a:extLst>
               <a:ext uri="{FF2B5EF4-FFF2-40B4-BE49-F238E27FC236}">
-                <a16:creationId xmlns:a16="http://schemas.microsoft.com/office/drawing/2014/main" id="{BBD97BB8-949B-1F48-898E-C17824C2D75A}"/>
+                <a16:creationId xmlns:a16="http://schemas.microsoft.com/office/drawing/2014/main" xmlns="" id="{BBD97BB8-949B-1F48-898E-C17824C2D75A}"/>
               </a:ext>
             </a:extLst>
           </p:cNvPr>
@@ -7875,7 +7890,7 @@
           <p:cNvPr id="16" name="Right Arrow 15">
             <a:extLst>
               <a:ext uri="{FF2B5EF4-FFF2-40B4-BE49-F238E27FC236}">
-                <a16:creationId xmlns:a16="http://schemas.microsoft.com/office/drawing/2014/main" id="{B5F7260E-65C8-D44C-A799-1EB137675139}"/>
+                <a16:creationId xmlns:a16="http://schemas.microsoft.com/office/drawing/2014/main" xmlns="" id="{B5F7260E-65C8-D44C-A799-1EB137675139}"/>
               </a:ext>
             </a:extLst>
           </p:cNvPr>
@@ -7932,7 +7947,7 @@
           <p:cNvPr id="17" name="TextBox 16">
             <a:extLst>
               <a:ext uri="{FF2B5EF4-FFF2-40B4-BE49-F238E27FC236}">
-                <a16:creationId xmlns:a16="http://schemas.microsoft.com/office/drawing/2014/main" id="{E5B460BE-FED3-0145-B0BC-257D27597DF8}"/>
+                <a16:creationId xmlns:a16="http://schemas.microsoft.com/office/drawing/2014/main" xmlns="" id="{E5B460BE-FED3-0145-B0BC-257D27597DF8}"/>
               </a:ext>
             </a:extLst>
           </p:cNvPr>
@@ -7971,7 +7986,7 @@
           <p:cNvPr id="18" name="TextBox 17">
             <a:extLst>
               <a:ext uri="{FF2B5EF4-FFF2-40B4-BE49-F238E27FC236}">
-                <a16:creationId xmlns:a16="http://schemas.microsoft.com/office/drawing/2014/main" id="{6131011F-6872-104E-BA3E-CDB939DEBD6E}"/>
+                <a16:creationId xmlns:a16="http://schemas.microsoft.com/office/drawing/2014/main" xmlns="" id="{6131011F-6872-104E-BA3E-CDB939DEBD6E}"/>
               </a:ext>
             </a:extLst>
           </p:cNvPr>
@@ -8010,7 +8025,7 @@
           <p:cNvPr id="19" name="TextBox 18">
             <a:extLst>
               <a:ext uri="{FF2B5EF4-FFF2-40B4-BE49-F238E27FC236}">
-                <a16:creationId xmlns:a16="http://schemas.microsoft.com/office/drawing/2014/main" id="{5AD828E3-85E9-0747-B6EE-3C2C05743710}"/>
+                <a16:creationId xmlns:a16="http://schemas.microsoft.com/office/drawing/2014/main" xmlns="" id="{5AD828E3-85E9-0747-B6EE-3C2C05743710}"/>
               </a:ext>
             </a:extLst>
           </p:cNvPr>
@@ -8054,7 +8069,7 @@
           <p:cNvPr id="20" name="TextBox 19">
             <a:extLst>
               <a:ext uri="{FF2B5EF4-FFF2-40B4-BE49-F238E27FC236}">
-                <a16:creationId xmlns:a16="http://schemas.microsoft.com/office/drawing/2014/main" id="{807F31BC-8573-4C43-8296-98602EA1EFC4}"/>
+                <a16:creationId xmlns:a16="http://schemas.microsoft.com/office/drawing/2014/main" xmlns="" id="{807F31BC-8573-4C43-8296-98602EA1EFC4}"/>
               </a:ext>
             </a:extLst>
           </p:cNvPr>
@@ -8093,7 +8108,7 @@
           <p:cNvPr id="21" name="TextBox 20">
             <a:extLst>
               <a:ext uri="{FF2B5EF4-FFF2-40B4-BE49-F238E27FC236}">
-                <a16:creationId xmlns:a16="http://schemas.microsoft.com/office/drawing/2014/main" id="{06AF1C85-63AF-9449-9623-5A514D18C521}"/>
+                <a16:creationId xmlns:a16="http://schemas.microsoft.com/office/drawing/2014/main" xmlns="" id="{06AF1C85-63AF-9449-9623-5A514D18C521}"/>
               </a:ext>
             </a:extLst>
           </p:cNvPr>
@@ -8132,7 +8147,7 @@
           <p:cNvPr id="22" name="TextBox 21">
             <a:extLst>
               <a:ext uri="{FF2B5EF4-FFF2-40B4-BE49-F238E27FC236}">
-                <a16:creationId xmlns:a16="http://schemas.microsoft.com/office/drawing/2014/main" id="{5AE49328-13D1-DA4A-9091-654D5ACD1714}"/>
+                <a16:creationId xmlns:a16="http://schemas.microsoft.com/office/drawing/2014/main" xmlns="" id="{5AE49328-13D1-DA4A-9091-654D5ACD1714}"/>
               </a:ext>
             </a:extLst>
           </p:cNvPr>
@@ -8171,7 +8186,7 @@
           <p:cNvPr id="23" name="TextBox 22">
             <a:extLst>
               <a:ext uri="{FF2B5EF4-FFF2-40B4-BE49-F238E27FC236}">
-                <a16:creationId xmlns:a16="http://schemas.microsoft.com/office/drawing/2014/main" id="{3497FDD4-93F0-EC46-80FC-15E5914BCE2E}"/>
+                <a16:creationId xmlns:a16="http://schemas.microsoft.com/office/drawing/2014/main" xmlns="" id="{3497FDD4-93F0-EC46-80FC-15E5914BCE2E}"/>
               </a:ext>
             </a:extLst>
           </p:cNvPr>
@@ -8215,7 +8230,7 @@
           <p:cNvPr id="24" name="TextBox 23">
             <a:extLst>
               <a:ext uri="{FF2B5EF4-FFF2-40B4-BE49-F238E27FC236}">
-                <a16:creationId xmlns:a16="http://schemas.microsoft.com/office/drawing/2014/main" id="{D2844F81-5A90-184C-B443-347ADFE0A4B7}"/>
+                <a16:creationId xmlns:a16="http://schemas.microsoft.com/office/drawing/2014/main" xmlns="" id="{D2844F81-5A90-184C-B443-347ADFE0A4B7}"/>
               </a:ext>
             </a:extLst>
           </p:cNvPr>
@@ -8259,7 +8274,7 @@
           <p:cNvPr id="25" name="Right Arrow 24">
             <a:extLst>
               <a:ext uri="{FF2B5EF4-FFF2-40B4-BE49-F238E27FC236}">
-                <a16:creationId xmlns:a16="http://schemas.microsoft.com/office/drawing/2014/main" id="{0CFC1AE2-0D71-A34F-A7E3-A5FF483DCD82}"/>
+                <a16:creationId xmlns:a16="http://schemas.microsoft.com/office/drawing/2014/main" xmlns="" id="{0CFC1AE2-0D71-A34F-A7E3-A5FF483DCD82}"/>
               </a:ext>
             </a:extLst>
           </p:cNvPr>
@@ -8314,7 +8329,7 @@
           <p:cNvPr id="26" name="Right Arrow 25">
             <a:extLst>
               <a:ext uri="{FF2B5EF4-FFF2-40B4-BE49-F238E27FC236}">
-                <a16:creationId xmlns:a16="http://schemas.microsoft.com/office/drawing/2014/main" id="{64CAB5C8-F6F4-3546-A540-61E5F156837B}"/>
+                <a16:creationId xmlns:a16="http://schemas.microsoft.com/office/drawing/2014/main" xmlns="" id="{64CAB5C8-F6F4-3546-A540-61E5F156837B}"/>
               </a:ext>
             </a:extLst>
           </p:cNvPr>
@@ -8369,7 +8384,7 @@
           <p:cNvPr id="27" name="Right Arrow 26">
             <a:extLst>
               <a:ext uri="{FF2B5EF4-FFF2-40B4-BE49-F238E27FC236}">
-                <a16:creationId xmlns:a16="http://schemas.microsoft.com/office/drawing/2014/main" id="{805FFA5E-E4BD-A24C-9DBF-E3EF9C7744E8}"/>
+                <a16:creationId xmlns:a16="http://schemas.microsoft.com/office/drawing/2014/main" xmlns="" id="{805FFA5E-E4BD-A24C-9DBF-E3EF9C7744E8}"/>
               </a:ext>
             </a:extLst>
           </p:cNvPr>
@@ -8424,7 +8439,7 @@
           <p:cNvPr id="28" name="Right Arrow 27">
             <a:extLst>
               <a:ext uri="{FF2B5EF4-FFF2-40B4-BE49-F238E27FC236}">
-                <a16:creationId xmlns:a16="http://schemas.microsoft.com/office/drawing/2014/main" id="{CB78E1A0-21BC-5143-AFD4-983623A0C362}"/>
+                <a16:creationId xmlns:a16="http://schemas.microsoft.com/office/drawing/2014/main" xmlns="" id="{CB78E1A0-21BC-5143-AFD4-983623A0C362}"/>
               </a:ext>
             </a:extLst>
           </p:cNvPr>
@@ -8484,6 +8499,13 @@
   <p:clrMapOvr>
     <a:masterClrMapping/>
   </p:clrMapOvr>
+  <p:timing>
+    <p:tnLst>
+      <p:par>
+        <p:cTn id="1" dur="indefinite" restart="never" nodeType="tmRoot"/>
+      </p:par>
+    </p:tnLst>
+  </p:timing>
 </p:sld>
 </file>
 
@@ -8509,7 +8531,7 @@
           <p:cNvPr id="2" name="Picture 1">
             <a:extLst>
               <a:ext uri="{FF2B5EF4-FFF2-40B4-BE49-F238E27FC236}">
-                <a16:creationId xmlns:a16="http://schemas.microsoft.com/office/drawing/2014/main" id="{62A39145-5A26-F74D-8639-AEB39B8A80A4}"/>
+                <a16:creationId xmlns:a16="http://schemas.microsoft.com/office/drawing/2014/main" xmlns="" id="{62A39145-5A26-F74D-8639-AEB39B8A80A4}"/>
               </a:ext>
             </a:extLst>
           </p:cNvPr>
@@ -8550,6 +8572,13 @@
   <p:clrMapOvr>
     <a:masterClrMapping/>
   </p:clrMapOvr>
+  <p:timing>
+    <p:tnLst>
+      <p:par>
+        <p:cTn id="1" dur="indefinite" restart="never" nodeType="tmRoot"/>
+      </p:par>
+    </p:tnLst>
+  </p:timing>
 </p:sld>
 </file>
 
@@ -8575,7 +8604,7 @@
           <p:cNvPr id="2" name="Title 1">
             <a:extLst>
               <a:ext uri="{FF2B5EF4-FFF2-40B4-BE49-F238E27FC236}">
-                <a16:creationId xmlns:a16="http://schemas.microsoft.com/office/drawing/2014/main" id="{A42905EC-B36F-6343-BCD4-0172EB47B192}"/>
+                <a16:creationId xmlns:a16="http://schemas.microsoft.com/office/drawing/2014/main" xmlns="" id="{A42905EC-B36F-6343-BCD4-0172EB47B192}"/>
               </a:ext>
             </a:extLst>
           </p:cNvPr>
@@ -8614,7 +8643,7 @@
           <p:cNvPr id="3" name="Picture 2">
             <a:extLst>
               <a:ext uri="{FF2B5EF4-FFF2-40B4-BE49-F238E27FC236}">
-                <a16:creationId xmlns:a16="http://schemas.microsoft.com/office/drawing/2014/main" id="{30099ED5-E4B5-0845-B0FA-32B9D3FE69CF}"/>
+                <a16:creationId xmlns:a16="http://schemas.microsoft.com/office/drawing/2014/main" xmlns="" id="{30099ED5-E4B5-0845-B0FA-32B9D3FE69CF}"/>
               </a:ext>
             </a:extLst>
           </p:cNvPr>
@@ -8650,7 +8679,7 @@
           <p:cNvPr id="4" name="Picture 3">
             <a:extLst>
               <a:ext uri="{FF2B5EF4-FFF2-40B4-BE49-F238E27FC236}">
-                <a16:creationId xmlns:a16="http://schemas.microsoft.com/office/drawing/2014/main" id="{9501F4E8-2450-9443-83AF-CD2710E13102}"/>
+                <a16:creationId xmlns:a16="http://schemas.microsoft.com/office/drawing/2014/main" xmlns="" id="{9501F4E8-2450-9443-83AF-CD2710E13102}"/>
               </a:ext>
             </a:extLst>
           </p:cNvPr>
@@ -8686,7 +8715,7 @@
           <p:cNvPr id="5" name="Rectangle 4">
             <a:extLst>
               <a:ext uri="{FF2B5EF4-FFF2-40B4-BE49-F238E27FC236}">
-                <a16:creationId xmlns:a16="http://schemas.microsoft.com/office/drawing/2014/main" id="{EF8FE14B-40A1-714C-B567-B5471C9BDA56}"/>
+                <a16:creationId xmlns:a16="http://schemas.microsoft.com/office/drawing/2014/main" xmlns="" id="{EF8FE14B-40A1-714C-B567-B5471C9BDA56}"/>
               </a:ext>
             </a:extLst>
           </p:cNvPr>
@@ -8726,7 +8755,7 @@
           <p:cNvPr id="6" name="Rectangle 5">
             <a:extLst>
               <a:ext uri="{FF2B5EF4-FFF2-40B4-BE49-F238E27FC236}">
-                <a16:creationId xmlns:a16="http://schemas.microsoft.com/office/drawing/2014/main" id="{8FEC18F2-FD45-AC42-B03E-01DB5D6B276A}"/>
+                <a16:creationId xmlns:a16="http://schemas.microsoft.com/office/drawing/2014/main" xmlns="" id="{8FEC18F2-FD45-AC42-B03E-01DB5D6B276A}"/>
               </a:ext>
             </a:extLst>
           </p:cNvPr>
@@ -8766,7 +8795,7 @@
           <p:cNvPr id="7" name="Rectangle 6">
             <a:extLst>
               <a:ext uri="{FF2B5EF4-FFF2-40B4-BE49-F238E27FC236}">
-                <a16:creationId xmlns:a16="http://schemas.microsoft.com/office/drawing/2014/main" id="{DD1A003C-4E68-2444-A82C-266C7952D84D}"/>
+                <a16:creationId xmlns:a16="http://schemas.microsoft.com/office/drawing/2014/main" xmlns="" id="{DD1A003C-4E68-2444-A82C-266C7952D84D}"/>
               </a:ext>
             </a:extLst>
           </p:cNvPr>
@@ -8806,7 +8835,7 @@
           <p:cNvPr id="8" name="Rectangle 7">
             <a:extLst>
               <a:ext uri="{FF2B5EF4-FFF2-40B4-BE49-F238E27FC236}">
-                <a16:creationId xmlns:a16="http://schemas.microsoft.com/office/drawing/2014/main" id="{C5D8BF05-C917-AF40-AB2F-0E9A671A3C18}"/>
+                <a16:creationId xmlns:a16="http://schemas.microsoft.com/office/drawing/2014/main" xmlns="" id="{C5D8BF05-C917-AF40-AB2F-0E9A671A3C18}"/>
               </a:ext>
             </a:extLst>
           </p:cNvPr>
@@ -8846,7 +8875,7 @@
           <p:cNvPr id="9" name="Rectangle 8">
             <a:extLst>
               <a:ext uri="{FF2B5EF4-FFF2-40B4-BE49-F238E27FC236}">
-                <a16:creationId xmlns:a16="http://schemas.microsoft.com/office/drawing/2014/main" id="{3B2495E0-C0FF-314C-A94A-D888330E3B31}"/>
+                <a16:creationId xmlns:a16="http://schemas.microsoft.com/office/drawing/2014/main" xmlns="" id="{3B2495E0-C0FF-314C-A94A-D888330E3B31}"/>
               </a:ext>
             </a:extLst>
           </p:cNvPr>
@@ -8886,7 +8915,7 @@
           <p:cNvPr id="10" name="Picture 9">
             <a:extLst>
               <a:ext uri="{FF2B5EF4-FFF2-40B4-BE49-F238E27FC236}">
-                <a16:creationId xmlns:a16="http://schemas.microsoft.com/office/drawing/2014/main" id="{F4DBE8B5-9B51-404E-B42F-CE5C72699739}"/>
+                <a16:creationId xmlns:a16="http://schemas.microsoft.com/office/drawing/2014/main" xmlns="" id="{F4DBE8B5-9B51-404E-B42F-CE5C72699739}"/>
               </a:ext>
             </a:extLst>
           </p:cNvPr>
@@ -8931,7 +8960,7 @@
           <p:cNvPr id="11" name="Straight Connector 10">
             <a:extLst>
               <a:ext uri="{FF2B5EF4-FFF2-40B4-BE49-F238E27FC236}">
-                <a16:creationId xmlns:a16="http://schemas.microsoft.com/office/drawing/2014/main" id="{708E87E4-3C37-D546-8CF6-7B12C7B18BDD}"/>
+                <a16:creationId xmlns:a16="http://schemas.microsoft.com/office/drawing/2014/main" xmlns="" id="{708E87E4-3C37-D546-8CF6-7B12C7B18BDD}"/>
               </a:ext>
             </a:extLst>
           </p:cNvPr>
@@ -8980,7 +9009,7 @@
           <p:cNvPr id="12" name="Picture 11">
             <a:extLst>
               <a:ext uri="{FF2B5EF4-FFF2-40B4-BE49-F238E27FC236}">
-                <a16:creationId xmlns:a16="http://schemas.microsoft.com/office/drawing/2014/main" id="{6C72D2BC-7927-C943-A870-D671BED5A93E}"/>
+                <a16:creationId xmlns:a16="http://schemas.microsoft.com/office/drawing/2014/main" xmlns="" id="{6C72D2BC-7927-C943-A870-D671BED5A93E}"/>
               </a:ext>
             </a:extLst>
           </p:cNvPr>
@@ -9025,7 +9054,7 @@
           <p:cNvPr id="13" name="Straight Connector 12">
             <a:extLst>
               <a:ext uri="{FF2B5EF4-FFF2-40B4-BE49-F238E27FC236}">
-                <a16:creationId xmlns:a16="http://schemas.microsoft.com/office/drawing/2014/main" id="{3DB1D9BA-B152-5248-9C49-A5AD50247E5F}"/>
+                <a16:creationId xmlns:a16="http://schemas.microsoft.com/office/drawing/2014/main" xmlns="" id="{3DB1D9BA-B152-5248-9C49-A5AD50247E5F}"/>
               </a:ext>
             </a:extLst>
           </p:cNvPr>
@@ -9079,6 +9108,13 @@
   <p:clrMapOvr>
     <a:masterClrMapping/>
   </p:clrMapOvr>
+  <p:timing>
+    <p:tnLst>
+      <p:par>
+        <p:cTn id="1" dur="indefinite" restart="never" nodeType="tmRoot"/>
+      </p:par>
+    </p:tnLst>
+  </p:timing>
 </p:sld>
 </file>
 
@@ -9104,7 +9140,7 @@
           <p:cNvPr id="2" name="Title 1">
             <a:extLst>
               <a:ext uri="{FF2B5EF4-FFF2-40B4-BE49-F238E27FC236}">
-                <a16:creationId xmlns:a16="http://schemas.microsoft.com/office/drawing/2014/main" id="{41C63BF9-D595-F248-B9DC-3F806488582B}"/>
+                <a16:creationId xmlns:a16="http://schemas.microsoft.com/office/drawing/2014/main" xmlns="" id="{41C63BF9-D595-F248-B9DC-3F806488582B}"/>
               </a:ext>
             </a:extLst>
           </p:cNvPr>
@@ -9165,7 +9201,7 @@
           <p:cNvPr id="3" name="Group 2">
             <a:extLst>
               <a:ext uri="{FF2B5EF4-FFF2-40B4-BE49-F238E27FC236}">
-                <a16:creationId xmlns:a16="http://schemas.microsoft.com/office/drawing/2014/main" id="{1FD5EEAA-D413-0B4F-A845-4B206AB44C02}"/>
+                <a16:creationId xmlns:a16="http://schemas.microsoft.com/office/drawing/2014/main" xmlns="" id="{1FD5EEAA-D413-0B4F-A845-4B206AB44C02}"/>
               </a:ext>
             </a:extLst>
           </p:cNvPr>
@@ -9175,9 +9211,9 @@
         <p:grpSpPr>
           <a:xfrm>
             <a:off x="3054831" y="383278"/>
-            <a:ext cx="1823384" cy="1699281"/>
+            <a:ext cx="5832656" cy="2192482"/>
             <a:chOff x="305389" y="343521"/>
-            <a:chExt cx="1823384" cy="1699281"/>
+            <a:chExt cx="5832656" cy="2192482"/>
           </a:xfrm>
         </p:grpSpPr>
         <p:sp>
@@ -9185,7 +9221,7 @@
             <p:cNvPr id="4" name="TextBox 3">
               <a:extLst>
                 <a:ext uri="{FF2B5EF4-FFF2-40B4-BE49-F238E27FC236}">
-                  <a16:creationId xmlns:a16="http://schemas.microsoft.com/office/drawing/2014/main" id="{2F2F111D-5DE1-8349-A16D-57F246122727}"/>
+                  <a16:creationId xmlns:a16="http://schemas.microsoft.com/office/drawing/2014/main" xmlns="" id="{2F2F111D-5DE1-8349-A16D-57F246122727}"/>
                 </a:ext>
               </a:extLst>
             </p:cNvPr>
@@ -9282,7 +9318,7 @@
             <p:cNvPr id="5" name="Freeform 21">
               <a:extLst>
                 <a:ext uri="{FF2B5EF4-FFF2-40B4-BE49-F238E27FC236}">
-                  <a16:creationId xmlns:a16="http://schemas.microsoft.com/office/drawing/2014/main" id="{7A6EBB71-7044-3F44-8FF4-35563E6D6A1D}"/>
+                  <a16:creationId xmlns:a16="http://schemas.microsoft.com/office/drawing/2014/main" xmlns="" id="{7A6EBB71-7044-3F44-8FF4-35563E6D6A1D}"/>
                 </a:ext>
               </a:extLst>
             </p:cNvPr>
@@ -9291,8 +9327,8 @@
           </p:nvSpPr>
           <p:spPr>
             <a:xfrm>
-              <a:off x="305389" y="1441545"/>
-              <a:ext cx="1823384" cy="290852"/>
+              <a:off x="305389" y="1973810"/>
+              <a:ext cx="5832656" cy="222287"/>
             </a:xfrm>
             <a:custGeom>
               <a:avLst/>
@@ -9382,7 +9418,7 @@
             <p:cNvPr id="6" name="TextBox 5">
               <a:extLst>
                 <a:ext uri="{FF2B5EF4-FFF2-40B4-BE49-F238E27FC236}">
-                  <a16:creationId xmlns:a16="http://schemas.microsoft.com/office/drawing/2014/main" id="{B412E8F7-041E-F843-BC0C-F8620A2F977B}"/>
+                  <a16:creationId xmlns:a16="http://schemas.microsoft.com/office/drawing/2014/main" xmlns="" id="{B412E8F7-041E-F843-BC0C-F8620A2F977B}"/>
                 </a:ext>
               </a:extLst>
             </p:cNvPr>
@@ -9391,7 +9427,7 @@
           </p:nvSpPr>
           <p:spPr>
             <a:xfrm>
-              <a:off x="769207" y="1777345"/>
+              <a:off x="2820715" y="2270546"/>
               <a:ext cx="1020663" cy="265457"/>
             </a:xfrm>
             <a:prstGeom prst="rect">
@@ -9445,7 +9481,7 @@
           <p:cNvPr id="7" name="Group 6">
             <a:extLst>
               <a:ext uri="{FF2B5EF4-FFF2-40B4-BE49-F238E27FC236}">
-                <a16:creationId xmlns:a16="http://schemas.microsoft.com/office/drawing/2014/main" id="{AF9B7A91-412D-E641-AED9-C2F12BFD2CE4}"/>
+                <a16:creationId xmlns:a16="http://schemas.microsoft.com/office/drawing/2014/main" xmlns="" id="{AF9B7A91-412D-E641-AED9-C2F12BFD2CE4}"/>
               </a:ext>
             </a:extLst>
           </p:cNvPr>
@@ -9465,7 +9501,7 @@
             <p:cNvPr id="8" name="TextBox 7">
               <a:extLst>
                 <a:ext uri="{FF2B5EF4-FFF2-40B4-BE49-F238E27FC236}">
-                  <a16:creationId xmlns:a16="http://schemas.microsoft.com/office/drawing/2014/main" id="{56594619-2A06-6848-8D11-257FA8160D87}"/>
+                  <a16:creationId xmlns:a16="http://schemas.microsoft.com/office/drawing/2014/main" xmlns="" id="{56594619-2A06-6848-8D11-257FA8160D87}"/>
                 </a:ext>
               </a:extLst>
             </p:cNvPr>
@@ -9529,7 +9565,7 @@
             <p:cNvPr id="9" name="TextBox 8">
               <a:extLst>
                 <a:ext uri="{FF2B5EF4-FFF2-40B4-BE49-F238E27FC236}">
-                  <a16:creationId xmlns:a16="http://schemas.microsoft.com/office/drawing/2014/main" id="{E0801FC9-DC7E-4842-B193-7AEA95C15B21}"/>
+                  <a16:creationId xmlns:a16="http://schemas.microsoft.com/office/drawing/2014/main" xmlns="" id="{E0801FC9-DC7E-4842-B193-7AEA95C15B21}"/>
                 </a:ext>
               </a:extLst>
             </p:cNvPr>
@@ -9599,7 +9635,7 @@
             <p:cNvPr id="10" name="Freeform 37">
               <a:extLst>
                 <a:ext uri="{FF2B5EF4-FFF2-40B4-BE49-F238E27FC236}">
-                  <a16:creationId xmlns:a16="http://schemas.microsoft.com/office/drawing/2014/main" id="{606AFF11-3EEF-9644-BC81-FBA967B5EE3C}"/>
+                  <a16:creationId xmlns:a16="http://schemas.microsoft.com/office/drawing/2014/main" xmlns="" id="{606AFF11-3EEF-9644-BC81-FBA967B5EE3C}"/>
                 </a:ext>
               </a:extLst>
             </p:cNvPr>
@@ -9695,67 +9731,12 @@
           </p:txBody>
         </p:sp>
       </p:grpSp>
-      <p:cxnSp>
-        <p:nvCxnSpPr>
-          <p:cNvPr id="11" name="Straight Connector 10">
-            <a:extLst>
-              <a:ext uri="{FF2B5EF4-FFF2-40B4-BE49-F238E27FC236}">
-                <a16:creationId xmlns:a16="http://schemas.microsoft.com/office/drawing/2014/main" id="{1DFF237D-CA54-7F48-B282-19FC123E5C4B}"/>
-              </a:ext>
-            </a:extLst>
-          </p:cNvPr>
-          <p:cNvCxnSpPr>
-            <a:cxnSpLocks/>
-          </p:cNvCxnSpPr>
-          <p:nvPr/>
-        </p:nvCxnSpPr>
-        <p:spPr>
-          <a:xfrm>
-            <a:off x="340592" y="2967989"/>
-            <a:ext cx="8336520" cy="0"/>
-          </a:xfrm>
-          <a:prstGeom prst="line">
-            <a:avLst/>
-          </a:prstGeom>
-          <a:ln>
-            <a:gradFill flip="none" rotWithShape="1">
-              <a:gsLst>
-                <a:gs pos="0">
-                  <a:schemeClr val="accent1">
-                    <a:lumMod val="20000"/>
-                    <a:lumOff val="80000"/>
-                  </a:schemeClr>
-                </a:gs>
-                <a:gs pos="100000">
-                  <a:srgbClr val="0570A0"/>
-                </a:gs>
-              </a:gsLst>
-              <a:lin ang="0" scaled="1"/>
-              <a:tileRect/>
-            </a:gradFill>
-          </a:ln>
-        </p:spPr>
-        <p:style>
-          <a:lnRef idx="2">
-            <a:schemeClr val="accent1"/>
-          </a:lnRef>
-          <a:fillRef idx="0">
-            <a:schemeClr val="accent1"/>
-          </a:fillRef>
-          <a:effectRef idx="1">
-            <a:schemeClr val="accent1"/>
-          </a:effectRef>
-          <a:fontRef idx="minor">
-            <a:schemeClr val="tx1"/>
-          </a:fontRef>
-        </p:style>
-      </p:cxnSp>
       <p:grpSp>
         <p:nvGrpSpPr>
           <p:cNvPr id="12" name="Group 11">
             <a:extLst>
               <a:ext uri="{FF2B5EF4-FFF2-40B4-BE49-F238E27FC236}">
-                <a16:creationId xmlns:a16="http://schemas.microsoft.com/office/drawing/2014/main" id="{8A352809-8885-6E42-8E3D-026014427890}"/>
+                <a16:creationId xmlns:a16="http://schemas.microsoft.com/office/drawing/2014/main" xmlns="" id="{8A352809-8885-6E42-8E3D-026014427890}"/>
               </a:ext>
             </a:extLst>
           </p:cNvPr>
@@ -9775,7 +9756,7 @@
             <p:cNvPr id="13" name="Freeform 21">
               <a:extLst>
                 <a:ext uri="{FF2B5EF4-FFF2-40B4-BE49-F238E27FC236}">
-                  <a16:creationId xmlns:a16="http://schemas.microsoft.com/office/drawing/2014/main" id="{402D46CB-FE05-4543-B66F-51E9C17CCFE7}"/>
+                  <a16:creationId xmlns:a16="http://schemas.microsoft.com/office/drawing/2014/main" xmlns="" id="{402D46CB-FE05-4543-B66F-51E9C17CCFE7}"/>
                 </a:ext>
               </a:extLst>
             </p:cNvPr>
@@ -9875,7 +9856,7 @@
             <p:cNvPr id="14" name="TextBox 13">
               <a:extLst>
                 <a:ext uri="{FF2B5EF4-FFF2-40B4-BE49-F238E27FC236}">
-                  <a16:creationId xmlns:a16="http://schemas.microsoft.com/office/drawing/2014/main" id="{A31A6FB2-555C-A44E-9F53-48EDBF508C54}"/>
+                  <a16:creationId xmlns:a16="http://schemas.microsoft.com/office/drawing/2014/main" xmlns="" id="{A31A6FB2-555C-A44E-9F53-48EDBF508C54}"/>
                 </a:ext>
               </a:extLst>
             </p:cNvPr>
@@ -9937,7 +9918,7 @@
             <p:cNvPr id="15" name="TextBox 14">
               <a:extLst>
                 <a:ext uri="{FF2B5EF4-FFF2-40B4-BE49-F238E27FC236}">
-                  <a16:creationId xmlns:a16="http://schemas.microsoft.com/office/drawing/2014/main" id="{9047BC8C-BE9C-8843-97D3-ADF565FD086F}"/>
+                  <a16:creationId xmlns:a16="http://schemas.microsoft.com/office/drawing/2014/main" xmlns="" id="{9047BC8C-BE9C-8843-97D3-ADF565FD086F}"/>
                 </a:ext>
               </a:extLst>
             </p:cNvPr>
@@ -9979,13 +9960,22 @@
             <a:lstStyle/>
             <a:p>
               <a:r>
-                <a:rPr lang="en-US" dirty="0">
+                <a:rPr lang="en-US" sz="2000" dirty="0" smtClean="0">
                   <a:solidFill>
                     <a:schemeClr val="accent1"/>
                   </a:solidFill>
                   <a:sym typeface="Helvetica Light"/>
                 </a:rPr>
-                <a:t>monthly </a:t>
+                <a:t>      r</a:t>
+              </a:r>
+              <a:r>
+                <a:rPr lang="en-US" sz="2000" dirty="0" smtClean="0">
+                  <a:solidFill>
+                    <a:schemeClr val="accent1"/>
+                  </a:solidFill>
+                  <a:sym typeface="Helvetica Light"/>
+                </a:rPr>
+                <a:t>einvent twitter sentiment</a:t>
               </a:r>
               <a:r>
                 <a:rPr lang="en-US" sz="2000" dirty="0">
@@ -9994,7 +9984,7 @@
                   </a:solidFill>
                   <a:sym typeface="Helvetica Light"/>
                 </a:rPr>
-                <a:t>tweet count for reinvent</a:t>
+                <a:t/>
               </a:r>
               <a:br>
                 <a:rPr lang="en-US" sz="2000" dirty="0">
@@ -10019,10 +10009,10 @@
       </p:grpSp>
       <p:grpSp>
         <p:nvGrpSpPr>
-          <p:cNvPr id="16" name="Group 15">
+          <p:cNvPr id="28" name="Group 27">
             <a:extLst>
               <a:ext uri="{FF2B5EF4-FFF2-40B4-BE49-F238E27FC236}">
-                <a16:creationId xmlns:a16="http://schemas.microsoft.com/office/drawing/2014/main" id="{3A1955CF-7892-4A45-8F03-75E5D5001335}"/>
+                <a16:creationId xmlns:a16="http://schemas.microsoft.com/office/drawing/2014/main" xmlns="" id="{0372741D-4F9B-AC4E-8511-3AA13CB14674}"/>
               </a:ext>
             </a:extLst>
           </p:cNvPr>
@@ -10031,808 +10021,7 @@
         </p:nvGrpSpPr>
         <p:grpSpPr>
           <a:xfrm>
-            <a:off x="5010700" y="2613231"/>
-            <a:ext cx="3876787" cy="1651235"/>
-            <a:chOff x="2792625" y="2576405"/>
-            <a:chExt cx="3876787" cy="1651235"/>
-          </a:xfrm>
-        </p:grpSpPr>
-        <p:sp>
-          <p:nvSpPr>
-            <p:cNvPr id="17" name="TextBox 16">
-              <a:extLst>
-                <a:ext uri="{FF2B5EF4-FFF2-40B4-BE49-F238E27FC236}">
-                  <a16:creationId xmlns:a16="http://schemas.microsoft.com/office/drawing/2014/main" id="{F7F78FF6-980C-8844-A998-AE612B165686}"/>
-                </a:ext>
-              </a:extLst>
-            </p:cNvPr>
-            <p:cNvSpPr txBox="1"/>
-            <p:nvPr/>
-          </p:nvSpPr>
-          <p:spPr>
-            <a:xfrm>
-              <a:off x="2870946" y="2576405"/>
-              <a:ext cx="3798466" cy="1596591"/>
-            </a:xfrm>
-            <a:prstGeom prst="rect">
-              <a:avLst/>
-            </a:prstGeom>
-            <a:noFill/>
-            <a:ln w="12700" cap="flat">
-              <a:noFill/>
-              <a:miter lim="400000"/>
-            </a:ln>
-            <a:effectLst/>
-            <a:sp3d/>
-          </p:spPr>
-          <p:style>
-            <a:lnRef idx="0">
-              <a:scrgbClr r="0" g="0" b="0"/>
-            </a:lnRef>
-            <a:fillRef idx="0">
-              <a:scrgbClr r="0" g="0" b="0"/>
-            </a:fillRef>
-            <a:effectRef idx="0">
-              <a:scrgbClr r="0" g="0" b="0"/>
-            </a:effectRef>
-            <a:fontRef idx="none"/>
-          </p:style>
-          <p:txBody>
-            <a:bodyPr rot="0" spcFirstLastPara="1" vertOverflow="overflow" horzOverflow="overflow" vert="horz" wrap="square" lIns="28575" tIns="28575" rIns="28575" bIns="28575" numCol="1" spcCol="38100" rtlCol="0" anchor="ctr">
-              <a:spAutoFit/>
-            </a:bodyPr>
-            <a:lstStyle/>
-            <a:p>
-              <a:endParaRPr lang="en-US" sz="2000" dirty="0">
-                <a:solidFill>
-                  <a:schemeClr val="accent4"/>
-                </a:solidFill>
-                <a:sym typeface="Helvetica Light"/>
-              </a:endParaRPr>
-            </a:p>
-            <a:p>
-              <a:endParaRPr lang="en-US" sz="2000" dirty="0">
-                <a:solidFill>
-                  <a:schemeClr val="accent4"/>
-                </a:solidFill>
-                <a:sym typeface="Helvetica Light"/>
-              </a:endParaRPr>
-            </a:p>
-            <a:p>
-              <a:r>
-                <a:rPr lang="en-US" sz="2000" dirty="0">
-                  <a:solidFill>
-                    <a:schemeClr val="accent1"/>
-                  </a:solidFill>
-                  <a:sym typeface="Helvetica Light"/>
-                </a:rPr>
-                <a:t>       mentions in the last hour</a:t>
-              </a:r>
-              <a:br>
-                <a:rPr lang="en-US" sz="2000" dirty="0">
-                  <a:solidFill>
-                    <a:schemeClr val="accent1"/>
-                  </a:solidFill>
-                  <a:sym typeface="Helvetica Light"/>
-                </a:rPr>
-              </a:br>
-              <a:r>
-                <a:rPr lang="en-US" sz="2000" dirty="0">
-                  <a:solidFill>
-                    <a:schemeClr val="accent1"/>
-                  </a:solidFill>
-                  <a:sym typeface="Helvetica Light"/>
-                </a:rPr>
-                <a:t>monthly tweet count for reinvent</a:t>
-              </a:r>
-              <a:endParaRPr lang="en-US" sz="3600" dirty="0">
-                <a:solidFill>
-                  <a:schemeClr val="accent1"/>
-                </a:solidFill>
-                <a:sym typeface="Helvetica Light"/>
-              </a:endParaRPr>
-            </a:p>
-            <a:p>
-              <a:endParaRPr lang="en-US" sz="2000" dirty="0">
-                <a:solidFill>
-                  <a:schemeClr val="accent4"/>
-                </a:solidFill>
-                <a:sym typeface="Helvetica Light"/>
-              </a:endParaRPr>
-            </a:p>
-          </p:txBody>
-        </p:sp>
-        <p:sp>
-          <p:nvSpPr>
-            <p:cNvPr id="18" name="Freeform 17">
-              <a:extLst>
-                <a:ext uri="{FF2B5EF4-FFF2-40B4-BE49-F238E27FC236}">
-                  <a16:creationId xmlns:a16="http://schemas.microsoft.com/office/drawing/2014/main" id="{BAF88EC3-670C-9F4E-A6D1-EF62D76F1C22}"/>
-                </a:ext>
-              </a:extLst>
-            </p:cNvPr>
-            <p:cNvSpPr/>
-            <p:nvPr/>
-          </p:nvSpPr>
-          <p:spPr>
-            <a:xfrm>
-              <a:off x="2792625" y="3638493"/>
-              <a:ext cx="3866993" cy="290144"/>
-            </a:xfrm>
-            <a:custGeom>
-              <a:avLst/>
-              <a:gdLst>
-                <a:gd name="connsiteX0" fmla="*/ 0 w 1785937"/>
-                <a:gd name="connsiteY0" fmla="*/ 0 h 314325"/>
-                <a:gd name="connsiteX1" fmla="*/ 0 w 1785937"/>
-                <a:gd name="connsiteY1" fmla="*/ 314325 h 314325"/>
-                <a:gd name="connsiteX2" fmla="*/ 1785937 w 1785937"/>
-                <a:gd name="connsiteY2" fmla="*/ 314325 h 314325"/>
-                <a:gd name="connsiteX3" fmla="*/ 1785937 w 1785937"/>
-                <a:gd name="connsiteY3" fmla="*/ 0 h 314325"/>
-              </a:gdLst>
-              <a:ahLst/>
-              <a:cxnLst>
-                <a:cxn ang="0">
-                  <a:pos x="connsiteX0" y="connsiteY0"/>
-                </a:cxn>
-                <a:cxn ang="0">
-                  <a:pos x="connsiteX1" y="connsiteY1"/>
-                </a:cxn>
-                <a:cxn ang="0">
-                  <a:pos x="connsiteX2" y="connsiteY2"/>
-                </a:cxn>
-                <a:cxn ang="0">
-                  <a:pos x="connsiteX3" y="connsiteY3"/>
-                </a:cxn>
-              </a:cxnLst>
-              <a:rect l="l" t="t" r="r" b="b"/>
-              <a:pathLst>
-                <a:path w="1785937" h="314325">
-                  <a:moveTo>
-                    <a:pt x="0" y="0"/>
-                  </a:moveTo>
-                  <a:lnTo>
-                    <a:pt x="0" y="314325"/>
-                  </a:lnTo>
-                  <a:lnTo>
-                    <a:pt x="1785937" y="314325"/>
-                  </a:lnTo>
-                  <a:lnTo>
-                    <a:pt x="1785937" y="0"/>
-                  </a:lnTo>
-                </a:path>
-              </a:pathLst>
-            </a:custGeom>
-            <a:ln w="19050">
-              <a:solidFill>
-                <a:schemeClr val="accent2">
-                  <a:lumMod val="60000"/>
-                  <a:lumOff val="40000"/>
-                </a:schemeClr>
-              </a:solidFill>
-            </a:ln>
-          </p:spPr>
-          <p:style>
-            <a:lnRef idx="1">
-              <a:schemeClr val="accent3"/>
-            </a:lnRef>
-            <a:fillRef idx="0">
-              <a:schemeClr val="accent3"/>
-            </a:fillRef>
-            <a:effectRef idx="0">
-              <a:schemeClr val="accent3"/>
-            </a:effectRef>
-            <a:fontRef idx="minor">
-              <a:schemeClr val="tx1"/>
-            </a:fontRef>
-          </p:style>
-          <p:txBody>
-            <a:bodyPr rot="0" spcFirstLastPara="1" vertOverflow="overflow" horzOverflow="overflow" vert="horz" wrap="square" lIns="51434" tIns="25717" rIns="51434" bIns="25717" numCol="1" spcCol="38100" rtlCol="0" anchor="t">
-              <a:noAutofit/>
-            </a:bodyPr>
-            <a:lstStyle/>
-            <a:p>
-              <a:pPr defTabSz="514350" latinLnBrk="1" hangingPunct="0"/>
-              <a:endParaRPr lang="en-US" sz="1013">
-                <a:solidFill>
-                  <a:prstClr val="white"/>
-                </a:solidFill>
-              </a:endParaRPr>
-            </a:p>
-          </p:txBody>
-        </p:sp>
-        <p:sp>
-          <p:nvSpPr>
-            <p:cNvPr id="19" name="TextBox 18">
-              <a:extLst>
-                <a:ext uri="{FF2B5EF4-FFF2-40B4-BE49-F238E27FC236}">
-                  <a16:creationId xmlns:a16="http://schemas.microsoft.com/office/drawing/2014/main" id="{91373FA8-826A-BC4B-8BA6-AFA1D7011D83}"/>
-                </a:ext>
-              </a:extLst>
-            </p:cNvPr>
-            <p:cNvSpPr txBox="1"/>
-            <p:nvPr/>
-          </p:nvSpPr>
-          <p:spPr>
-            <a:xfrm>
-              <a:off x="4215789" y="3962183"/>
-              <a:ext cx="1020663" cy="265457"/>
-            </a:xfrm>
-            <a:prstGeom prst="rect">
-              <a:avLst/>
-            </a:prstGeom>
-            <a:noFill/>
-            <a:ln w="12700" cap="flat">
-              <a:noFill/>
-              <a:miter lim="400000"/>
-            </a:ln>
-            <a:effectLst/>
-            <a:sp3d/>
-          </p:spPr>
-          <p:style>
-            <a:lnRef idx="0">
-              <a:scrgbClr r="0" g="0" b="0"/>
-            </a:lnRef>
-            <a:fillRef idx="0">
-              <a:scrgbClr r="0" g="0" b="0"/>
-            </a:fillRef>
-            <a:effectRef idx="0">
-              <a:scrgbClr r="0" g="0" b="0"/>
-            </a:effectRef>
-            <a:fontRef idx="none"/>
-          </p:style>
-          <p:txBody>
-            <a:bodyPr rot="0" spcFirstLastPara="1" vertOverflow="overflow" horzOverflow="overflow" vert="horz" wrap="square" lIns="28575" tIns="28575" rIns="28575" bIns="28575" numCol="1" spcCol="38100" rtlCol="0" anchor="ctr">
-              <a:spAutoFit/>
-            </a:bodyPr>
-            <a:lstStyle/>
-            <a:p>
-              <a:pPr algn="ctr" defTabSz="328613" hangingPunct="0"/>
-              <a:r>
-                <a:rPr lang="en-US" sz="1350" dirty="0">
-                  <a:solidFill>
-                    <a:schemeClr val="accent2">
-                      <a:lumMod val="60000"/>
-                      <a:lumOff val="40000"/>
-                    </a:schemeClr>
-                  </a:solidFill>
-                  <a:sym typeface="Helvetica Light"/>
-                </a:rPr>
-                <a:t>slot value</a:t>
-              </a:r>
-            </a:p>
-          </p:txBody>
-        </p:sp>
-      </p:grpSp>
-      <p:grpSp>
-        <p:nvGrpSpPr>
-          <p:cNvPr id="20" name="Group 19">
-            <a:extLst>
-              <a:ext uri="{FF2B5EF4-FFF2-40B4-BE49-F238E27FC236}">
-                <a16:creationId xmlns:a16="http://schemas.microsoft.com/office/drawing/2014/main" id="{B4F707AA-5F64-4C4D-BFB9-996CF91166B7}"/>
-              </a:ext>
-            </a:extLst>
-          </p:cNvPr>
-          <p:cNvGrpSpPr/>
-          <p:nvPr/>
-        </p:nvGrpSpPr>
-        <p:grpSpPr>
-          <a:xfrm>
-            <a:off x="158815" y="3471266"/>
-            <a:ext cx="1944195" cy="761848"/>
-            <a:chOff x="6876034" y="3458466"/>
-            <a:chExt cx="1944195" cy="761848"/>
-          </a:xfrm>
-        </p:grpSpPr>
-        <p:sp>
-          <p:nvSpPr>
-            <p:cNvPr id="21" name="TextBox 20">
-              <a:extLst>
-                <a:ext uri="{FF2B5EF4-FFF2-40B4-BE49-F238E27FC236}">
-                  <a16:creationId xmlns:a16="http://schemas.microsoft.com/office/drawing/2014/main" id="{F6106BD5-59CA-6E4A-A437-72C532DD0134}"/>
-                </a:ext>
-              </a:extLst>
-            </p:cNvPr>
-            <p:cNvSpPr txBox="1"/>
-            <p:nvPr/>
-          </p:nvSpPr>
-          <p:spPr>
-            <a:xfrm>
-              <a:off x="6876034" y="3458466"/>
-              <a:ext cx="1944195" cy="427040"/>
-            </a:xfrm>
-            <a:prstGeom prst="rect">
-              <a:avLst/>
-            </a:prstGeom>
-            <a:noFill/>
-            <a:ln w="12700" cap="flat">
-              <a:noFill/>
-              <a:miter lim="400000"/>
-            </a:ln>
-            <a:effectLst/>
-            <a:sp3d/>
-          </p:spPr>
-          <p:style>
-            <a:lnRef idx="0">
-              <a:scrgbClr r="0" g="0" b="0"/>
-            </a:lnRef>
-            <a:fillRef idx="0">
-              <a:scrgbClr r="0" g="0" b="0"/>
-            </a:fillRef>
-            <a:effectRef idx="0">
-              <a:scrgbClr r="0" g="0" b="0"/>
-            </a:effectRef>
-            <a:fontRef idx="none"/>
-          </p:style>
-          <p:txBody>
-            <a:bodyPr rot="0" spcFirstLastPara="1" vertOverflow="overflow" horzOverflow="overflow" vert="horz" wrap="square" lIns="28575" tIns="28575" rIns="28575" bIns="28575" numCol="1" spcCol="38100" rtlCol="0" anchor="ctr">
-              <a:spAutoFit/>
-            </a:bodyPr>
-            <a:lstStyle/>
-            <a:p>
-              <a:pPr algn="ctr"/>
-              <a:r>
-                <a:rPr lang="en-US" sz="2400" dirty="0" err="1">
-                  <a:solidFill>
-                    <a:schemeClr val="accent4"/>
-                  </a:solidFill>
-                </a:rPr>
-                <a:t>ListMetrics</a:t>
-              </a:r>
-              <a:endParaRPr lang="en-US" sz="2400" dirty="0">
-                <a:solidFill>
-                  <a:schemeClr val="accent4"/>
-                </a:solidFill>
-                <a:sym typeface="Helvetica Light"/>
-              </a:endParaRPr>
-            </a:p>
-          </p:txBody>
-        </p:sp>
-        <p:sp>
-          <p:nvSpPr>
-            <p:cNvPr id="22" name="TextBox 21">
-              <a:extLst>
-                <a:ext uri="{FF2B5EF4-FFF2-40B4-BE49-F238E27FC236}">
-                  <a16:creationId xmlns:a16="http://schemas.microsoft.com/office/drawing/2014/main" id="{C81E6B9E-7A82-5A4C-899E-1C9E7D32D864}"/>
-                </a:ext>
-              </a:extLst>
-            </p:cNvPr>
-            <p:cNvSpPr txBox="1"/>
-            <p:nvPr/>
-          </p:nvSpPr>
-          <p:spPr>
-            <a:xfrm>
-              <a:off x="7358652" y="3954857"/>
-              <a:ext cx="1020663" cy="265457"/>
-            </a:xfrm>
-            <a:prstGeom prst="rect">
-              <a:avLst/>
-            </a:prstGeom>
-            <a:noFill/>
-            <a:ln w="12700" cap="flat">
-              <a:noFill/>
-              <a:miter lim="400000"/>
-            </a:ln>
-            <a:effectLst/>
-            <a:sp3d/>
-          </p:spPr>
-          <p:style>
-            <a:lnRef idx="0">
-              <a:scrgbClr r="0" g="0" b="0"/>
-            </a:lnRef>
-            <a:fillRef idx="0">
-              <a:scrgbClr r="0" g="0" b="0"/>
-            </a:fillRef>
-            <a:effectRef idx="0">
-              <a:scrgbClr r="0" g="0" b="0"/>
-            </a:effectRef>
-            <a:fontRef idx="none"/>
-          </p:style>
-          <p:txBody>
-            <a:bodyPr rot="0" spcFirstLastPara="1" vertOverflow="overflow" horzOverflow="overflow" vert="horz" wrap="square" lIns="28575" tIns="28575" rIns="28575" bIns="28575" numCol="1" spcCol="38100" rtlCol="0" anchor="ctr">
-              <a:spAutoFit/>
-            </a:bodyPr>
-            <a:lstStyle/>
-            <a:p>
-              <a:pPr algn="ctr" defTabSz="328613" hangingPunct="0"/>
-              <a:r>
-                <a:rPr lang="en-US" sz="1350" dirty="0">
-                  <a:solidFill>
-                    <a:schemeClr val="accent2">
-                      <a:lumMod val="60000"/>
-                      <a:lumOff val="40000"/>
-                    </a:schemeClr>
-                  </a:solidFill>
-                </a:rPr>
-                <a:t>Intent</a:t>
-              </a:r>
-              <a:endParaRPr lang="en-US" sz="1350" dirty="0">
-                <a:solidFill>
-                  <a:schemeClr val="accent2">
-                    <a:lumMod val="60000"/>
-                    <a:lumOff val="40000"/>
-                  </a:schemeClr>
-                </a:solidFill>
-                <a:sym typeface="Helvetica Light"/>
-              </a:endParaRPr>
-            </a:p>
-          </p:txBody>
-        </p:sp>
-        <p:sp>
-          <p:nvSpPr>
-            <p:cNvPr id="23" name="Freeform 37">
-              <a:extLst>
-                <a:ext uri="{FF2B5EF4-FFF2-40B4-BE49-F238E27FC236}">
-                  <a16:creationId xmlns:a16="http://schemas.microsoft.com/office/drawing/2014/main" id="{BAEE1D49-FCED-C340-9869-D1123A1292A9}"/>
-                </a:ext>
-              </a:extLst>
-            </p:cNvPr>
-            <p:cNvSpPr/>
-            <p:nvPr/>
-          </p:nvSpPr>
-          <p:spPr>
-            <a:xfrm>
-              <a:off x="6937327" y="3762579"/>
-              <a:ext cx="1863314" cy="178289"/>
-            </a:xfrm>
-            <a:custGeom>
-              <a:avLst/>
-              <a:gdLst>
-                <a:gd name="connsiteX0" fmla="*/ 0 w 1785937"/>
-                <a:gd name="connsiteY0" fmla="*/ 0 h 314325"/>
-                <a:gd name="connsiteX1" fmla="*/ 0 w 1785937"/>
-                <a:gd name="connsiteY1" fmla="*/ 314325 h 314325"/>
-                <a:gd name="connsiteX2" fmla="*/ 1785937 w 1785937"/>
-                <a:gd name="connsiteY2" fmla="*/ 314325 h 314325"/>
-                <a:gd name="connsiteX3" fmla="*/ 1785937 w 1785937"/>
-                <a:gd name="connsiteY3" fmla="*/ 0 h 314325"/>
-              </a:gdLst>
-              <a:ahLst/>
-              <a:cxnLst>
-                <a:cxn ang="0">
-                  <a:pos x="connsiteX0" y="connsiteY0"/>
-                </a:cxn>
-                <a:cxn ang="0">
-                  <a:pos x="connsiteX1" y="connsiteY1"/>
-                </a:cxn>
-                <a:cxn ang="0">
-                  <a:pos x="connsiteX2" y="connsiteY2"/>
-                </a:cxn>
-                <a:cxn ang="0">
-                  <a:pos x="connsiteX3" y="connsiteY3"/>
-                </a:cxn>
-              </a:cxnLst>
-              <a:rect l="l" t="t" r="r" b="b"/>
-              <a:pathLst>
-                <a:path w="1785937" h="314325">
-                  <a:moveTo>
-                    <a:pt x="0" y="0"/>
-                  </a:moveTo>
-                  <a:lnTo>
-                    <a:pt x="0" y="314325"/>
-                  </a:lnTo>
-                  <a:lnTo>
-                    <a:pt x="1785937" y="314325"/>
-                  </a:lnTo>
-                  <a:lnTo>
-                    <a:pt x="1785937" y="0"/>
-                  </a:lnTo>
-                </a:path>
-              </a:pathLst>
-            </a:custGeom>
-            <a:ln w="19050">
-              <a:solidFill>
-                <a:schemeClr val="accent2">
-                  <a:lumMod val="60000"/>
-                  <a:lumOff val="40000"/>
-                </a:schemeClr>
-              </a:solidFill>
-            </a:ln>
-          </p:spPr>
-          <p:style>
-            <a:lnRef idx="1">
-              <a:schemeClr val="accent3"/>
-            </a:lnRef>
-            <a:fillRef idx="0">
-              <a:schemeClr val="accent3"/>
-            </a:fillRef>
-            <a:effectRef idx="0">
-              <a:schemeClr val="accent3"/>
-            </a:effectRef>
-            <a:fontRef idx="minor">
-              <a:schemeClr val="tx1"/>
-            </a:fontRef>
-          </p:style>
-          <p:txBody>
-            <a:bodyPr rot="0" spcFirstLastPara="1" vertOverflow="overflow" horzOverflow="overflow" vert="horz" wrap="square" lIns="51434" tIns="25717" rIns="51434" bIns="25717" numCol="1" spcCol="38100" rtlCol="0" anchor="t">
-              <a:noAutofit/>
-            </a:bodyPr>
-            <a:lstStyle/>
-            <a:p>
-              <a:pPr algn="ctr" defTabSz="514350" latinLnBrk="1" hangingPunct="0"/>
-              <a:endParaRPr lang="en-US" sz="1013">
-                <a:solidFill>
-                  <a:prstClr val="white"/>
-                </a:solidFill>
-              </a:endParaRPr>
-            </a:p>
-          </p:txBody>
-        </p:sp>
-      </p:grpSp>
-      <p:grpSp>
-        <p:nvGrpSpPr>
-          <p:cNvPr id="24" name="Group 23">
-            <a:extLst>
-              <a:ext uri="{FF2B5EF4-FFF2-40B4-BE49-F238E27FC236}">
-                <a16:creationId xmlns:a16="http://schemas.microsoft.com/office/drawing/2014/main" id="{6B2722FC-223E-8548-87C9-FB3E8B023ED5}"/>
-              </a:ext>
-            </a:extLst>
-          </p:cNvPr>
-          <p:cNvGrpSpPr/>
-          <p:nvPr/>
-        </p:nvGrpSpPr>
-        <p:grpSpPr>
-          <a:xfrm>
-            <a:off x="2286797" y="3206944"/>
-            <a:ext cx="2769984" cy="1087994"/>
-            <a:chOff x="207995" y="3169638"/>
-            <a:chExt cx="2769984" cy="1087994"/>
-          </a:xfrm>
-        </p:grpSpPr>
-        <p:sp>
-          <p:nvSpPr>
-            <p:cNvPr id="25" name="Freeform 21">
-              <a:extLst>
-                <a:ext uri="{FF2B5EF4-FFF2-40B4-BE49-F238E27FC236}">
-                  <a16:creationId xmlns:a16="http://schemas.microsoft.com/office/drawing/2014/main" id="{50DD7332-6F3A-CC46-B9A2-90FAC33AD56A}"/>
-                </a:ext>
-              </a:extLst>
-            </p:cNvPr>
-            <p:cNvSpPr/>
-            <p:nvPr/>
-          </p:nvSpPr>
-          <p:spPr>
-            <a:xfrm>
-              <a:off x="231443" y="3631235"/>
-              <a:ext cx="2509247" cy="309633"/>
-            </a:xfrm>
-            <a:custGeom>
-              <a:avLst/>
-              <a:gdLst>
-                <a:gd name="connsiteX0" fmla="*/ 0 w 1785937"/>
-                <a:gd name="connsiteY0" fmla="*/ 0 h 314325"/>
-                <a:gd name="connsiteX1" fmla="*/ 0 w 1785937"/>
-                <a:gd name="connsiteY1" fmla="*/ 314325 h 314325"/>
-                <a:gd name="connsiteX2" fmla="*/ 1785937 w 1785937"/>
-                <a:gd name="connsiteY2" fmla="*/ 314325 h 314325"/>
-                <a:gd name="connsiteX3" fmla="*/ 1785937 w 1785937"/>
-                <a:gd name="connsiteY3" fmla="*/ 0 h 314325"/>
-              </a:gdLst>
-              <a:ahLst/>
-              <a:cxnLst>
-                <a:cxn ang="0">
-                  <a:pos x="connsiteX0" y="connsiteY0"/>
-                </a:cxn>
-                <a:cxn ang="0">
-                  <a:pos x="connsiteX1" y="connsiteY1"/>
-                </a:cxn>
-                <a:cxn ang="0">
-                  <a:pos x="connsiteX2" y="connsiteY2"/>
-                </a:cxn>
-                <a:cxn ang="0">
-                  <a:pos x="connsiteX3" y="connsiteY3"/>
-                </a:cxn>
-              </a:cxnLst>
-              <a:rect l="l" t="t" r="r" b="b"/>
-              <a:pathLst>
-                <a:path w="1785937" h="314325">
-                  <a:moveTo>
-                    <a:pt x="0" y="0"/>
-                  </a:moveTo>
-                  <a:lnTo>
-                    <a:pt x="0" y="314325"/>
-                  </a:lnTo>
-                  <a:lnTo>
-                    <a:pt x="1785937" y="314325"/>
-                  </a:lnTo>
-                  <a:lnTo>
-                    <a:pt x="1785937" y="0"/>
-                  </a:lnTo>
-                </a:path>
-              </a:pathLst>
-            </a:custGeom>
-            <a:ln w="19050">
-              <a:solidFill>
-                <a:schemeClr val="accent2">
-                  <a:lumMod val="60000"/>
-                  <a:lumOff val="40000"/>
-                </a:schemeClr>
-              </a:solidFill>
-            </a:ln>
-          </p:spPr>
-          <p:style>
-            <a:lnRef idx="1">
-              <a:schemeClr val="accent3"/>
-            </a:lnRef>
-            <a:fillRef idx="0">
-              <a:schemeClr val="accent3"/>
-            </a:fillRef>
-            <a:effectRef idx="0">
-              <a:schemeClr val="accent3"/>
-            </a:effectRef>
-            <a:fontRef idx="minor">
-              <a:schemeClr val="tx1"/>
-            </a:fontRef>
-          </p:style>
-          <p:txBody>
-            <a:bodyPr rot="0" spcFirstLastPara="1" vertOverflow="overflow" horzOverflow="overflow" vert="horz" wrap="square" lIns="51434" tIns="25717" rIns="51434" bIns="25717" numCol="1" spcCol="38100" rtlCol="0" anchor="t">
-              <a:noAutofit/>
-            </a:bodyPr>
-            <a:lstStyle/>
-            <a:p>
-              <a:pPr defTabSz="514350" latinLnBrk="1" hangingPunct="0"/>
-              <a:endParaRPr lang="en-US" sz="1013">
-                <a:solidFill>
-                  <a:prstClr val="white"/>
-                </a:solidFill>
-              </a:endParaRPr>
-            </a:p>
-          </p:txBody>
-        </p:sp>
-        <p:sp>
-          <p:nvSpPr>
-            <p:cNvPr id="26" name="TextBox 25">
-              <a:extLst>
-                <a:ext uri="{FF2B5EF4-FFF2-40B4-BE49-F238E27FC236}">
-                  <a16:creationId xmlns:a16="http://schemas.microsoft.com/office/drawing/2014/main" id="{6E980E0A-47F1-5A44-BB6C-9A42EBA7DA70}"/>
-                </a:ext>
-              </a:extLst>
-            </p:cNvPr>
-            <p:cNvSpPr txBox="1"/>
-            <p:nvPr/>
-          </p:nvSpPr>
-          <p:spPr>
-            <a:xfrm>
-              <a:off x="975734" y="3992175"/>
-              <a:ext cx="1020663" cy="265457"/>
-            </a:xfrm>
-            <a:prstGeom prst="rect">
-              <a:avLst/>
-            </a:prstGeom>
-            <a:noFill/>
-            <a:ln w="12700" cap="flat">
-              <a:noFill/>
-              <a:miter lim="400000"/>
-            </a:ln>
-            <a:effectLst/>
-            <a:sp3d/>
-          </p:spPr>
-          <p:style>
-            <a:lnRef idx="0">
-              <a:scrgbClr r="0" g="0" b="0"/>
-            </a:lnRef>
-            <a:fillRef idx="0">
-              <a:scrgbClr r="0" g="0" b="0"/>
-            </a:fillRef>
-            <a:effectRef idx="0">
-              <a:scrgbClr r="0" g="0" b="0"/>
-            </a:effectRef>
-            <a:fontRef idx="none"/>
-          </p:style>
-          <p:txBody>
-            <a:bodyPr rot="0" spcFirstLastPara="1" vertOverflow="overflow" horzOverflow="overflow" vert="horz" wrap="square" lIns="28575" tIns="28575" rIns="28575" bIns="28575" numCol="1" spcCol="38100" rtlCol="0" anchor="ctr">
-              <a:spAutoFit/>
-            </a:bodyPr>
-            <a:lstStyle/>
-            <a:p>
-              <a:pPr algn="ctr" defTabSz="328613" hangingPunct="0"/>
-              <a:r>
-                <a:rPr lang="en-US" sz="1350" dirty="0">
-                  <a:solidFill>
-                    <a:schemeClr val="accent2">
-                      <a:lumMod val="60000"/>
-                      <a:lumOff val="40000"/>
-                    </a:schemeClr>
-                  </a:solidFill>
-                  <a:sym typeface="Helvetica Light"/>
-                </a:rPr>
-                <a:t>utterance</a:t>
-              </a:r>
-            </a:p>
-          </p:txBody>
-        </p:sp>
-        <p:sp>
-          <p:nvSpPr>
-            <p:cNvPr id="27" name="TextBox 26">
-              <a:extLst>
-                <a:ext uri="{FF2B5EF4-FFF2-40B4-BE49-F238E27FC236}">
-                  <a16:creationId xmlns:a16="http://schemas.microsoft.com/office/drawing/2014/main" id="{28BAF43C-4214-DA49-8FE5-86549A2D0DC1}"/>
-                </a:ext>
-              </a:extLst>
-            </p:cNvPr>
-            <p:cNvSpPr txBox="1"/>
-            <p:nvPr/>
-          </p:nvSpPr>
-          <p:spPr>
-            <a:xfrm>
-              <a:off x="207995" y="3169638"/>
-              <a:ext cx="2769984" cy="673261"/>
-            </a:xfrm>
-            <a:prstGeom prst="rect">
-              <a:avLst/>
-            </a:prstGeom>
-            <a:noFill/>
-            <a:ln w="12700" cap="flat">
-              <a:noFill/>
-              <a:miter lim="400000"/>
-            </a:ln>
-            <a:effectLst/>
-            <a:sp3d/>
-          </p:spPr>
-          <p:style>
-            <a:lnRef idx="0">
-              <a:scrgbClr r="0" g="0" b="0"/>
-            </a:lnRef>
-            <a:fillRef idx="0">
-              <a:scrgbClr r="0" g="0" b="0"/>
-            </a:fillRef>
-            <a:effectRef idx="0">
-              <a:scrgbClr r="0" g="0" b="0"/>
-            </a:effectRef>
-            <a:fontRef idx="none"/>
-          </p:style>
-          <p:txBody>
-            <a:bodyPr rot="0" spcFirstLastPara="1" vertOverflow="overflow" horzOverflow="overflow" vert="horz" wrap="square" lIns="28575" tIns="28575" rIns="28575" bIns="28575" numCol="1" spcCol="38100" rtlCol="0" anchor="ctr">
-              <a:spAutoFit/>
-            </a:bodyPr>
-            <a:lstStyle/>
-            <a:p>
-              <a:r>
-                <a:rPr lang="en-US" sz="2000" dirty="0">
-                  <a:solidFill>
-                    <a:schemeClr val="accent1"/>
-                  </a:solidFill>
-                  <a:sym typeface="Helvetica Light"/>
-                </a:rPr>
-                <a:t>    List my Metrics</a:t>
-              </a:r>
-              <a:br>
-                <a:rPr lang="en-US" sz="2000" dirty="0">
-                  <a:solidFill>
-                    <a:schemeClr val="accent1"/>
-                  </a:solidFill>
-                  <a:sym typeface="Helvetica Light"/>
-                </a:rPr>
-              </a:br>
-              <a:r>
-                <a:rPr lang="en-US" sz="2000" dirty="0">
-                  <a:solidFill>
-                    <a:schemeClr val="accent1"/>
-                  </a:solidFill>
-                  <a:sym typeface="Helvetica Light"/>
-                </a:rPr>
-                <a:t> What are my Metrics </a:t>
-              </a:r>
-            </a:p>
-          </p:txBody>
-        </p:sp>
-      </p:grpSp>
-      <p:grpSp>
-        <p:nvGrpSpPr>
-          <p:cNvPr id="28" name="Group 27">
-            <a:extLst>
-              <a:ext uri="{FF2B5EF4-FFF2-40B4-BE49-F238E27FC236}">
-                <a16:creationId xmlns:a16="http://schemas.microsoft.com/office/drawing/2014/main" id="{0372741D-4F9B-AC4E-8511-3AA13CB14674}"/>
-              </a:ext>
-            </a:extLst>
-          </p:cNvPr>
-          <p:cNvGrpSpPr/>
-          <p:nvPr/>
-        </p:nvGrpSpPr>
-        <p:grpSpPr>
-          <a:xfrm>
-            <a:off x="769207" y="2116105"/>
+            <a:off x="769207" y="3385349"/>
             <a:ext cx="7370495" cy="766187"/>
             <a:chOff x="769207" y="2116105"/>
             <a:chExt cx="7370495" cy="766187"/>
@@ -10843,7 +10032,7 @@
             <p:cNvPr id="29" name="TextBox 28">
               <a:extLst>
                 <a:ext uri="{FF2B5EF4-FFF2-40B4-BE49-F238E27FC236}">
-                  <a16:creationId xmlns:a16="http://schemas.microsoft.com/office/drawing/2014/main" id="{E2BBAEB9-5CA1-344C-B5A8-1F5A10360D96}"/>
+                  <a16:creationId xmlns:a16="http://schemas.microsoft.com/office/drawing/2014/main" xmlns="" id="{E2BBAEB9-5CA1-344C-B5A8-1F5A10360D96}"/>
                 </a:ext>
               </a:extLst>
             </p:cNvPr>
@@ -10894,7 +10083,29 @@
                     </a:srgbClr>
                   </a:solidFill>
                 </a:rPr>
-                <a:t>“Your metric monthly tweet count for reinvent is 250” </a:t>
+                <a:t>“Your </a:t>
+              </a:r>
+              <a:r>
+                <a:rPr lang="en-US" sz="2400" i="1" dirty="0" smtClean="0">
+                  <a:solidFill>
+                    <a:srgbClr val="999A98">
+                      <a:lumMod val="20000"/>
+                      <a:lumOff val="80000"/>
+                    </a:srgbClr>
+                  </a:solidFill>
+                </a:rPr>
+                <a:t>metric, reinvent twitter sentiment is </a:t>
+              </a:r>
+              <a:r>
+                <a:rPr lang="en-US" sz="2400" i="1" dirty="0">
+                  <a:solidFill>
+                    <a:srgbClr val="999A98">
+                      <a:lumMod val="20000"/>
+                      <a:lumOff val="80000"/>
+                    </a:srgbClr>
+                  </a:solidFill>
+                </a:rPr>
+                <a:t>250” </a:t>
               </a:r>
               <a:endParaRPr lang="en-US" sz="2400" i="1" dirty="0">
                 <a:solidFill>
@@ -10912,7 +10123,7 @@
             <p:cNvPr id="30" name="TextBox 29">
               <a:extLst>
                 <a:ext uri="{FF2B5EF4-FFF2-40B4-BE49-F238E27FC236}">
-                  <a16:creationId xmlns:a16="http://schemas.microsoft.com/office/drawing/2014/main" id="{8ABC16CF-4F65-364B-8A10-8C1800AAA29F}"/>
+                  <a16:creationId xmlns:a16="http://schemas.microsoft.com/office/drawing/2014/main" xmlns="" id="{8ABC16CF-4F65-364B-8A10-8C1800AAA29F}"/>
                 </a:ext>
               </a:extLst>
             </p:cNvPr>
@@ -10982,7 +10193,7 @@
             <p:cNvPr id="31" name="Freeform 37">
               <a:extLst>
                 <a:ext uri="{FF2B5EF4-FFF2-40B4-BE49-F238E27FC236}">
-                  <a16:creationId xmlns:a16="http://schemas.microsoft.com/office/drawing/2014/main" id="{DE8DD483-83D4-C043-B42F-42AF225A1F5F}"/>
+                  <a16:creationId xmlns:a16="http://schemas.microsoft.com/office/drawing/2014/main" xmlns="" id="{DE8DD483-83D4-C043-B42F-42AF225A1F5F}"/>
                 </a:ext>
               </a:extLst>
             </p:cNvPr>
@@ -11078,288 +10289,6 @@
           </p:txBody>
         </p:sp>
       </p:grpSp>
-      <p:grpSp>
-        <p:nvGrpSpPr>
-          <p:cNvPr id="32" name="Group 31">
-            <a:extLst>
-              <a:ext uri="{FF2B5EF4-FFF2-40B4-BE49-F238E27FC236}">
-                <a16:creationId xmlns:a16="http://schemas.microsoft.com/office/drawing/2014/main" id="{0B973FCD-8007-E04E-86A3-3BFEF03AEEB0}"/>
-              </a:ext>
-            </a:extLst>
-          </p:cNvPr>
-          <p:cNvGrpSpPr/>
-          <p:nvPr/>
-        </p:nvGrpSpPr>
-        <p:grpSpPr>
-          <a:xfrm>
-            <a:off x="117338" y="4358713"/>
-            <a:ext cx="8976948" cy="750259"/>
-            <a:chOff x="117338" y="4358713"/>
-            <a:chExt cx="8976948" cy="750259"/>
-          </a:xfrm>
-        </p:grpSpPr>
-        <p:sp>
-          <p:nvSpPr>
-            <p:cNvPr id="33" name="TextBox 32">
-              <a:extLst>
-                <a:ext uri="{FF2B5EF4-FFF2-40B4-BE49-F238E27FC236}">
-                  <a16:creationId xmlns:a16="http://schemas.microsoft.com/office/drawing/2014/main" id="{FCD070B0-EDB0-6341-A2F9-1CCABCCAEBC0}"/>
-                </a:ext>
-              </a:extLst>
-            </p:cNvPr>
-            <p:cNvSpPr txBox="1"/>
-            <p:nvPr/>
-          </p:nvSpPr>
-          <p:spPr>
-            <a:xfrm>
-              <a:off x="117338" y="4358713"/>
-              <a:ext cx="8976948" cy="365485"/>
-            </a:xfrm>
-            <a:prstGeom prst="rect">
-              <a:avLst/>
-            </a:prstGeom>
-            <a:noFill/>
-            <a:ln w="12700" cap="flat">
-              <a:noFill/>
-              <a:miter lim="400000"/>
-            </a:ln>
-            <a:effectLst/>
-            <a:sp3d/>
-          </p:spPr>
-          <p:style>
-            <a:lnRef idx="0">
-              <a:scrgbClr r="0" g="0" b="0"/>
-            </a:lnRef>
-            <a:fillRef idx="0">
-              <a:scrgbClr r="0" g="0" b="0"/>
-            </a:fillRef>
-            <a:effectRef idx="0">
-              <a:scrgbClr r="0" g="0" b="0"/>
-            </a:effectRef>
-            <a:fontRef idx="none"/>
-          </p:style>
-          <p:txBody>
-            <a:bodyPr rot="0" spcFirstLastPara="1" vertOverflow="overflow" horzOverflow="overflow" vert="horz" wrap="square" lIns="28575" tIns="28575" rIns="28575" bIns="28575" numCol="1" spcCol="38100" rtlCol="0" anchor="ctr">
-              <a:spAutoFit/>
-            </a:bodyPr>
-            <a:lstStyle/>
-            <a:p>
-              <a:pPr algn="ctr"/>
-              <a:r>
-                <a:rPr lang="en-US" sz="2000" i="1" dirty="0">
-                  <a:solidFill>
-                    <a:srgbClr val="999A98">
-                      <a:lumMod val="20000"/>
-                      <a:lumOff val="80000"/>
-                    </a:srgbClr>
-                  </a:solidFill>
-                </a:rPr>
-                <a:t>“Your metrics are monthly tweet count for reinvent, mentions</a:t>
-              </a:r>
-              <a:r>
-                <a:rPr lang="mr-IN" sz="2000" i="1" dirty="0">
-                  <a:solidFill>
-                    <a:srgbClr val="999A98">
-                      <a:lumMod val="20000"/>
-                      <a:lumOff val="80000"/>
-                    </a:srgbClr>
-                  </a:solidFill>
-                </a:rPr>
-                <a:t>…</a:t>
-              </a:r>
-              <a:r>
-                <a:rPr lang="en-US" sz="2000" i="1" dirty="0">
-                  <a:solidFill>
-                    <a:srgbClr val="999A98">
-                      <a:lumMod val="20000"/>
-                      <a:lumOff val="80000"/>
-                    </a:srgbClr>
-                  </a:solidFill>
-                </a:rPr>
-                <a:t>.” </a:t>
-              </a:r>
-              <a:endParaRPr lang="en-US" sz="2000" i="1" dirty="0">
-                <a:solidFill>
-                  <a:srgbClr val="999A98">
-                    <a:lumMod val="75000"/>
-                  </a:srgbClr>
-                </a:solidFill>
-                <a:sym typeface="Helvetica Light"/>
-              </a:endParaRPr>
-            </a:p>
-          </p:txBody>
-        </p:sp>
-        <p:sp>
-          <p:nvSpPr>
-            <p:cNvPr id="34" name="TextBox 33">
-              <a:extLst>
-                <a:ext uri="{FF2B5EF4-FFF2-40B4-BE49-F238E27FC236}">
-                  <a16:creationId xmlns:a16="http://schemas.microsoft.com/office/drawing/2014/main" id="{5427E000-BA8E-494B-9E22-4DEE029146A4}"/>
-                </a:ext>
-              </a:extLst>
-            </p:cNvPr>
-            <p:cNvSpPr txBox="1"/>
-            <p:nvPr/>
-          </p:nvSpPr>
-          <p:spPr>
-            <a:xfrm>
-              <a:off x="3866783" y="4843515"/>
-              <a:ext cx="1718676" cy="265457"/>
-            </a:xfrm>
-            <a:prstGeom prst="rect">
-              <a:avLst/>
-            </a:prstGeom>
-            <a:noFill/>
-            <a:ln w="12700" cap="flat">
-              <a:noFill/>
-              <a:miter lim="400000"/>
-            </a:ln>
-            <a:effectLst/>
-            <a:sp3d/>
-          </p:spPr>
-          <p:style>
-            <a:lnRef idx="0">
-              <a:scrgbClr r="0" g="0" b="0"/>
-            </a:lnRef>
-            <a:fillRef idx="0">
-              <a:scrgbClr r="0" g="0" b="0"/>
-            </a:fillRef>
-            <a:effectRef idx="0">
-              <a:scrgbClr r="0" g="0" b="0"/>
-            </a:effectRef>
-            <a:fontRef idx="none"/>
-          </p:style>
-          <p:txBody>
-            <a:bodyPr rot="0" spcFirstLastPara="1" vertOverflow="overflow" horzOverflow="overflow" vert="horz" wrap="square" lIns="28575" tIns="28575" rIns="28575" bIns="28575" numCol="1" spcCol="38100" rtlCol="0" anchor="ctr">
-              <a:spAutoFit/>
-            </a:bodyPr>
-            <a:lstStyle/>
-            <a:p>
-              <a:pPr algn="ctr" defTabSz="328613" hangingPunct="0"/>
-              <a:r>
-                <a:rPr lang="en-US" sz="1350">
-                  <a:solidFill>
-                    <a:schemeClr val="accent2">
-                      <a:lumMod val="60000"/>
-                      <a:lumOff val="40000"/>
-                    </a:schemeClr>
-                  </a:solidFill>
-                </a:rPr>
-                <a:t>Sample Response</a:t>
-              </a:r>
-              <a:endParaRPr lang="en-US" sz="1350" dirty="0">
-                <a:solidFill>
-                  <a:schemeClr val="accent2">
-                    <a:lumMod val="60000"/>
-                    <a:lumOff val="40000"/>
-                  </a:schemeClr>
-                </a:solidFill>
-                <a:sym typeface="Helvetica Light"/>
-              </a:endParaRPr>
-            </a:p>
-          </p:txBody>
-        </p:sp>
-        <p:sp>
-          <p:nvSpPr>
-            <p:cNvPr id="35" name="Freeform 37">
-              <a:extLst>
-                <a:ext uri="{FF2B5EF4-FFF2-40B4-BE49-F238E27FC236}">
-                  <a16:creationId xmlns:a16="http://schemas.microsoft.com/office/drawing/2014/main" id="{AC509E7B-FE11-DB45-AD8C-8A04238BD7E2}"/>
-                </a:ext>
-              </a:extLst>
-            </p:cNvPr>
-            <p:cNvSpPr/>
-            <p:nvPr/>
-          </p:nvSpPr>
-          <p:spPr>
-            <a:xfrm>
-              <a:off x="636608" y="4674101"/>
-              <a:ext cx="7907905" cy="105639"/>
-            </a:xfrm>
-            <a:custGeom>
-              <a:avLst/>
-              <a:gdLst>
-                <a:gd name="connsiteX0" fmla="*/ 0 w 1785937"/>
-                <a:gd name="connsiteY0" fmla="*/ 0 h 314325"/>
-                <a:gd name="connsiteX1" fmla="*/ 0 w 1785937"/>
-                <a:gd name="connsiteY1" fmla="*/ 314325 h 314325"/>
-                <a:gd name="connsiteX2" fmla="*/ 1785937 w 1785937"/>
-                <a:gd name="connsiteY2" fmla="*/ 314325 h 314325"/>
-                <a:gd name="connsiteX3" fmla="*/ 1785937 w 1785937"/>
-                <a:gd name="connsiteY3" fmla="*/ 0 h 314325"/>
-              </a:gdLst>
-              <a:ahLst/>
-              <a:cxnLst>
-                <a:cxn ang="0">
-                  <a:pos x="connsiteX0" y="connsiteY0"/>
-                </a:cxn>
-                <a:cxn ang="0">
-                  <a:pos x="connsiteX1" y="connsiteY1"/>
-                </a:cxn>
-                <a:cxn ang="0">
-                  <a:pos x="connsiteX2" y="connsiteY2"/>
-                </a:cxn>
-                <a:cxn ang="0">
-                  <a:pos x="connsiteX3" y="connsiteY3"/>
-                </a:cxn>
-              </a:cxnLst>
-              <a:rect l="l" t="t" r="r" b="b"/>
-              <a:pathLst>
-                <a:path w="1785937" h="314325">
-                  <a:moveTo>
-                    <a:pt x="0" y="0"/>
-                  </a:moveTo>
-                  <a:lnTo>
-                    <a:pt x="0" y="314325"/>
-                  </a:lnTo>
-                  <a:lnTo>
-                    <a:pt x="1785937" y="314325"/>
-                  </a:lnTo>
-                  <a:lnTo>
-                    <a:pt x="1785937" y="0"/>
-                  </a:lnTo>
-                </a:path>
-              </a:pathLst>
-            </a:custGeom>
-            <a:ln w="19050">
-              <a:solidFill>
-                <a:schemeClr val="accent2">
-                  <a:lumMod val="60000"/>
-                  <a:lumOff val="40000"/>
-                </a:schemeClr>
-              </a:solidFill>
-            </a:ln>
-          </p:spPr>
-          <p:style>
-            <a:lnRef idx="1">
-              <a:schemeClr val="accent3"/>
-            </a:lnRef>
-            <a:fillRef idx="0">
-              <a:schemeClr val="accent3"/>
-            </a:fillRef>
-            <a:effectRef idx="0">
-              <a:schemeClr val="accent3"/>
-            </a:effectRef>
-            <a:fontRef idx="minor">
-              <a:schemeClr val="tx1"/>
-            </a:fontRef>
-          </p:style>
-          <p:txBody>
-            <a:bodyPr rot="0" spcFirstLastPara="1" vertOverflow="overflow" horzOverflow="overflow" vert="horz" wrap="square" lIns="51434" tIns="25717" rIns="51434" bIns="25717" numCol="1" spcCol="38100" rtlCol="0" anchor="t">
-              <a:noAutofit/>
-            </a:bodyPr>
-            <a:lstStyle/>
-            <a:p>
-              <a:pPr algn="ctr" defTabSz="514350" latinLnBrk="1" hangingPunct="0"/>
-              <a:endParaRPr lang="en-US" sz="1013">
-                <a:solidFill>
-                  <a:prstClr val="white"/>
-                </a:solidFill>
-              </a:endParaRPr>
-            </a:p>
-          </p:txBody>
-        </p:sp>
-      </p:grpSp>
     </p:spTree>
     <p:extLst>
       <p:ext uri="{BB962C8B-B14F-4D97-AF65-F5344CB8AC3E}">
@@ -11417,21 +10346,39 @@
                                   </p:childTnLst>
                                 </p:cTn>
                               </p:par>
+                            </p:childTnLst>
+                          </p:cTn>
+                        </p:par>
+                      </p:childTnLst>
+                    </p:cTn>
+                  </p:par>
+                  <p:par>
+                    <p:cTn id="7" fill="hold">
+                      <p:stCondLst>
+                        <p:cond delay="indefinite"/>
+                      </p:stCondLst>
+                      <p:childTnLst>
+                        <p:par>
+                          <p:cTn id="8" fill="hold">
+                            <p:stCondLst>
+                              <p:cond delay="0"/>
+                            </p:stCondLst>
+                            <p:childTnLst>
                               <p:par>
-                                <p:cTn id="7" presetID="1" presetClass="entr" presetSubtype="0" fill="hold" nodeType="withEffect">
+                                <p:cTn id="9" presetID="1" presetClass="entr" presetSubtype="0" fill="hold" nodeType="clickEffect">
                                   <p:stCondLst>
                                     <p:cond delay="0"/>
                                   </p:stCondLst>
                                   <p:childTnLst>
                                     <p:set>
                                       <p:cBhvr>
-                                        <p:cTn id="8" dur="1" fill="hold">
+                                        <p:cTn id="10" dur="1" fill="hold">
                                           <p:stCondLst>
                                             <p:cond delay="0"/>
                                           </p:stCondLst>
                                         </p:cTn>
                                         <p:tgtEl>
-                                          <p:spTgt spid="20"/>
+                                          <p:spTgt spid="3"/>
                                         </p:tgtEl>
                                         <p:attrNameLst>
                                           <p:attrName>style.visibility</p:attrName>
@@ -11451,46 +10398,19 @@
                     </p:cTn>
                   </p:par>
                   <p:par>
-                    <p:cTn id="9" fill="hold">
+                    <p:cTn id="11" fill="hold">
                       <p:stCondLst>
                         <p:cond delay="indefinite"/>
                       </p:stCondLst>
                       <p:childTnLst>
                         <p:par>
-                          <p:cTn id="10" fill="hold">
+                          <p:cTn id="12" fill="hold">
                             <p:stCondLst>
                               <p:cond delay="0"/>
                             </p:stCondLst>
                             <p:childTnLst>
                               <p:par>
-                                <p:cTn id="11" presetID="1" presetClass="entr" presetSubtype="0" fill="hold" nodeType="clickEffect">
-                                  <p:stCondLst>
-                                    <p:cond delay="0"/>
-                                  </p:stCondLst>
-                                  <p:childTnLst>
-                                    <p:set>
-                                      <p:cBhvr>
-                                        <p:cTn id="12" dur="1" fill="hold">
-                                          <p:stCondLst>
-                                            <p:cond delay="0"/>
-                                          </p:stCondLst>
-                                        </p:cTn>
-                                        <p:tgtEl>
-                                          <p:spTgt spid="3"/>
-                                        </p:tgtEl>
-                                        <p:attrNameLst>
-                                          <p:attrName>style.visibility</p:attrName>
-                                        </p:attrNameLst>
-                                      </p:cBhvr>
-                                      <p:to>
-                                        <p:strVal val="visible"/>
-                                      </p:to>
-                                    </p:set>
-                                  </p:childTnLst>
-                                </p:cTn>
-                              </p:par>
-                              <p:par>
-                                <p:cTn id="13" presetID="1" presetClass="entr" presetSubtype="0" fill="hold" nodeType="withEffect">
+                                <p:cTn id="13" presetID="1" presetClass="entr" presetSubtype="0" fill="hold" nodeType="clickEffect">
                                   <p:stCondLst>
                                     <p:cond delay="0"/>
                                   </p:stCondLst>
@@ -11503,7 +10423,7 @@
                                           </p:stCondLst>
                                         </p:cTn>
                                         <p:tgtEl>
-                                          <p:spTgt spid="24"/>
+                                          <p:spTgt spid="12"/>
                                         </p:tgtEl>
                                         <p:attrNameLst>
                                           <p:attrName>style.visibility</p:attrName>
@@ -11535,7 +10455,7 @@
                             </p:stCondLst>
                             <p:childTnLst>
                               <p:par>
-                                <p:cTn id="17" presetID="1" presetClass="entr" presetSubtype="0" fill="hold" nodeType="clickEffect">
+                                <p:cTn id="17" presetID="3" presetClass="entr" presetSubtype="10" fill="hold" nodeType="clickEffect">
                                   <p:stCondLst>
                                     <p:cond delay="0"/>
                                   </p:stCondLst>
@@ -11543,78 +10463,6 @@
                                     <p:set>
                                       <p:cBhvr>
                                         <p:cTn id="18" dur="1" fill="hold">
-                                          <p:stCondLst>
-                                            <p:cond delay="0"/>
-                                          </p:stCondLst>
-                                        </p:cTn>
-                                        <p:tgtEl>
-                                          <p:spTgt spid="12"/>
-                                        </p:tgtEl>
-                                        <p:attrNameLst>
-                                          <p:attrName>style.visibility</p:attrName>
-                                        </p:attrNameLst>
-                                      </p:cBhvr>
-                                      <p:to>
-                                        <p:strVal val="visible"/>
-                                      </p:to>
-                                    </p:set>
-                                  </p:childTnLst>
-                                </p:cTn>
-                              </p:par>
-                              <p:par>
-                                <p:cTn id="19" presetID="1" presetClass="entr" presetSubtype="0" fill="hold" nodeType="withEffect">
-                                  <p:stCondLst>
-                                    <p:cond delay="0"/>
-                                  </p:stCondLst>
-                                  <p:childTnLst>
-                                    <p:set>
-                                      <p:cBhvr>
-                                        <p:cTn id="20" dur="1" fill="hold">
-                                          <p:stCondLst>
-                                            <p:cond delay="0"/>
-                                          </p:stCondLst>
-                                        </p:cTn>
-                                        <p:tgtEl>
-                                          <p:spTgt spid="16"/>
-                                        </p:tgtEl>
-                                        <p:attrNameLst>
-                                          <p:attrName>style.visibility</p:attrName>
-                                        </p:attrNameLst>
-                                      </p:cBhvr>
-                                      <p:to>
-                                        <p:strVal val="visible"/>
-                                      </p:to>
-                                    </p:set>
-                                  </p:childTnLst>
-                                </p:cTn>
-                              </p:par>
-                            </p:childTnLst>
-                          </p:cTn>
-                        </p:par>
-                      </p:childTnLst>
-                    </p:cTn>
-                  </p:par>
-                  <p:par>
-                    <p:cTn id="21" fill="hold">
-                      <p:stCondLst>
-                        <p:cond delay="indefinite"/>
-                      </p:stCondLst>
-                      <p:childTnLst>
-                        <p:par>
-                          <p:cTn id="22" fill="hold">
-                            <p:stCondLst>
-                              <p:cond delay="0"/>
-                            </p:stCondLst>
-                            <p:childTnLst>
-                              <p:par>
-                                <p:cTn id="23" presetID="3" presetClass="entr" presetSubtype="10" fill="hold" nodeType="clickEffect">
-                                  <p:stCondLst>
-                                    <p:cond delay="0"/>
-                                  </p:stCondLst>
-                                  <p:childTnLst>
-                                    <p:set>
-                                      <p:cBhvr>
-                                        <p:cTn id="24" dur="1" fill="hold">
                                           <p:stCondLst>
                                             <p:cond delay="0"/>
                                           </p:stCondLst>
@@ -11632,44 +10480,9 @@
                                     </p:set>
                                     <p:animEffect transition="in" filter="blinds(horizontal)">
                                       <p:cBhvr>
-                                        <p:cTn id="25" dur="500"/>
+                                        <p:cTn id="19" dur="500"/>
                                         <p:tgtEl>
                                           <p:spTgt spid="28"/>
-                                        </p:tgtEl>
-                                      </p:cBhvr>
-                                    </p:animEffect>
-                                  </p:childTnLst>
-                                </p:cTn>
-                              </p:par>
-                              <p:par>
-                                <p:cTn id="26" presetID="3" presetClass="entr" presetSubtype="10" fill="hold" nodeType="withEffect">
-                                  <p:stCondLst>
-                                    <p:cond delay="0"/>
-                                  </p:stCondLst>
-                                  <p:childTnLst>
-                                    <p:set>
-                                      <p:cBhvr>
-                                        <p:cTn id="27" dur="1" fill="hold">
-                                          <p:stCondLst>
-                                            <p:cond delay="0"/>
-                                          </p:stCondLst>
-                                        </p:cTn>
-                                        <p:tgtEl>
-                                          <p:spTgt spid="32"/>
-                                        </p:tgtEl>
-                                        <p:attrNameLst>
-                                          <p:attrName>style.visibility</p:attrName>
-                                        </p:attrNameLst>
-                                      </p:cBhvr>
-                                      <p:to>
-                                        <p:strVal val="visible"/>
-                                      </p:to>
-                                    </p:set>
-                                    <p:animEffect transition="in" filter="blinds(horizontal)">
-                                      <p:cBhvr>
-                                        <p:cTn id="28" dur="500"/>
-                                        <p:tgtEl>
-                                          <p:spTgt spid="32"/>
                                         </p:tgtEl>
                                       </p:cBhvr>
                                     </p:animEffect>
@@ -11729,7 +10542,7 @@
           <p:cNvPr id="2" name="Title 7">
             <a:extLst>
               <a:ext uri="{FF2B5EF4-FFF2-40B4-BE49-F238E27FC236}">
-                <a16:creationId xmlns:a16="http://schemas.microsoft.com/office/drawing/2014/main" id="{3F1AF792-AA10-4D4B-B2E3-1F18E473C6B3}"/>
+                <a16:creationId xmlns:a16="http://schemas.microsoft.com/office/drawing/2014/main" xmlns="" id="{3F1AF792-AA10-4D4B-B2E3-1F18E473C6B3}"/>
               </a:ext>
             </a:extLst>
           </p:cNvPr>
@@ -11766,7 +10579,7 @@
           <p:cNvPr id="3" name="Picture 2">
             <a:extLst>
               <a:ext uri="{FF2B5EF4-FFF2-40B4-BE49-F238E27FC236}">
-                <a16:creationId xmlns:a16="http://schemas.microsoft.com/office/drawing/2014/main" id="{2F830515-6B22-3643-A405-2610847E36F3}"/>
+                <a16:creationId xmlns:a16="http://schemas.microsoft.com/office/drawing/2014/main" xmlns="" id="{2F830515-6B22-3643-A405-2610847E36F3}"/>
               </a:ext>
             </a:extLst>
           </p:cNvPr>
@@ -11803,7 +10616,7 @@
           <p:cNvPr id="4" name="Picture 3">
             <a:extLst>
               <a:ext uri="{FF2B5EF4-FFF2-40B4-BE49-F238E27FC236}">
-                <a16:creationId xmlns:a16="http://schemas.microsoft.com/office/drawing/2014/main" id="{B1DBCD0F-7B18-5348-A36A-1379B78F8D5E}"/>
+                <a16:creationId xmlns:a16="http://schemas.microsoft.com/office/drawing/2014/main" xmlns="" id="{B1DBCD0F-7B18-5348-A36A-1379B78F8D5E}"/>
               </a:ext>
             </a:extLst>
           </p:cNvPr>
@@ -11840,7 +10653,7 @@
           <p:cNvPr id="5" name="Picture 4">
             <a:extLst>
               <a:ext uri="{FF2B5EF4-FFF2-40B4-BE49-F238E27FC236}">
-                <a16:creationId xmlns:a16="http://schemas.microsoft.com/office/drawing/2014/main" id="{DB0707E3-BCB6-144F-99F5-CE9792F16AAF}"/>
+                <a16:creationId xmlns:a16="http://schemas.microsoft.com/office/drawing/2014/main" xmlns="" id="{DB0707E3-BCB6-144F-99F5-CE9792F16AAF}"/>
               </a:ext>
             </a:extLst>
           </p:cNvPr>
@@ -11877,7 +10690,7 @@
           <p:cNvPr id="6" name="Picture 5">
             <a:extLst>
               <a:ext uri="{FF2B5EF4-FFF2-40B4-BE49-F238E27FC236}">
-                <a16:creationId xmlns:a16="http://schemas.microsoft.com/office/drawing/2014/main" id="{347C2568-3E40-114E-8E54-E0C7241A6BF3}"/>
+                <a16:creationId xmlns:a16="http://schemas.microsoft.com/office/drawing/2014/main" xmlns="" id="{347C2568-3E40-114E-8E54-E0C7241A6BF3}"/>
               </a:ext>
             </a:extLst>
           </p:cNvPr>
@@ -11914,7 +10727,7 @@
           <p:cNvPr id="7" name="Picture 6">
             <a:extLst>
               <a:ext uri="{FF2B5EF4-FFF2-40B4-BE49-F238E27FC236}">
-                <a16:creationId xmlns:a16="http://schemas.microsoft.com/office/drawing/2014/main" id="{7236A72E-DCCB-AB43-BB38-7E38D29D04DD}"/>
+                <a16:creationId xmlns:a16="http://schemas.microsoft.com/office/drawing/2014/main" xmlns="" id="{7236A72E-DCCB-AB43-BB38-7E38D29D04DD}"/>
               </a:ext>
             </a:extLst>
           </p:cNvPr>
@@ -11951,7 +10764,7 @@
           <p:cNvPr id="8" name="TextBox 7">
             <a:extLst>
               <a:ext uri="{FF2B5EF4-FFF2-40B4-BE49-F238E27FC236}">
-                <a16:creationId xmlns:a16="http://schemas.microsoft.com/office/drawing/2014/main" id="{3E58C620-1C37-214C-8AE6-C5E01C67C0B9}"/>
+                <a16:creationId xmlns:a16="http://schemas.microsoft.com/office/drawing/2014/main" xmlns="" id="{3E58C620-1C37-214C-8AE6-C5E01C67C0B9}"/>
               </a:ext>
             </a:extLst>
           </p:cNvPr>
@@ -11990,7 +10803,7 @@
           <p:cNvPr id="9" name="Picture 8">
             <a:extLst>
               <a:ext uri="{FF2B5EF4-FFF2-40B4-BE49-F238E27FC236}">
-                <a16:creationId xmlns:a16="http://schemas.microsoft.com/office/drawing/2014/main" id="{F6F05C41-B9B4-AD4D-88E8-A56703D2A72D}"/>
+                <a16:creationId xmlns:a16="http://schemas.microsoft.com/office/drawing/2014/main" xmlns="" id="{F6F05C41-B9B4-AD4D-88E8-A56703D2A72D}"/>
               </a:ext>
             </a:extLst>
           </p:cNvPr>
@@ -12027,7 +10840,7 @@
           <p:cNvPr id="10" name="Picture 9">
             <a:extLst>
               <a:ext uri="{FF2B5EF4-FFF2-40B4-BE49-F238E27FC236}">
-                <a16:creationId xmlns:a16="http://schemas.microsoft.com/office/drawing/2014/main" id="{E9A73C08-F93C-FF4C-A251-FBFE6078B766}"/>
+                <a16:creationId xmlns:a16="http://schemas.microsoft.com/office/drawing/2014/main" xmlns="" id="{E9A73C08-F93C-FF4C-A251-FBFE6078B766}"/>
               </a:ext>
             </a:extLst>
           </p:cNvPr>
@@ -12064,7 +10877,7 @@
           <p:cNvPr id="11" name="Picture 10">
             <a:extLst>
               <a:ext uri="{FF2B5EF4-FFF2-40B4-BE49-F238E27FC236}">
-                <a16:creationId xmlns:a16="http://schemas.microsoft.com/office/drawing/2014/main" id="{DD8528DB-51A1-A641-BF4E-2C2E7699312E}"/>
+                <a16:creationId xmlns:a16="http://schemas.microsoft.com/office/drawing/2014/main" xmlns="" id="{DD8528DB-51A1-A641-BF4E-2C2E7699312E}"/>
               </a:ext>
             </a:extLst>
           </p:cNvPr>
@@ -12101,7 +10914,7 @@
           <p:cNvPr id="12" name="Picture 11">
             <a:extLst>
               <a:ext uri="{FF2B5EF4-FFF2-40B4-BE49-F238E27FC236}">
-                <a16:creationId xmlns:a16="http://schemas.microsoft.com/office/drawing/2014/main" id="{A74B133E-E50F-D746-A0F7-D3FF57552080}"/>
+                <a16:creationId xmlns:a16="http://schemas.microsoft.com/office/drawing/2014/main" xmlns="" id="{A74B133E-E50F-D746-A0F7-D3FF57552080}"/>
               </a:ext>
             </a:extLst>
           </p:cNvPr>
@@ -12138,7 +10951,7 @@
           <p:cNvPr id="13" name="Right Arrow 12">
             <a:extLst>
               <a:ext uri="{FF2B5EF4-FFF2-40B4-BE49-F238E27FC236}">
-                <a16:creationId xmlns:a16="http://schemas.microsoft.com/office/drawing/2014/main" id="{69B4F524-8A84-4A48-B184-241CB484ACD4}"/>
+                <a16:creationId xmlns:a16="http://schemas.microsoft.com/office/drawing/2014/main" xmlns="" id="{69B4F524-8A84-4A48-B184-241CB484ACD4}"/>
               </a:ext>
             </a:extLst>
           </p:cNvPr>
@@ -12195,7 +11008,7 @@
           <p:cNvPr id="14" name="Right Arrow 13">
             <a:extLst>
               <a:ext uri="{FF2B5EF4-FFF2-40B4-BE49-F238E27FC236}">
-                <a16:creationId xmlns:a16="http://schemas.microsoft.com/office/drawing/2014/main" id="{EC337168-615E-3D41-9832-A3C61086CAB9}"/>
+                <a16:creationId xmlns:a16="http://schemas.microsoft.com/office/drawing/2014/main" xmlns="" id="{EC337168-615E-3D41-9832-A3C61086CAB9}"/>
               </a:ext>
             </a:extLst>
           </p:cNvPr>
@@ -12252,7 +11065,7 @@
           <p:cNvPr id="15" name="Right Arrow 14">
             <a:extLst>
               <a:ext uri="{FF2B5EF4-FFF2-40B4-BE49-F238E27FC236}">
-                <a16:creationId xmlns:a16="http://schemas.microsoft.com/office/drawing/2014/main" id="{D57EDE48-6AE8-8B47-A665-7FE0E025E19E}"/>
+                <a16:creationId xmlns:a16="http://schemas.microsoft.com/office/drawing/2014/main" xmlns="" id="{D57EDE48-6AE8-8B47-A665-7FE0E025E19E}"/>
               </a:ext>
             </a:extLst>
           </p:cNvPr>
@@ -12309,7 +11122,7 @@
           <p:cNvPr id="16" name="Right Arrow 15">
             <a:extLst>
               <a:ext uri="{FF2B5EF4-FFF2-40B4-BE49-F238E27FC236}">
-                <a16:creationId xmlns:a16="http://schemas.microsoft.com/office/drawing/2014/main" id="{7A5832B5-C47E-8D46-A775-A74CF0120CF6}"/>
+                <a16:creationId xmlns:a16="http://schemas.microsoft.com/office/drawing/2014/main" xmlns="" id="{7A5832B5-C47E-8D46-A775-A74CF0120CF6}"/>
               </a:ext>
             </a:extLst>
           </p:cNvPr>
@@ -12366,7 +11179,7 @@
           <p:cNvPr id="17" name="TextBox 16">
             <a:extLst>
               <a:ext uri="{FF2B5EF4-FFF2-40B4-BE49-F238E27FC236}">
-                <a16:creationId xmlns:a16="http://schemas.microsoft.com/office/drawing/2014/main" id="{11DAF6A9-3AE4-2D40-944D-452913C1529A}"/>
+                <a16:creationId xmlns:a16="http://schemas.microsoft.com/office/drawing/2014/main" xmlns="" id="{11DAF6A9-3AE4-2D40-944D-452913C1529A}"/>
               </a:ext>
             </a:extLst>
           </p:cNvPr>
@@ -12405,7 +11218,7 @@
           <p:cNvPr id="18" name="TextBox 17">
             <a:extLst>
               <a:ext uri="{FF2B5EF4-FFF2-40B4-BE49-F238E27FC236}">
-                <a16:creationId xmlns:a16="http://schemas.microsoft.com/office/drawing/2014/main" id="{5E3C8D84-991D-644E-9E5B-2A3000B858D9}"/>
+                <a16:creationId xmlns:a16="http://schemas.microsoft.com/office/drawing/2014/main" xmlns="" id="{5E3C8D84-991D-644E-9E5B-2A3000B858D9}"/>
               </a:ext>
             </a:extLst>
           </p:cNvPr>
@@ -12444,7 +11257,7 @@
           <p:cNvPr id="19" name="TextBox 18">
             <a:extLst>
               <a:ext uri="{FF2B5EF4-FFF2-40B4-BE49-F238E27FC236}">
-                <a16:creationId xmlns:a16="http://schemas.microsoft.com/office/drawing/2014/main" id="{65A15F74-FF52-AB41-BDE4-CA577A7C946B}"/>
+                <a16:creationId xmlns:a16="http://schemas.microsoft.com/office/drawing/2014/main" xmlns="" id="{65A15F74-FF52-AB41-BDE4-CA577A7C946B}"/>
               </a:ext>
             </a:extLst>
           </p:cNvPr>
@@ -12488,7 +11301,7 @@
           <p:cNvPr id="20" name="TextBox 19">
             <a:extLst>
               <a:ext uri="{FF2B5EF4-FFF2-40B4-BE49-F238E27FC236}">
-                <a16:creationId xmlns:a16="http://schemas.microsoft.com/office/drawing/2014/main" id="{8CF083D0-82E0-C749-8E69-BDF15DAA6EA0}"/>
+                <a16:creationId xmlns:a16="http://schemas.microsoft.com/office/drawing/2014/main" xmlns="" id="{8CF083D0-82E0-C749-8E69-BDF15DAA6EA0}"/>
               </a:ext>
             </a:extLst>
           </p:cNvPr>
@@ -12527,7 +11340,7 @@
           <p:cNvPr id="21" name="TextBox 20">
             <a:extLst>
               <a:ext uri="{FF2B5EF4-FFF2-40B4-BE49-F238E27FC236}">
-                <a16:creationId xmlns:a16="http://schemas.microsoft.com/office/drawing/2014/main" id="{ABC5EB84-90DA-E643-98A8-E610C442C536}"/>
+                <a16:creationId xmlns:a16="http://schemas.microsoft.com/office/drawing/2014/main" xmlns="" id="{ABC5EB84-90DA-E643-98A8-E610C442C536}"/>
               </a:ext>
             </a:extLst>
           </p:cNvPr>
@@ -12566,7 +11379,7 @@
           <p:cNvPr id="22" name="TextBox 21">
             <a:extLst>
               <a:ext uri="{FF2B5EF4-FFF2-40B4-BE49-F238E27FC236}">
-                <a16:creationId xmlns:a16="http://schemas.microsoft.com/office/drawing/2014/main" id="{323FED61-69BD-194E-B8F2-4323E19AA30D}"/>
+                <a16:creationId xmlns:a16="http://schemas.microsoft.com/office/drawing/2014/main" xmlns="" id="{323FED61-69BD-194E-B8F2-4323E19AA30D}"/>
               </a:ext>
             </a:extLst>
           </p:cNvPr>
@@ -12605,7 +11418,7 @@
           <p:cNvPr id="23" name="TextBox 22">
             <a:extLst>
               <a:ext uri="{FF2B5EF4-FFF2-40B4-BE49-F238E27FC236}">
-                <a16:creationId xmlns:a16="http://schemas.microsoft.com/office/drawing/2014/main" id="{DA1A2E14-4236-664C-98EE-7E271D1BCC87}"/>
+                <a16:creationId xmlns:a16="http://schemas.microsoft.com/office/drawing/2014/main" xmlns="" id="{DA1A2E14-4236-664C-98EE-7E271D1BCC87}"/>
               </a:ext>
             </a:extLst>
           </p:cNvPr>
@@ -12649,7 +11462,7 @@
           <p:cNvPr id="24" name="TextBox 23">
             <a:extLst>
               <a:ext uri="{FF2B5EF4-FFF2-40B4-BE49-F238E27FC236}">
-                <a16:creationId xmlns:a16="http://schemas.microsoft.com/office/drawing/2014/main" id="{1EB4860B-E3B2-D843-A6CF-D9AC56B02028}"/>
+                <a16:creationId xmlns:a16="http://schemas.microsoft.com/office/drawing/2014/main" xmlns="" id="{1EB4860B-E3B2-D843-A6CF-D9AC56B02028}"/>
               </a:ext>
             </a:extLst>
           </p:cNvPr>
@@ -12693,7 +11506,7 @@
           <p:cNvPr id="25" name="Right Arrow 24">
             <a:extLst>
               <a:ext uri="{FF2B5EF4-FFF2-40B4-BE49-F238E27FC236}">
-                <a16:creationId xmlns:a16="http://schemas.microsoft.com/office/drawing/2014/main" id="{E7097172-C2BD-2245-8D3E-485BDB0C76A6}"/>
+                <a16:creationId xmlns:a16="http://schemas.microsoft.com/office/drawing/2014/main" xmlns="" id="{E7097172-C2BD-2245-8D3E-485BDB0C76A6}"/>
               </a:ext>
             </a:extLst>
           </p:cNvPr>
@@ -12750,7 +11563,7 @@
           <p:cNvPr id="26" name="Right Arrow 25">
             <a:extLst>
               <a:ext uri="{FF2B5EF4-FFF2-40B4-BE49-F238E27FC236}">
-                <a16:creationId xmlns:a16="http://schemas.microsoft.com/office/drawing/2014/main" id="{F501945B-F755-AE4E-8E1D-7C6D47537659}"/>
+                <a16:creationId xmlns:a16="http://schemas.microsoft.com/office/drawing/2014/main" xmlns="" id="{F501945B-F755-AE4E-8E1D-7C6D47537659}"/>
               </a:ext>
             </a:extLst>
           </p:cNvPr>
@@ -12807,7 +11620,7 @@
           <p:cNvPr id="27" name="Right Arrow 26">
             <a:extLst>
               <a:ext uri="{FF2B5EF4-FFF2-40B4-BE49-F238E27FC236}">
-                <a16:creationId xmlns:a16="http://schemas.microsoft.com/office/drawing/2014/main" id="{6C1F6824-E5C1-F441-A514-29598CF666C5}"/>
+                <a16:creationId xmlns:a16="http://schemas.microsoft.com/office/drawing/2014/main" xmlns="" id="{6C1F6824-E5C1-F441-A514-29598CF666C5}"/>
               </a:ext>
             </a:extLst>
           </p:cNvPr>
@@ -12864,7 +11677,7 @@
           <p:cNvPr id="28" name="Right Arrow 27">
             <a:extLst>
               <a:ext uri="{FF2B5EF4-FFF2-40B4-BE49-F238E27FC236}">
-                <a16:creationId xmlns:a16="http://schemas.microsoft.com/office/drawing/2014/main" id="{FC4AF888-603D-AB42-9AE3-6412DB4399A3}"/>
+                <a16:creationId xmlns:a16="http://schemas.microsoft.com/office/drawing/2014/main" xmlns="" id="{FC4AF888-603D-AB42-9AE3-6412DB4399A3}"/>
               </a:ext>
             </a:extLst>
           </p:cNvPr>
@@ -12921,7 +11734,7 @@
           <p:cNvPr id="29" name="Picture 28">
             <a:extLst>
               <a:ext uri="{FF2B5EF4-FFF2-40B4-BE49-F238E27FC236}">
-                <a16:creationId xmlns:a16="http://schemas.microsoft.com/office/drawing/2014/main" id="{9B1A6FCD-C7AE-6F4D-8801-B369F6995917}"/>
+                <a16:creationId xmlns:a16="http://schemas.microsoft.com/office/drawing/2014/main" xmlns="" id="{9B1A6FCD-C7AE-6F4D-8801-B369F6995917}"/>
               </a:ext>
             </a:extLst>
           </p:cNvPr>
@@ -12957,7 +11770,7 @@
           <p:cNvPr id="30" name="Picture 29">
             <a:extLst>
               <a:ext uri="{FF2B5EF4-FFF2-40B4-BE49-F238E27FC236}">
-                <a16:creationId xmlns:a16="http://schemas.microsoft.com/office/drawing/2014/main" id="{DDE34D98-5949-7B49-808F-0C2DD1CAC8C0}"/>
+                <a16:creationId xmlns:a16="http://schemas.microsoft.com/office/drawing/2014/main" xmlns="" id="{DDE34D98-5949-7B49-808F-0C2DD1CAC8C0}"/>
               </a:ext>
             </a:extLst>
           </p:cNvPr>
@@ -12994,7 +11807,7 @@
           <p:cNvPr id="31" name="Right Arrow 30">
             <a:extLst>
               <a:ext uri="{FF2B5EF4-FFF2-40B4-BE49-F238E27FC236}">
-                <a16:creationId xmlns:a16="http://schemas.microsoft.com/office/drawing/2014/main" id="{ADCA4D08-EBDD-CF4A-838B-30D576F86111}"/>
+                <a16:creationId xmlns:a16="http://schemas.microsoft.com/office/drawing/2014/main" xmlns="" id="{ADCA4D08-EBDD-CF4A-838B-30D576F86111}"/>
               </a:ext>
             </a:extLst>
           </p:cNvPr>
@@ -13049,7 +11862,7 @@
           <p:cNvPr id="32" name="TextBox 31">
             <a:extLst>
               <a:ext uri="{FF2B5EF4-FFF2-40B4-BE49-F238E27FC236}">
-                <a16:creationId xmlns:a16="http://schemas.microsoft.com/office/drawing/2014/main" id="{83B3E7D1-050A-1541-9556-824D1F90075B}"/>
+                <a16:creationId xmlns:a16="http://schemas.microsoft.com/office/drawing/2014/main" xmlns="" id="{83B3E7D1-050A-1541-9556-824D1F90075B}"/>
               </a:ext>
             </a:extLst>
           </p:cNvPr>
@@ -13088,7 +11901,7 @@
           <p:cNvPr id="33" name="TextBox 32">
             <a:extLst>
               <a:ext uri="{FF2B5EF4-FFF2-40B4-BE49-F238E27FC236}">
-                <a16:creationId xmlns:a16="http://schemas.microsoft.com/office/drawing/2014/main" id="{5495DDE8-10F2-5148-84F1-0648BD58A4C5}"/>
+                <a16:creationId xmlns:a16="http://schemas.microsoft.com/office/drawing/2014/main" xmlns="" id="{5495DDE8-10F2-5148-84F1-0648BD58A4C5}"/>
               </a:ext>
             </a:extLst>
           </p:cNvPr>
@@ -13132,7 +11945,7 @@
           <p:cNvPr id="34" name="Right Arrow 33">
             <a:extLst>
               <a:ext uri="{FF2B5EF4-FFF2-40B4-BE49-F238E27FC236}">
-                <a16:creationId xmlns:a16="http://schemas.microsoft.com/office/drawing/2014/main" id="{AC377129-DD1D-6D43-99D1-4B3007F3A976}"/>
+                <a16:creationId xmlns:a16="http://schemas.microsoft.com/office/drawing/2014/main" xmlns="" id="{AC377129-DD1D-6D43-99D1-4B3007F3A976}"/>
               </a:ext>
             </a:extLst>
           </p:cNvPr>
@@ -13192,6 +12005,13 @@
   <p:clrMapOvr>
     <a:masterClrMapping/>
   </p:clrMapOvr>
+  <p:timing>
+    <p:tnLst>
+      <p:par>
+        <p:cTn id="1" dur="indefinite" restart="never" nodeType="tmRoot"/>
+      </p:par>
+    </p:tnLst>
+  </p:timing>
 </p:sld>
 </file>
 
@@ -13231,7 +12051,7 @@
           </a:ln>
           <a:extLst>
             <a:ext uri="{C572A759-6A51-4108-AA02-DFA0A04FC94B}">
-              <ma14:wrappingTextBoxFlag xmlns:ma14="http://schemas.microsoft.com/office/mac/drawingml/2011/main" xmlns="" val="1"/>
+              <ma14:wrappingTextBoxFlag xmlns:ma14="http://schemas.microsoft.com/office/mac/drawingml/2011/main" val="1"/>
             </a:ext>
           </a:extLst>
         </p:spPr>
@@ -13576,6 +12396,13 @@
     <a:masterClrMapping/>
   </p:clrMapOvr>
   <p:transition spd="slow"/>
+  <p:timing>
+    <p:tnLst>
+      <p:par>
+        <p:cTn id="1" dur="indefinite" restart="never" nodeType="tmRoot"/>
+      </p:par>
+    </p:tnLst>
+  </p:timing>
 </p:sld>
 </file>
 
@@ -13601,7 +12428,7 @@
           <p:cNvPr id="4" name="Title 1">
             <a:extLst>
               <a:ext uri="{FF2B5EF4-FFF2-40B4-BE49-F238E27FC236}">
-                <a16:creationId xmlns:a16="http://schemas.microsoft.com/office/drawing/2014/main" id="{08FAEEDB-3B53-7642-8373-51DD074327A9}"/>
+                <a16:creationId xmlns:a16="http://schemas.microsoft.com/office/drawing/2014/main" xmlns="" id="{08FAEEDB-3B53-7642-8373-51DD074327A9}"/>
               </a:ext>
             </a:extLst>
           </p:cNvPr>
@@ -13653,7 +12480,7 @@
           <p:cNvPr id="5" name="Picture 4">
             <a:extLst>
               <a:ext uri="{FF2B5EF4-FFF2-40B4-BE49-F238E27FC236}">
-                <a16:creationId xmlns:a16="http://schemas.microsoft.com/office/drawing/2014/main" id="{768A6013-5DDC-3B4E-8C93-A20D8C04A952}"/>
+                <a16:creationId xmlns:a16="http://schemas.microsoft.com/office/drawing/2014/main" xmlns="" id="{768A6013-5DDC-3B4E-8C93-A20D8C04A952}"/>
               </a:ext>
             </a:extLst>
           </p:cNvPr>
@@ -13689,7 +12516,7 @@
           <p:cNvPr id="6" name="Picture 5">
             <a:extLst>
               <a:ext uri="{FF2B5EF4-FFF2-40B4-BE49-F238E27FC236}">
-                <a16:creationId xmlns:a16="http://schemas.microsoft.com/office/drawing/2014/main" id="{CD9EFEBE-07ED-724E-86A3-9FF0E50CF389}"/>
+                <a16:creationId xmlns:a16="http://schemas.microsoft.com/office/drawing/2014/main" xmlns="" id="{CD9EFEBE-07ED-724E-86A3-9FF0E50CF389}"/>
               </a:ext>
             </a:extLst>
           </p:cNvPr>
@@ -13725,7 +12552,7 @@
           <p:cNvPr id="7" name="Picture 6">
             <a:extLst>
               <a:ext uri="{FF2B5EF4-FFF2-40B4-BE49-F238E27FC236}">
-                <a16:creationId xmlns:a16="http://schemas.microsoft.com/office/drawing/2014/main" id="{F3414014-5DF8-254B-B0CD-0A825EF51B83}"/>
+                <a16:creationId xmlns:a16="http://schemas.microsoft.com/office/drawing/2014/main" xmlns="" id="{F3414014-5DF8-254B-B0CD-0A825EF51B83}"/>
               </a:ext>
             </a:extLst>
           </p:cNvPr>
@@ -13761,7 +12588,7 @@
           <p:cNvPr id="8" name="Group 7">
             <a:extLst>
               <a:ext uri="{FF2B5EF4-FFF2-40B4-BE49-F238E27FC236}">
-                <a16:creationId xmlns:a16="http://schemas.microsoft.com/office/drawing/2014/main" id="{6B028BC2-703C-8341-AF2C-FF1E4E35561F}"/>
+                <a16:creationId xmlns:a16="http://schemas.microsoft.com/office/drawing/2014/main" xmlns="" id="{6B028BC2-703C-8341-AF2C-FF1E4E35561F}"/>
               </a:ext>
             </a:extLst>
           </p:cNvPr>
@@ -13781,7 +12608,7 @@
             <p:cNvPr id="9" name="Picture 8">
               <a:extLst>
                 <a:ext uri="{FF2B5EF4-FFF2-40B4-BE49-F238E27FC236}">
-                  <a16:creationId xmlns:a16="http://schemas.microsoft.com/office/drawing/2014/main" id="{47A53573-147B-CF4E-8C78-23ADEF6A8197}"/>
+                  <a16:creationId xmlns:a16="http://schemas.microsoft.com/office/drawing/2014/main" xmlns="" id="{47A53573-147B-CF4E-8C78-23ADEF6A8197}"/>
                 </a:ext>
               </a:extLst>
             </p:cNvPr>
@@ -13817,7 +12644,7 @@
             <p:cNvPr id="10" name="Picture 9">
               <a:extLst>
                 <a:ext uri="{FF2B5EF4-FFF2-40B4-BE49-F238E27FC236}">
-                  <a16:creationId xmlns:a16="http://schemas.microsoft.com/office/drawing/2014/main" id="{0A37CA85-D08B-C943-AE11-3F522E69ED97}"/>
+                  <a16:creationId xmlns:a16="http://schemas.microsoft.com/office/drawing/2014/main" xmlns="" id="{0A37CA85-D08B-C943-AE11-3F522E69ED97}"/>
                 </a:ext>
               </a:extLst>
             </p:cNvPr>
@@ -13854,7 +12681,7 @@
           <p:cNvPr id="11" name="Group 10">
             <a:extLst>
               <a:ext uri="{FF2B5EF4-FFF2-40B4-BE49-F238E27FC236}">
-                <a16:creationId xmlns:a16="http://schemas.microsoft.com/office/drawing/2014/main" id="{EC66F669-BDD7-2348-AF1D-C01A03B9FB97}"/>
+                <a16:creationId xmlns:a16="http://schemas.microsoft.com/office/drawing/2014/main" xmlns="" id="{EC66F669-BDD7-2348-AF1D-C01A03B9FB97}"/>
               </a:ext>
             </a:extLst>
           </p:cNvPr>
@@ -13874,7 +12701,7 @@
             <p:cNvPr id="12" name="Picture 11">
               <a:extLst>
                 <a:ext uri="{FF2B5EF4-FFF2-40B4-BE49-F238E27FC236}">
-                  <a16:creationId xmlns:a16="http://schemas.microsoft.com/office/drawing/2014/main" id="{1F7FDFFE-13C6-3244-A0C9-23B37FB60BA2}"/>
+                  <a16:creationId xmlns:a16="http://schemas.microsoft.com/office/drawing/2014/main" xmlns="" id="{1F7FDFFE-13C6-3244-A0C9-23B37FB60BA2}"/>
                 </a:ext>
               </a:extLst>
             </p:cNvPr>
@@ -13910,7 +12737,7 @@
             <p:cNvPr id="13" name="Picture 12">
               <a:extLst>
                 <a:ext uri="{FF2B5EF4-FFF2-40B4-BE49-F238E27FC236}">
-                  <a16:creationId xmlns:a16="http://schemas.microsoft.com/office/drawing/2014/main" id="{58F8EF3E-84A5-9D46-A805-A1C59BAD68BB}"/>
+                  <a16:creationId xmlns:a16="http://schemas.microsoft.com/office/drawing/2014/main" xmlns="" id="{58F8EF3E-84A5-9D46-A805-A1C59BAD68BB}"/>
                 </a:ext>
               </a:extLst>
             </p:cNvPr>
@@ -13946,7 +12773,7 @@
             <p:cNvPr id="14" name="Picture 13">
               <a:extLst>
                 <a:ext uri="{FF2B5EF4-FFF2-40B4-BE49-F238E27FC236}">
-                  <a16:creationId xmlns:a16="http://schemas.microsoft.com/office/drawing/2014/main" id="{7FB37E25-7229-E743-9FB9-B145623B3DE2}"/>
+                  <a16:creationId xmlns:a16="http://schemas.microsoft.com/office/drawing/2014/main" xmlns="" id="{7FB37E25-7229-E743-9FB9-B145623B3DE2}"/>
                 </a:ext>
               </a:extLst>
             </p:cNvPr>
@@ -13983,7 +12810,7 @@
           <p:cNvPr id="15" name="Picture 14">
             <a:extLst>
               <a:ext uri="{FF2B5EF4-FFF2-40B4-BE49-F238E27FC236}">
-                <a16:creationId xmlns:a16="http://schemas.microsoft.com/office/drawing/2014/main" id="{AC24BF1A-519C-2A41-82A5-8E8528A1F007}"/>
+                <a16:creationId xmlns:a16="http://schemas.microsoft.com/office/drawing/2014/main" xmlns="" id="{AC24BF1A-519C-2A41-82A5-8E8528A1F007}"/>
               </a:ext>
             </a:extLst>
           </p:cNvPr>
@@ -14019,7 +12846,7 @@
           <p:cNvPr id="16" name="Content Placeholder 29">
             <a:extLst>
               <a:ext uri="{FF2B5EF4-FFF2-40B4-BE49-F238E27FC236}">
-                <a16:creationId xmlns:a16="http://schemas.microsoft.com/office/drawing/2014/main" id="{8DB84570-E684-F744-8C51-28217B1BF80B}"/>
+                <a16:creationId xmlns:a16="http://schemas.microsoft.com/office/drawing/2014/main" xmlns="" id="{8DB84570-E684-F744-8C51-28217B1BF80B}"/>
               </a:ext>
             </a:extLst>
           </p:cNvPr>
@@ -14207,7 +13034,7 @@
           <p:cNvPr id="17" name="Content Placeholder 29">
             <a:extLst>
               <a:ext uri="{FF2B5EF4-FFF2-40B4-BE49-F238E27FC236}">
-                <a16:creationId xmlns:a16="http://schemas.microsoft.com/office/drawing/2014/main" id="{5DEFB636-4736-1F41-A2C7-8656EEFEE96B}"/>
+                <a16:creationId xmlns:a16="http://schemas.microsoft.com/office/drawing/2014/main" xmlns="" id="{5DEFB636-4736-1F41-A2C7-8656EEFEE96B}"/>
               </a:ext>
             </a:extLst>
           </p:cNvPr>
@@ -14382,7 +13209,7 @@
           <p:cNvPr id="18" name="Content Placeholder 29">
             <a:extLst>
               <a:ext uri="{FF2B5EF4-FFF2-40B4-BE49-F238E27FC236}">
-                <a16:creationId xmlns:a16="http://schemas.microsoft.com/office/drawing/2014/main" id="{5668772F-35E1-AB49-B1FD-E3ACE86B1BD5}"/>
+                <a16:creationId xmlns:a16="http://schemas.microsoft.com/office/drawing/2014/main" xmlns="" id="{5668772F-35E1-AB49-B1FD-E3ACE86B1BD5}"/>
               </a:ext>
             </a:extLst>
           </p:cNvPr>
@@ -14557,7 +13384,7 @@
           <p:cNvPr id="19" name="Content Placeholder 29">
             <a:extLst>
               <a:ext uri="{FF2B5EF4-FFF2-40B4-BE49-F238E27FC236}">
-                <a16:creationId xmlns:a16="http://schemas.microsoft.com/office/drawing/2014/main" id="{B3F237DB-63CE-6348-B0AA-371B81049A81}"/>
+                <a16:creationId xmlns:a16="http://schemas.microsoft.com/office/drawing/2014/main" xmlns="" id="{B3F237DB-63CE-6348-B0AA-371B81049A81}"/>
               </a:ext>
             </a:extLst>
           </p:cNvPr>
@@ -14748,7 +13575,7 @@
           <p:cNvPr id="20" name="Content Placeholder 29">
             <a:extLst>
               <a:ext uri="{FF2B5EF4-FFF2-40B4-BE49-F238E27FC236}">
-                <a16:creationId xmlns:a16="http://schemas.microsoft.com/office/drawing/2014/main" id="{181531B2-A56E-FD4A-8B51-E831ACA05650}"/>
+                <a16:creationId xmlns:a16="http://schemas.microsoft.com/office/drawing/2014/main" xmlns="" id="{181531B2-A56E-FD4A-8B51-E831ACA05650}"/>
               </a:ext>
             </a:extLst>
           </p:cNvPr>
@@ -14923,7 +13750,7 @@
           <p:cNvPr id="21" name="Picture 20">
             <a:extLst>
               <a:ext uri="{FF2B5EF4-FFF2-40B4-BE49-F238E27FC236}">
-                <a16:creationId xmlns:a16="http://schemas.microsoft.com/office/drawing/2014/main" id="{952CEFDC-63CC-0E41-8B11-90BF3D8027C0}"/>
+                <a16:creationId xmlns:a16="http://schemas.microsoft.com/office/drawing/2014/main" xmlns="" id="{952CEFDC-63CC-0E41-8B11-90BF3D8027C0}"/>
               </a:ext>
             </a:extLst>
           </p:cNvPr>
@@ -14959,7 +13786,7 @@
           <p:cNvPr id="22" name="Content Placeholder 29">
             <a:extLst>
               <a:ext uri="{FF2B5EF4-FFF2-40B4-BE49-F238E27FC236}">
-                <a16:creationId xmlns:a16="http://schemas.microsoft.com/office/drawing/2014/main" id="{422FCC89-29BA-F24A-BBF7-762B7037BE7B}"/>
+                <a16:creationId xmlns:a16="http://schemas.microsoft.com/office/drawing/2014/main" xmlns="" id="{422FCC89-29BA-F24A-BBF7-762B7037BE7B}"/>
               </a:ext>
             </a:extLst>
           </p:cNvPr>
@@ -15134,7 +13961,7 @@
           <p:cNvPr id="23" name="Straight Connector 22">
             <a:extLst>
               <a:ext uri="{FF2B5EF4-FFF2-40B4-BE49-F238E27FC236}">
-                <a16:creationId xmlns:a16="http://schemas.microsoft.com/office/drawing/2014/main" id="{1B5E61AA-EDE9-EE44-8E2B-77317D27EA15}"/>
+                <a16:creationId xmlns:a16="http://schemas.microsoft.com/office/drawing/2014/main" xmlns="" id="{1B5E61AA-EDE9-EE44-8E2B-77317D27EA15}"/>
               </a:ext>
             </a:extLst>
           </p:cNvPr>
@@ -15170,7 +13997,7 @@
           <p:cNvPr id="24" name="TextBox 23">
             <a:extLst>
               <a:ext uri="{FF2B5EF4-FFF2-40B4-BE49-F238E27FC236}">
-                <a16:creationId xmlns:a16="http://schemas.microsoft.com/office/drawing/2014/main" id="{F83F033E-A82F-254E-A43A-0FA24337980E}"/>
+                <a16:creationId xmlns:a16="http://schemas.microsoft.com/office/drawing/2014/main" xmlns="" id="{F83F033E-A82F-254E-A43A-0FA24337980E}"/>
               </a:ext>
             </a:extLst>
           </p:cNvPr>
@@ -15229,7 +14056,7 @@
           <p:cNvPr id="25" name="TextBox 24">
             <a:extLst>
               <a:ext uri="{FF2B5EF4-FFF2-40B4-BE49-F238E27FC236}">
-                <a16:creationId xmlns:a16="http://schemas.microsoft.com/office/drawing/2014/main" id="{0268A395-50C5-404C-B2D0-BE2C5E2579AD}"/>
+                <a16:creationId xmlns:a16="http://schemas.microsoft.com/office/drawing/2014/main" xmlns="" id="{0268A395-50C5-404C-B2D0-BE2C5E2579AD}"/>
               </a:ext>
             </a:extLst>
           </p:cNvPr>
@@ -15298,7 +14125,7 @@
           <p:cNvPr id="2" name="Content Placeholder 4">
             <a:extLst>
               <a:ext uri="{FF2B5EF4-FFF2-40B4-BE49-F238E27FC236}">
-                <a16:creationId xmlns:a16="http://schemas.microsoft.com/office/drawing/2014/main" id="{22C5E704-AC8E-FD40-B4EA-7198FFB2B248}"/>
+                <a16:creationId xmlns:a16="http://schemas.microsoft.com/office/drawing/2014/main" xmlns="" id="{22C5E704-AC8E-FD40-B4EA-7198FFB2B248}"/>
               </a:ext>
             </a:extLst>
           </p:cNvPr>
@@ -15309,7 +14136,7 @@
         </p:nvSpPr>
         <p:spPr>
           <a:xfrm>
-            <a:off x="362259" y="3325598"/>
+            <a:off x="362258" y="3261936"/>
             <a:ext cx="1946319" cy="299258"/>
           </a:xfrm>
           <a:prstGeom prst="rect">
@@ -15472,7 +14299,7 @@
           <p:cNvPr id="3" name="Content Placeholder 5">
             <a:extLst>
               <a:ext uri="{FF2B5EF4-FFF2-40B4-BE49-F238E27FC236}">
-                <a16:creationId xmlns:a16="http://schemas.microsoft.com/office/drawing/2014/main" id="{91B075AB-A309-8947-81DD-E4243A08F04C}"/>
+                <a16:creationId xmlns:a16="http://schemas.microsoft.com/office/drawing/2014/main" xmlns="" id="{91B075AB-A309-8947-81DD-E4243A08F04C}"/>
               </a:ext>
             </a:extLst>
           </p:cNvPr>
@@ -15483,7 +14310,7 @@
         </p:nvSpPr>
         <p:spPr>
           <a:xfrm>
-            <a:off x="4506159" y="3363710"/>
+            <a:off x="2463617" y="3261936"/>
             <a:ext cx="1947672" cy="299258"/>
           </a:xfrm>
           <a:prstGeom prst="rect">
@@ -15631,18 +14458,13 @@
           </a:lstStyle>
           <a:p>
             <a:r>
-              <a:rPr lang="en-US" sz="1600">
+              <a:rPr lang="en-US" sz="1600" dirty="0">
                 <a:solidFill>
                   <a:schemeClr val="accent1"/>
                 </a:solidFill>
               </a:rPr>
               <a:t>Deploy private Alexa for Business skills to devices in your organization </a:t>
             </a:r>
-            <a:endParaRPr lang="en-US" sz="1600" dirty="0">
-              <a:solidFill>
-                <a:schemeClr val="accent1"/>
-              </a:solidFill>
-            </a:endParaRPr>
           </a:p>
         </p:txBody>
       </p:sp>
@@ -15651,7 +14473,7 @@
           <p:cNvPr id="4" name="Content Placeholder 6">
             <a:extLst>
               <a:ext uri="{FF2B5EF4-FFF2-40B4-BE49-F238E27FC236}">
-                <a16:creationId xmlns:a16="http://schemas.microsoft.com/office/drawing/2014/main" id="{4980A1AE-1A38-A544-A945-1F4C82A81FD6}"/>
+                <a16:creationId xmlns:a16="http://schemas.microsoft.com/office/drawing/2014/main" xmlns="" id="{4980A1AE-1A38-A544-A945-1F4C82A81FD6}"/>
               </a:ext>
             </a:extLst>
           </p:cNvPr>
@@ -15662,7 +14484,7 @@
         </p:nvSpPr>
         <p:spPr>
           <a:xfrm>
-            <a:off x="6694008" y="3238811"/>
+            <a:off x="4660808" y="3266392"/>
             <a:ext cx="1947672" cy="299258"/>
           </a:xfrm>
           <a:prstGeom prst="rect">
@@ -15832,7 +14654,7 @@
           <p:cNvPr id="5" name="Content Placeholder 7">
             <a:extLst>
               <a:ext uri="{FF2B5EF4-FFF2-40B4-BE49-F238E27FC236}">
-                <a16:creationId xmlns:a16="http://schemas.microsoft.com/office/drawing/2014/main" id="{3B5AF772-9A70-EF44-A2EB-17A8AAC0B895}"/>
+                <a16:creationId xmlns:a16="http://schemas.microsoft.com/office/drawing/2014/main" xmlns="" id="{3B5AF772-9A70-EF44-A2EB-17A8AAC0B895}"/>
               </a:ext>
             </a:extLst>
           </p:cNvPr>
@@ -15843,7 +14665,7 @@
         </p:nvSpPr>
         <p:spPr>
           <a:xfrm>
-            <a:off x="2456393" y="3325598"/>
+            <a:off x="6857999" y="3266392"/>
             <a:ext cx="1947672" cy="299258"/>
           </a:xfrm>
           <a:prstGeom prst="rect">
@@ -15991,18 +14813,13 @@
           </a:lstStyle>
           <a:p>
             <a:r>
-              <a:rPr lang="en-US" sz="1600">
+              <a:rPr lang="en-US" sz="1600" dirty="0">
                 <a:solidFill>
                   <a:schemeClr val="accent1"/>
                 </a:solidFill>
               </a:rPr>
               <a:t>Manage shared devices in conference rooms and common spaces</a:t>
             </a:r>
-            <a:endParaRPr lang="en-US" sz="1600" dirty="0">
-              <a:solidFill>
-                <a:schemeClr val="accent1"/>
-              </a:solidFill>
-            </a:endParaRPr>
           </a:p>
         </p:txBody>
       </p:sp>
@@ -16011,7 +14828,7 @@
           <p:cNvPr id="6" name="Title 3">
             <a:extLst>
               <a:ext uri="{FF2B5EF4-FFF2-40B4-BE49-F238E27FC236}">
-                <a16:creationId xmlns:a16="http://schemas.microsoft.com/office/drawing/2014/main" id="{E484498F-95F5-D545-B8DA-30CC922FFCFD}"/>
+                <a16:creationId xmlns:a16="http://schemas.microsoft.com/office/drawing/2014/main" xmlns="" id="{E484498F-95F5-D545-B8DA-30CC922FFCFD}"/>
               </a:ext>
             </a:extLst>
           </p:cNvPr>
@@ -16044,7 +14861,7 @@
           <p:cNvPr id="7" name="Picture 6">
             <a:extLst>
               <a:ext uri="{FF2B5EF4-FFF2-40B4-BE49-F238E27FC236}">
-                <a16:creationId xmlns:a16="http://schemas.microsoft.com/office/drawing/2014/main" id="{2D474ACE-1967-5142-A959-865B9A2070A3}"/>
+                <a16:creationId xmlns:a16="http://schemas.microsoft.com/office/drawing/2014/main" xmlns="" id="{2D474ACE-1967-5142-A959-865B9A2070A3}"/>
               </a:ext>
             </a:extLst>
           </p:cNvPr>
@@ -16067,7 +14884,7 @@
         </p:blipFill>
         <p:spPr>
           <a:xfrm>
-            <a:off x="6742014" y="1497254"/>
+            <a:off x="4611502" y="1616693"/>
             <a:ext cx="1851661" cy="1234440"/>
           </a:xfrm>
           <a:prstGeom prst="rect">
@@ -16080,7 +14897,7 @@
           <p:cNvPr id="8" name="Picture 7">
             <a:extLst>
               <a:ext uri="{FF2B5EF4-FFF2-40B4-BE49-F238E27FC236}">
-                <a16:creationId xmlns:a16="http://schemas.microsoft.com/office/drawing/2014/main" id="{C048739D-4C79-E544-8C2D-C6A9F466DB9A}"/>
+                <a16:creationId xmlns:a16="http://schemas.microsoft.com/office/drawing/2014/main" xmlns="" id="{C048739D-4C79-E544-8C2D-C6A9F466DB9A}"/>
               </a:ext>
             </a:extLst>
           </p:cNvPr>
@@ -16103,7 +14920,7 @@
         </p:blipFill>
         <p:spPr>
           <a:xfrm>
-            <a:off x="2503710" y="1584041"/>
+            <a:off x="6788641" y="1584040"/>
             <a:ext cx="1853039" cy="1235359"/>
           </a:xfrm>
           <a:prstGeom prst="rect">
@@ -16116,7 +14933,7 @@
           <p:cNvPr id="9" name="Picture 8">
             <a:extLst>
               <a:ext uri="{FF2B5EF4-FFF2-40B4-BE49-F238E27FC236}">
-                <a16:creationId xmlns:a16="http://schemas.microsoft.com/office/drawing/2014/main" id="{48D9700A-3A21-CE48-87B7-3DC312DDA6E8}"/>
+                <a16:creationId xmlns:a16="http://schemas.microsoft.com/office/drawing/2014/main" xmlns="" id="{48D9700A-3A21-CE48-87B7-3DC312DDA6E8}"/>
               </a:ext>
             </a:extLst>
           </p:cNvPr>
@@ -16139,7 +14956,7 @@
         </p:blipFill>
         <p:spPr>
           <a:xfrm>
-            <a:off x="4551880" y="1622153"/>
+            <a:off x="2456378" y="1613646"/>
             <a:ext cx="1856231" cy="1237487"/>
           </a:xfrm>
           <a:prstGeom prst="rect">
@@ -16152,7 +14969,7 @@
           <p:cNvPr id="10" name="Picture 9">
             <a:extLst>
               <a:ext uri="{FF2B5EF4-FFF2-40B4-BE49-F238E27FC236}">
-                <a16:creationId xmlns:a16="http://schemas.microsoft.com/office/drawing/2014/main" id="{B9591E03-4F67-4046-8899-4D64660CFA1B}"/>
+                <a16:creationId xmlns:a16="http://schemas.microsoft.com/office/drawing/2014/main" xmlns="" id="{B9591E03-4F67-4046-8899-4D64660CFA1B}"/>
               </a:ext>
             </a:extLst>
           </p:cNvPr>
@@ -16193,11 +15010,18 @@
   <p:clrMapOvr>
     <a:masterClrMapping/>
   </p:clrMapOvr>
+  <p:timing>
+    <p:tnLst>
+      <p:par>
+        <p:cTn id="1" dur="indefinite" restart="never" nodeType="tmRoot"/>
+      </p:par>
+    </p:tnLst>
+  </p:timing>
 </p:sld>
 </file>
 
 <file path=ppt/slides/slide21.xml><?xml version="1.0" encoding="utf-8"?>
-<p:sld xmlns:a="http://schemas.openxmlformats.org/drawingml/2006/main" xmlns:r="http://schemas.openxmlformats.org/officeDocument/2006/relationships" xmlns:p="http://schemas.openxmlformats.org/presentationml/2006/main">
+<p:sld xmlns:a="http://schemas.openxmlformats.org/drawingml/2006/main" xmlns:r="http://schemas.openxmlformats.org/officeDocument/2006/relationships" xmlns:p="http://schemas.openxmlformats.org/presentationml/2006/main" show="0">
   <p:cSld>
     <p:spTree>
       <p:nvGrpSpPr>
@@ -16218,7 +15042,7 @@
           <p:cNvPr id="2" name="Title 1">
             <a:extLst>
               <a:ext uri="{FF2B5EF4-FFF2-40B4-BE49-F238E27FC236}">
-                <a16:creationId xmlns:a16="http://schemas.microsoft.com/office/drawing/2014/main" id="{0A05C225-3146-A242-8FCF-3B8B2149AE24}"/>
+                <a16:creationId xmlns:a16="http://schemas.microsoft.com/office/drawing/2014/main" xmlns="" id="{0A05C225-3146-A242-8FCF-3B8B2149AE24}"/>
               </a:ext>
             </a:extLst>
           </p:cNvPr>
@@ -16251,7 +15075,7 @@
           <p:cNvPr id="3" name="Picture 2">
             <a:extLst>
               <a:ext uri="{FF2B5EF4-FFF2-40B4-BE49-F238E27FC236}">
-                <a16:creationId xmlns:a16="http://schemas.microsoft.com/office/drawing/2014/main" id="{9C7092A1-7668-6F40-8CC0-5FE2B21C1F90}"/>
+                <a16:creationId xmlns:a16="http://schemas.microsoft.com/office/drawing/2014/main" xmlns="" id="{9C7092A1-7668-6F40-8CC0-5FE2B21C1F90}"/>
               </a:ext>
             </a:extLst>
           </p:cNvPr>
@@ -16286,6 +15110,21 @@
   <p:clrMapOvr>
     <a:masterClrMapping/>
   </p:clrMapOvr>
+  <mc:AlternateContent xmlns:mc="http://schemas.openxmlformats.org/markup-compatibility/2006">
+    <mc:Choice xmlns:p14="http://schemas.microsoft.com/office/powerpoint/2010/main" Requires="p14">
+      <p:transition spd="slow" p14:dur="2000"/>
+    </mc:Choice>
+    <mc:Fallback>
+      <p:transition spd="slow"/>
+    </mc:Fallback>
+  </mc:AlternateContent>
+  <p:timing>
+    <p:tnLst>
+      <p:par>
+        <p:cTn id="1" dur="indefinite" restart="never" nodeType="tmRoot"/>
+      </p:par>
+    </p:tnLst>
+  </p:timing>
 </p:sld>
 </file>
 
@@ -16311,7 +15150,7 @@
           <p:cNvPr id="2" name="Title 1">
             <a:extLst>
               <a:ext uri="{FF2B5EF4-FFF2-40B4-BE49-F238E27FC236}">
-                <a16:creationId xmlns:a16="http://schemas.microsoft.com/office/drawing/2014/main" id="{AD162B93-D8DC-C449-9FAE-535A5F53022E}"/>
+                <a16:creationId xmlns:a16="http://schemas.microsoft.com/office/drawing/2014/main" xmlns="" id="{AD162B93-D8DC-C449-9FAE-535A5F53022E}"/>
               </a:ext>
             </a:extLst>
           </p:cNvPr>
@@ -16344,7 +15183,7 @@
           <p:cNvPr id="3" name="Picture 2">
             <a:extLst>
               <a:ext uri="{FF2B5EF4-FFF2-40B4-BE49-F238E27FC236}">
-                <a16:creationId xmlns:a16="http://schemas.microsoft.com/office/drawing/2014/main" id="{31BBE373-D1DF-0143-9490-9D9DC3C51D8E}"/>
+                <a16:creationId xmlns:a16="http://schemas.microsoft.com/office/drawing/2014/main" xmlns="" id="{31BBE373-D1DF-0143-9490-9D9DC3C51D8E}"/>
               </a:ext>
             </a:extLst>
           </p:cNvPr>
@@ -16379,6 +15218,13 @@
   <p:clrMapOvr>
     <a:masterClrMapping/>
   </p:clrMapOvr>
+  <p:timing>
+    <p:tnLst>
+      <p:par>
+        <p:cTn id="1" dur="indefinite" restart="never" nodeType="tmRoot"/>
+      </p:par>
+    </p:tnLst>
+  </p:timing>
 </p:sld>
 </file>
 
@@ -16409,6 +15255,14 @@
   <p:clrMapOvr>
     <a:masterClrMapping/>
   </p:clrMapOvr>
+  <mc:AlternateContent xmlns:mc="http://schemas.openxmlformats.org/markup-compatibility/2006">
+    <mc:Choice xmlns:p14="http://schemas.microsoft.com/office/powerpoint/2010/main" Requires="p14">
+      <p:transition spd="slow" p14:dur="2000"/>
+    </mc:Choice>
+    <mc:Fallback>
+      <p:transition spd="slow"/>
+    </mc:Fallback>
+  </mc:AlternateContent>
 </p:sld>
 </file>
 
@@ -16491,6 +15345,116 @@
   <p:clrMapOvr>
     <a:masterClrMapping/>
   </p:clrMapOvr>
+  <p:timing>
+    <p:tnLst>
+      <p:par>
+        <p:cTn id="1" dur="indefinite" restart="never" nodeType="tmRoot"/>
+      </p:par>
+    </p:tnLst>
+  </p:timing>
+</p:sld>
+</file>
+
+<file path=ppt/slides/slide25.xml><?xml version="1.0" encoding="utf-8"?>
+<p:sld xmlns:a="http://schemas.openxmlformats.org/drawingml/2006/main" xmlns:r="http://schemas.openxmlformats.org/officeDocument/2006/relationships" xmlns:p="http://schemas.openxmlformats.org/presentationml/2006/main">
+  <p:cSld>
+    <p:spTree>
+      <p:nvGrpSpPr>
+        <p:cNvPr id="1" name=""/>
+        <p:cNvGrpSpPr/>
+        <p:nvPr/>
+      </p:nvGrpSpPr>
+      <p:grpSpPr>
+        <a:xfrm>
+          <a:off x="0" y="0"/>
+          <a:ext cx="0" cy="0"/>
+          <a:chOff x="0" y="0"/>
+          <a:chExt cx="0" cy="0"/>
+        </a:xfrm>
+      </p:grpSpPr>
+      <p:sp>
+        <p:nvSpPr>
+          <p:cNvPr id="2" name="Title 1"/>
+          <p:cNvSpPr>
+            <a:spLocks noGrp="1"/>
+          </p:cNvSpPr>
+          <p:nvPr>
+            <p:ph type="title"/>
+          </p:nvPr>
+        </p:nvSpPr>
+        <p:spPr/>
+        <p:txBody>
+          <a:bodyPr/>
+          <a:lstStyle/>
+          <a:p>
+            <a:r>
+              <a:rPr lang="en-US" dirty="0" smtClean="0"/>
+              <a:t>Feedback</a:t>
+            </a:r>
+            <a:endParaRPr lang="en-US" dirty="0"/>
+          </a:p>
+        </p:txBody>
+      </p:sp>
+      <p:sp>
+        <p:nvSpPr>
+          <p:cNvPr id="3" name="Content Placeholder 2"/>
+          <p:cNvSpPr>
+            <a:spLocks noGrp="1"/>
+          </p:cNvSpPr>
+          <p:nvPr>
+            <p:ph idx="1"/>
+          </p:nvPr>
+        </p:nvSpPr>
+        <p:spPr>
+          <a:xfrm>
+            <a:off x="1200401" y="387806"/>
+            <a:ext cx="8205304" cy="3553926"/>
+          </a:xfrm>
+        </p:spPr>
+        <p:txBody>
+          <a:bodyPr/>
+          <a:lstStyle/>
+          <a:p>
+            <a:endParaRPr lang="en-US" dirty="0" smtClean="0"/>
+          </a:p>
+          <a:p>
+            <a:endParaRPr lang="en-US" dirty="0" smtClean="0"/>
+          </a:p>
+          <a:p>
+            <a:endParaRPr lang="en-US" dirty="0"/>
+          </a:p>
+          <a:p>
+            <a:r>
+              <a:rPr lang="en-US" dirty="0" smtClean="0"/>
+              <a:t>Take 3 minutes</a:t>
+            </a:r>
+            <a:r>
+              <a:rPr lang="mr-IN" dirty="0" smtClean="0"/>
+              <a:t>…</a:t>
+            </a:r>
+            <a:endParaRPr lang="en-US" dirty="0"/>
+          </a:p>
+          <a:p>
+            <a:r>
+              <a:rPr lang="en-US" sz="4000" dirty="0">
+                <a:hlinkClick r:id="rId2"/>
+              </a:rPr>
+              <a:t>http://bit.ly/2nHDSNH</a:t>
+            </a:r>
+            <a:endParaRPr lang="en-US" sz="4000" dirty="0"/>
+          </a:p>
+        </p:txBody>
+      </p:sp>
+    </p:spTree>
+    <p:extLst>
+      <p:ext uri="{BB962C8B-B14F-4D97-AF65-F5344CB8AC3E}">
+        <p14:creationId xmlns:p14="http://schemas.microsoft.com/office/powerpoint/2010/main" val="2057935831"/>
+      </p:ext>
+    </p:extLst>
+  </p:cSld>
+  <p:clrMapOvr>
+    <a:masterClrMapping/>
+  </p:clrMapOvr>
 </p:sld>
 </file>
 
@@ -16516,7 +15480,7 @@
           <p:cNvPr id="4" name="Title 3">
             <a:extLst>
               <a:ext uri="{FF2B5EF4-FFF2-40B4-BE49-F238E27FC236}">
-                <a16:creationId xmlns:a16="http://schemas.microsoft.com/office/drawing/2014/main" id="{49F468D1-BCCE-9D46-8869-BB93BCA9DD6D}"/>
+                <a16:creationId xmlns:a16="http://schemas.microsoft.com/office/drawing/2014/main" xmlns="" id="{49F468D1-BCCE-9D46-8869-BB93BCA9DD6D}"/>
               </a:ext>
             </a:extLst>
           </p:cNvPr>
@@ -16572,7 +15536,7 @@
           <p:cNvPr id="5" name="TextBox 4">
             <a:extLst>
               <a:ext uri="{FF2B5EF4-FFF2-40B4-BE49-F238E27FC236}">
-                <a16:creationId xmlns:a16="http://schemas.microsoft.com/office/drawing/2014/main" id="{B10859AA-EE65-6442-AE88-B24F2A925C0D}"/>
+                <a16:creationId xmlns:a16="http://schemas.microsoft.com/office/drawing/2014/main" xmlns="" id="{B10859AA-EE65-6442-AE88-B24F2A925C0D}"/>
               </a:ext>
             </a:extLst>
           </p:cNvPr>
@@ -16623,7 +15587,7 @@
           <p:cNvPr id="6" name="TextBox 5">
             <a:extLst>
               <a:ext uri="{FF2B5EF4-FFF2-40B4-BE49-F238E27FC236}">
-                <a16:creationId xmlns:a16="http://schemas.microsoft.com/office/drawing/2014/main" id="{3D8D4083-8BEE-E24E-B87C-A52B7F05B4A7}"/>
+                <a16:creationId xmlns:a16="http://schemas.microsoft.com/office/drawing/2014/main" xmlns="" id="{3D8D4083-8BEE-E24E-B87C-A52B7F05B4A7}"/>
               </a:ext>
             </a:extLst>
           </p:cNvPr>
@@ -16685,7 +15649,7 @@
           <p:cNvPr id="7" name="TextBox 6">
             <a:extLst>
               <a:ext uri="{FF2B5EF4-FFF2-40B4-BE49-F238E27FC236}">
-                <a16:creationId xmlns:a16="http://schemas.microsoft.com/office/drawing/2014/main" id="{22540CCE-249B-CE4C-9CA6-9939CE74FA2B}"/>
+                <a16:creationId xmlns:a16="http://schemas.microsoft.com/office/drawing/2014/main" xmlns="" id="{22540CCE-249B-CE4C-9CA6-9939CE74FA2B}"/>
               </a:ext>
             </a:extLst>
           </p:cNvPr>
@@ -16736,7 +15700,7 @@
           <p:cNvPr id="8" name="TextBox 7">
             <a:extLst>
               <a:ext uri="{FF2B5EF4-FFF2-40B4-BE49-F238E27FC236}">
-                <a16:creationId xmlns:a16="http://schemas.microsoft.com/office/drawing/2014/main" id="{428E2C37-5BAF-8449-9C06-EF374F5C0ED5}"/>
+                <a16:creationId xmlns:a16="http://schemas.microsoft.com/office/drawing/2014/main" xmlns="" id="{428E2C37-5BAF-8449-9C06-EF374F5C0ED5}"/>
               </a:ext>
             </a:extLst>
           </p:cNvPr>
@@ -16814,7 +15778,7 @@
           <p:cNvPr id="9" name="TextBox 8">
             <a:extLst>
               <a:ext uri="{FF2B5EF4-FFF2-40B4-BE49-F238E27FC236}">
-                <a16:creationId xmlns:a16="http://schemas.microsoft.com/office/drawing/2014/main" id="{29595FBA-B04D-084A-81B6-FF773FDBB9BC}"/>
+                <a16:creationId xmlns:a16="http://schemas.microsoft.com/office/drawing/2014/main" xmlns="" id="{29595FBA-B04D-084A-81B6-FF773FDBB9BC}"/>
               </a:ext>
             </a:extLst>
           </p:cNvPr>
@@ -16876,7 +15840,7 @@
           <p:cNvPr id="10" name="TextBox 9">
             <a:extLst>
               <a:ext uri="{FF2B5EF4-FFF2-40B4-BE49-F238E27FC236}">
-                <a16:creationId xmlns:a16="http://schemas.microsoft.com/office/drawing/2014/main" id="{AD8507AC-2A1B-DB49-A6BB-2FF557BBD734}"/>
+                <a16:creationId xmlns:a16="http://schemas.microsoft.com/office/drawing/2014/main" xmlns="" id="{AD8507AC-2A1B-DB49-A6BB-2FF557BBD734}"/>
               </a:ext>
             </a:extLst>
           </p:cNvPr>
@@ -16938,7 +15902,7 @@
           <p:cNvPr id="11" name="TextBox 10">
             <a:extLst>
               <a:ext uri="{FF2B5EF4-FFF2-40B4-BE49-F238E27FC236}">
-                <a16:creationId xmlns:a16="http://schemas.microsoft.com/office/drawing/2014/main" id="{D144D9C9-FA4F-814F-B810-27C85359A1E3}"/>
+                <a16:creationId xmlns:a16="http://schemas.microsoft.com/office/drawing/2014/main" xmlns="" id="{D144D9C9-FA4F-814F-B810-27C85359A1E3}"/>
               </a:ext>
             </a:extLst>
           </p:cNvPr>
@@ -16989,7 +15953,7 @@
           <p:cNvPr id="12" name="TextBox 11">
             <a:extLst>
               <a:ext uri="{FF2B5EF4-FFF2-40B4-BE49-F238E27FC236}">
-                <a16:creationId xmlns:a16="http://schemas.microsoft.com/office/drawing/2014/main" id="{1A983665-525C-E041-8E24-513B1BC07862}"/>
+                <a16:creationId xmlns:a16="http://schemas.microsoft.com/office/drawing/2014/main" xmlns="" id="{1A983665-525C-E041-8E24-513B1BC07862}"/>
               </a:ext>
             </a:extLst>
           </p:cNvPr>
@@ -17040,7 +16004,7 @@
           <p:cNvPr id="13" name="TextBox 12">
             <a:extLst>
               <a:ext uri="{FF2B5EF4-FFF2-40B4-BE49-F238E27FC236}">
-                <a16:creationId xmlns:a16="http://schemas.microsoft.com/office/drawing/2014/main" id="{E816D4E8-799A-6044-BD69-C21034BC8A5D}"/>
+                <a16:creationId xmlns:a16="http://schemas.microsoft.com/office/drawing/2014/main" xmlns="" id="{E816D4E8-799A-6044-BD69-C21034BC8A5D}"/>
               </a:ext>
             </a:extLst>
           </p:cNvPr>
@@ -17091,7 +16055,7 @@
           <p:cNvPr id="14" name="TextBox 13">
             <a:extLst>
               <a:ext uri="{FF2B5EF4-FFF2-40B4-BE49-F238E27FC236}">
-                <a16:creationId xmlns:a16="http://schemas.microsoft.com/office/drawing/2014/main" id="{1563AA5D-C6D3-C749-BC3C-7939E0F9E181}"/>
+                <a16:creationId xmlns:a16="http://schemas.microsoft.com/office/drawing/2014/main" xmlns="" id="{1563AA5D-C6D3-C749-BC3C-7939E0F9E181}"/>
               </a:ext>
             </a:extLst>
           </p:cNvPr>
@@ -17153,7 +16117,7 @@
           <p:cNvPr id="15" name="TextBox 14">
             <a:extLst>
               <a:ext uri="{FF2B5EF4-FFF2-40B4-BE49-F238E27FC236}">
-                <a16:creationId xmlns:a16="http://schemas.microsoft.com/office/drawing/2014/main" id="{07F4B703-4509-3D4B-BC60-1BEB78D1706C}"/>
+                <a16:creationId xmlns:a16="http://schemas.microsoft.com/office/drawing/2014/main" xmlns="" id="{07F4B703-4509-3D4B-BC60-1BEB78D1706C}"/>
               </a:ext>
             </a:extLst>
           </p:cNvPr>
@@ -17215,7 +16179,7 @@
           <p:cNvPr id="16" name="TextBox 15">
             <a:extLst>
               <a:ext uri="{FF2B5EF4-FFF2-40B4-BE49-F238E27FC236}">
-                <a16:creationId xmlns:a16="http://schemas.microsoft.com/office/drawing/2014/main" id="{37D936FD-8F9C-E04B-BDEB-98EC1D00ADF3}"/>
+                <a16:creationId xmlns:a16="http://schemas.microsoft.com/office/drawing/2014/main" xmlns="" id="{37D936FD-8F9C-E04B-BDEB-98EC1D00ADF3}"/>
               </a:ext>
             </a:extLst>
           </p:cNvPr>
@@ -17825,7 +16789,7 @@
           <p:cNvPr id="4" name="Title 1">
             <a:extLst>
               <a:ext uri="{FF2B5EF4-FFF2-40B4-BE49-F238E27FC236}">
-                <a16:creationId xmlns:a16="http://schemas.microsoft.com/office/drawing/2014/main" id="{2E021D7A-145E-3540-9BA6-5B4B72D54389}"/>
+                <a16:creationId xmlns:a16="http://schemas.microsoft.com/office/drawing/2014/main" xmlns="" id="{2E021D7A-145E-3540-9BA6-5B4B72D54389}"/>
               </a:ext>
             </a:extLst>
           </p:cNvPr>
@@ -17863,7 +16827,7 @@
           <p:cNvPr id="5" name="Group 4">
             <a:extLst>
               <a:ext uri="{FF2B5EF4-FFF2-40B4-BE49-F238E27FC236}">
-                <a16:creationId xmlns:a16="http://schemas.microsoft.com/office/drawing/2014/main" id="{0CB85970-3017-EC4E-8D91-2DE1394AE07E}"/>
+                <a16:creationId xmlns:a16="http://schemas.microsoft.com/office/drawing/2014/main" xmlns="" id="{0CB85970-3017-EC4E-8D91-2DE1394AE07E}"/>
               </a:ext>
             </a:extLst>
           </p:cNvPr>
@@ -17883,7 +16847,7 @@
             <p:cNvPr id="6" name="Group 5">
               <a:extLst>
                 <a:ext uri="{FF2B5EF4-FFF2-40B4-BE49-F238E27FC236}">
-                  <a16:creationId xmlns:a16="http://schemas.microsoft.com/office/drawing/2014/main" id="{C2636CCB-88BD-EF46-A239-D8512C381568}"/>
+                  <a16:creationId xmlns:a16="http://schemas.microsoft.com/office/drawing/2014/main" xmlns="" id="{C2636CCB-88BD-EF46-A239-D8512C381568}"/>
                 </a:ext>
               </a:extLst>
             </p:cNvPr>
@@ -17903,7 +16867,7 @@
               <p:cNvPr id="8" name="Picture 7">
                 <a:extLst>
                   <a:ext uri="{FF2B5EF4-FFF2-40B4-BE49-F238E27FC236}">
-                    <a16:creationId xmlns:a16="http://schemas.microsoft.com/office/drawing/2014/main" id="{29E144F9-4B2F-A047-BB93-3FF0AF558BEF}"/>
+                    <a16:creationId xmlns:a16="http://schemas.microsoft.com/office/drawing/2014/main" xmlns="" id="{29E144F9-4B2F-A047-BB93-3FF0AF558BEF}"/>
                   </a:ext>
                 </a:extLst>
               </p:cNvPr>
@@ -17939,7 +16903,7 @@
               <p:cNvPr id="9" name="Text Placeholder 4">
                 <a:extLst>
                   <a:ext uri="{FF2B5EF4-FFF2-40B4-BE49-F238E27FC236}">
-                    <a16:creationId xmlns:a16="http://schemas.microsoft.com/office/drawing/2014/main" id="{B18E8EE2-4F49-4D40-862E-15220BA549FD}"/>
+                    <a16:creationId xmlns:a16="http://schemas.microsoft.com/office/drawing/2014/main" xmlns="" id="{B18E8EE2-4F49-4D40-862E-15220BA549FD}"/>
                   </a:ext>
                 </a:extLst>
               </p:cNvPr>
@@ -18115,7 +17079,7 @@
             <p:cNvPr id="7" name="Picture 6">
               <a:extLst>
                 <a:ext uri="{FF2B5EF4-FFF2-40B4-BE49-F238E27FC236}">
-                  <a16:creationId xmlns:a16="http://schemas.microsoft.com/office/drawing/2014/main" id="{3CB0E01A-70F8-0B4A-9BD9-475AA8FA686A}"/>
+                  <a16:creationId xmlns:a16="http://schemas.microsoft.com/office/drawing/2014/main" xmlns="" id="{3CB0E01A-70F8-0B4A-9BD9-475AA8FA686A}"/>
                 </a:ext>
               </a:extLst>
             </p:cNvPr>
@@ -18146,7 +17110,7 @@
           <p:cNvPr id="10" name="Group 9">
             <a:extLst>
               <a:ext uri="{FF2B5EF4-FFF2-40B4-BE49-F238E27FC236}">
-                <a16:creationId xmlns:a16="http://schemas.microsoft.com/office/drawing/2014/main" id="{CDDBCC54-5356-F241-8F96-68129EFDA7EF}"/>
+                <a16:creationId xmlns:a16="http://schemas.microsoft.com/office/drawing/2014/main" xmlns="" id="{CDDBCC54-5356-F241-8F96-68129EFDA7EF}"/>
               </a:ext>
             </a:extLst>
           </p:cNvPr>
@@ -18166,7 +17130,7 @@
             <p:cNvPr id="11" name="Oval 10">
               <a:extLst>
                 <a:ext uri="{FF2B5EF4-FFF2-40B4-BE49-F238E27FC236}">
-                  <a16:creationId xmlns:a16="http://schemas.microsoft.com/office/drawing/2014/main" id="{A3053711-86B3-8A49-B86E-23C4849105CB}"/>
+                  <a16:creationId xmlns:a16="http://schemas.microsoft.com/office/drawing/2014/main" xmlns="" id="{A3053711-86B3-8A49-B86E-23C4849105CB}"/>
                 </a:ext>
               </a:extLst>
             </p:cNvPr>
@@ -18224,7 +17188,7 @@
             <p:cNvPr id="12" name="Oval 11">
               <a:extLst>
                 <a:ext uri="{FF2B5EF4-FFF2-40B4-BE49-F238E27FC236}">
-                  <a16:creationId xmlns:a16="http://schemas.microsoft.com/office/drawing/2014/main" id="{92348F5A-BE89-6246-8862-9969780514CB}"/>
+                  <a16:creationId xmlns:a16="http://schemas.microsoft.com/office/drawing/2014/main" xmlns="" id="{92348F5A-BE89-6246-8862-9969780514CB}"/>
                 </a:ext>
               </a:extLst>
             </p:cNvPr>
@@ -18282,7 +17246,7 @@
             <p:cNvPr id="13" name="Oval 12">
               <a:extLst>
                 <a:ext uri="{FF2B5EF4-FFF2-40B4-BE49-F238E27FC236}">
-                  <a16:creationId xmlns:a16="http://schemas.microsoft.com/office/drawing/2014/main" id="{500C09A2-B4DB-0F4E-9CD9-BAC9F79C6BB8}"/>
+                  <a16:creationId xmlns:a16="http://schemas.microsoft.com/office/drawing/2014/main" xmlns="" id="{500C09A2-B4DB-0F4E-9CD9-BAC9F79C6BB8}"/>
                 </a:ext>
               </a:extLst>
             </p:cNvPr>
@@ -18340,7 +17304,7 @@
             <p:cNvPr id="14" name="Oval 13">
               <a:extLst>
                 <a:ext uri="{FF2B5EF4-FFF2-40B4-BE49-F238E27FC236}">
-                  <a16:creationId xmlns:a16="http://schemas.microsoft.com/office/drawing/2014/main" id="{1EF46FA6-203B-D948-9C13-0D319F921466}"/>
+                  <a16:creationId xmlns:a16="http://schemas.microsoft.com/office/drawing/2014/main" xmlns="" id="{1EF46FA6-203B-D948-9C13-0D319F921466}"/>
                 </a:ext>
               </a:extLst>
             </p:cNvPr>
@@ -18398,7 +17362,7 @@
             <p:cNvPr id="15" name="Oval 14">
               <a:extLst>
                 <a:ext uri="{FF2B5EF4-FFF2-40B4-BE49-F238E27FC236}">
-                  <a16:creationId xmlns:a16="http://schemas.microsoft.com/office/drawing/2014/main" id="{311474A0-6F8B-3F43-8877-E5D03E9EE61B}"/>
+                  <a16:creationId xmlns:a16="http://schemas.microsoft.com/office/drawing/2014/main" xmlns="" id="{311474A0-6F8B-3F43-8877-E5D03E9EE61B}"/>
                 </a:ext>
               </a:extLst>
             </p:cNvPr>
@@ -18456,7 +17420,7 @@
             <p:cNvPr id="16" name="Oval 15">
               <a:extLst>
                 <a:ext uri="{FF2B5EF4-FFF2-40B4-BE49-F238E27FC236}">
-                  <a16:creationId xmlns:a16="http://schemas.microsoft.com/office/drawing/2014/main" id="{C3EEF3B2-8B31-514A-94F8-7BCE6A18B7C8}"/>
+                  <a16:creationId xmlns:a16="http://schemas.microsoft.com/office/drawing/2014/main" xmlns="" id="{C3EEF3B2-8B31-514A-94F8-7BCE6A18B7C8}"/>
                 </a:ext>
               </a:extLst>
             </p:cNvPr>
@@ -18514,7 +17478,7 @@
             <p:cNvPr id="17" name="Oval 16">
               <a:extLst>
                 <a:ext uri="{FF2B5EF4-FFF2-40B4-BE49-F238E27FC236}">
-                  <a16:creationId xmlns:a16="http://schemas.microsoft.com/office/drawing/2014/main" id="{D40EEE64-422A-7B4D-B3D5-98407D2D0C9C}"/>
+                  <a16:creationId xmlns:a16="http://schemas.microsoft.com/office/drawing/2014/main" xmlns="" id="{D40EEE64-422A-7B4D-B3D5-98407D2D0C9C}"/>
                 </a:ext>
               </a:extLst>
             </p:cNvPr>
@@ -18572,7 +17536,7 @@
             <p:cNvPr id="18" name="Oval 17">
               <a:extLst>
                 <a:ext uri="{FF2B5EF4-FFF2-40B4-BE49-F238E27FC236}">
-                  <a16:creationId xmlns:a16="http://schemas.microsoft.com/office/drawing/2014/main" id="{FD6E9831-D3C9-6A42-BF1C-72644AB73D65}"/>
+                  <a16:creationId xmlns:a16="http://schemas.microsoft.com/office/drawing/2014/main" xmlns="" id="{FD6E9831-D3C9-6A42-BF1C-72644AB73D65}"/>
                 </a:ext>
               </a:extLst>
             </p:cNvPr>
@@ -18630,7 +17594,7 @@
             <p:cNvPr id="19" name="Oval 18">
               <a:extLst>
                 <a:ext uri="{FF2B5EF4-FFF2-40B4-BE49-F238E27FC236}">
-                  <a16:creationId xmlns:a16="http://schemas.microsoft.com/office/drawing/2014/main" id="{A022700A-60A1-ED47-B7FC-02BCC9C73224}"/>
+                  <a16:creationId xmlns:a16="http://schemas.microsoft.com/office/drawing/2014/main" xmlns="" id="{A022700A-60A1-ED47-B7FC-02BCC9C73224}"/>
                 </a:ext>
               </a:extLst>
             </p:cNvPr>
@@ -18688,7 +17652,7 @@
             <p:cNvPr id="20" name="Oval 19">
               <a:extLst>
                 <a:ext uri="{FF2B5EF4-FFF2-40B4-BE49-F238E27FC236}">
-                  <a16:creationId xmlns:a16="http://schemas.microsoft.com/office/drawing/2014/main" id="{E2EA521E-C759-384A-A20B-0845A6D75347}"/>
+                  <a16:creationId xmlns:a16="http://schemas.microsoft.com/office/drawing/2014/main" xmlns="" id="{E2EA521E-C759-384A-A20B-0845A6D75347}"/>
                 </a:ext>
               </a:extLst>
             </p:cNvPr>
@@ -18746,7 +17710,7 @@
             <p:cNvPr id="21" name="Oval 20">
               <a:extLst>
                 <a:ext uri="{FF2B5EF4-FFF2-40B4-BE49-F238E27FC236}">
-                  <a16:creationId xmlns:a16="http://schemas.microsoft.com/office/drawing/2014/main" id="{0597AA1F-E73B-FA4E-84A9-1D9D1D5DDD85}"/>
+                  <a16:creationId xmlns:a16="http://schemas.microsoft.com/office/drawing/2014/main" xmlns="" id="{0597AA1F-E73B-FA4E-84A9-1D9D1D5DDD85}"/>
                 </a:ext>
               </a:extLst>
             </p:cNvPr>
@@ -18804,7 +17768,7 @@
             <p:cNvPr id="22" name="Oval 21">
               <a:extLst>
                 <a:ext uri="{FF2B5EF4-FFF2-40B4-BE49-F238E27FC236}">
-                  <a16:creationId xmlns:a16="http://schemas.microsoft.com/office/drawing/2014/main" id="{6B2D0F06-6F3C-DB4C-BA07-86C144EDE556}"/>
+                  <a16:creationId xmlns:a16="http://schemas.microsoft.com/office/drawing/2014/main" xmlns="" id="{6B2D0F06-6F3C-DB4C-BA07-86C144EDE556}"/>
                 </a:ext>
               </a:extLst>
             </p:cNvPr>
@@ -18862,7 +17826,7 @@
             <p:cNvPr id="23" name="Oval 22">
               <a:extLst>
                 <a:ext uri="{FF2B5EF4-FFF2-40B4-BE49-F238E27FC236}">
-                  <a16:creationId xmlns:a16="http://schemas.microsoft.com/office/drawing/2014/main" id="{9777917F-3460-AE44-B487-321513265245}"/>
+                  <a16:creationId xmlns:a16="http://schemas.microsoft.com/office/drawing/2014/main" xmlns="" id="{9777917F-3460-AE44-B487-321513265245}"/>
                 </a:ext>
               </a:extLst>
             </p:cNvPr>
@@ -18920,7 +17884,7 @@
             <p:cNvPr id="24" name="Oval 23">
               <a:extLst>
                 <a:ext uri="{FF2B5EF4-FFF2-40B4-BE49-F238E27FC236}">
-                  <a16:creationId xmlns:a16="http://schemas.microsoft.com/office/drawing/2014/main" id="{CD9F0836-BB87-0C4E-A054-778CCE47997A}"/>
+                  <a16:creationId xmlns:a16="http://schemas.microsoft.com/office/drawing/2014/main" xmlns="" id="{CD9F0836-BB87-0C4E-A054-778CCE47997A}"/>
                 </a:ext>
               </a:extLst>
             </p:cNvPr>
@@ -18978,7 +17942,7 @@
             <p:cNvPr id="25" name="Oval 24">
               <a:extLst>
                 <a:ext uri="{FF2B5EF4-FFF2-40B4-BE49-F238E27FC236}">
-                  <a16:creationId xmlns:a16="http://schemas.microsoft.com/office/drawing/2014/main" id="{A1B119D5-786F-364C-8DFC-FD6E6211414E}"/>
+                  <a16:creationId xmlns:a16="http://schemas.microsoft.com/office/drawing/2014/main" xmlns="" id="{A1B119D5-786F-364C-8DFC-FD6E6211414E}"/>
                 </a:ext>
               </a:extLst>
             </p:cNvPr>
@@ -19036,7 +18000,7 @@
             <p:cNvPr id="26" name="Oval 25">
               <a:extLst>
                 <a:ext uri="{FF2B5EF4-FFF2-40B4-BE49-F238E27FC236}">
-                  <a16:creationId xmlns:a16="http://schemas.microsoft.com/office/drawing/2014/main" id="{FCCC5C40-F372-C34F-9AAA-FDB1F2955C5F}"/>
+                  <a16:creationId xmlns:a16="http://schemas.microsoft.com/office/drawing/2014/main" xmlns="" id="{FCCC5C40-F372-C34F-9AAA-FDB1F2955C5F}"/>
                 </a:ext>
               </a:extLst>
             </p:cNvPr>
@@ -19095,7 +18059,7 @@
           <p:cNvPr id="27" name="Text Placeholder 4">
             <a:extLst>
               <a:ext uri="{FF2B5EF4-FFF2-40B4-BE49-F238E27FC236}">
-                <a16:creationId xmlns:a16="http://schemas.microsoft.com/office/drawing/2014/main" id="{85E38BF0-1CA2-304A-9B9A-30515DFF1C47}"/>
+                <a16:creationId xmlns:a16="http://schemas.microsoft.com/office/drawing/2014/main" xmlns="" id="{85E38BF0-1CA2-304A-9B9A-30515DFF1C47}"/>
               </a:ext>
             </a:extLst>
           </p:cNvPr>
@@ -19270,7 +18234,7 @@
           <p:cNvPr id="28" name="Group 27">
             <a:extLst>
               <a:ext uri="{FF2B5EF4-FFF2-40B4-BE49-F238E27FC236}">
-                <a16:creationId xmlns:a16="http://schemas.microsoft.com/office/drawing/2014/main" id="{A2E61653-558E-824E-80E7-D0C635F5F344}"/>
+                <a16:creationId xmlns:a16="http://schemas.microsoft.com/office/drawing/2014/main" xmlns="" id="{A2E61653-558E-824E-80E7-D0C635F5F344}"/>
               </a:ext>
             </a:extLst>
           </p:cNvPr>
@@ -19290,7 +18254,7 @@
             <p:cNvPr id="29" name="Text Placeholder 4">
               <a:extLst>
                 <a:ext uri="{FF2B5EF4-FFF2-40B4-BE49-F238E27FC236}">
-                  <a16:creationId xmlns:a16="http://schemas.microsoft.com/office/drawing/2014/main" id="{CAB1D0FF-D1D2-B74A-9688-4A611E51B77F}"/>
+                  <a16:creationId xmlns:a16="http://schemas.microsoft.com/office/drawing/2014/main" xmlns="" id="{CAB1D0FF-D1D2-B74A-9688-4A611E51B77F}"/>
                 </a:ext>
               </a:extLst>
             </p:cNvPr>
@@ -19465,7 +18429,7 @@
             <p:cNvPr id="30" name="Picture 29" descr="Deck_Clock.png">
               <a:extLst>
                 <a:ext uri="{FF2B5EF4-FFF2-40B4-BE49-F238E27FC236}">
-                  <a16:creationId xmlns:a16="http://schemas.microsoft.com/office/drawing/2014/main" id="{A1B71C98-F7B0-7849-ADB3-8B0554892996}"/>
+                  <a16:creationId xmlns:a16="http://schemas.microsoft.com/office/drawing/2014/main" xmlns="" id="{A1B71C98-F7B0-7849-ADB3-8B0554892996}"/>
                 </a:ext>
               </a:extLst>
             </p:cNvPr>
@@ -19502,7 +18466,7 @@
           <p:cNvPr id="31" name="Text Placeholder 4">
             <a:extLst>
               <a:ext uri="{FF2B5EF4-FFF2-40B4-BE49-F238E27FC236}">
-                <a16:creationId xmlns:a16="http://schemas.microsoft.com/office/drawing/2014/main" id="{303F286E-E478-5E45-B11B-75E44526854A}"/>
+                <a16:creationId xmlns:a16="http://schemas.microsoft.com/office/drawing/2014/main" xmlns="" id="{303F286E-E478-5E45-B11B-75E44526854A}"/>
               </a:ext>
             </a:extLst>
           </p:cNvPr>
@@ -19677,7 +18641,7 @@
           <p:cNvPr id="32" name="Group 31">
             <a:extLst>
               <a:ext uri="{FF2B5EF4-FFF2-40B4-BE49-F238E27FC236}">
-                <a16:creationId xmlns:a16="http://schemas.microsoft.com/office/drawing/2014/main" id="{82460163-3502-0341-80CF-2866074DA5FB}"/>
+                <a16:creationId xmlns:a16="http://schemas.microsoft.com/office/drawing/2014/main" xmlns="" id="{82460163-3502-0341-80CF-2866074DA5FB}"/>
               </a:ext>
             </a:extLst>
           </p:cNvPr>
@@ -19697,7 +18661,7 @@
             <p:cNvPr id="33" name="Picture 32">
               <a:extLst>
                 <a:ext uri="{FF2B5EF4-FFF2-40B4-BE49-F238E27FC236}">
-                  <a16:creationId xmlns:a16="http://schemas.microsoft.com/office/drawing/2014/main" id="{BE4EC028-4F21-D549-B986-1FA5E28D1E6E}"/>
+                  <a16:creationId xmlns:a16="http://schemas.microsoft.com/office/drawing/2014/main" xmlns="" id="{BE4EC028-4F21-D549-B986-1FA5E28D1E6E}"/>
                 </a:ext>
               </a:extLst>
             </p:cNvPr>
@@ -19733,7 +18697,7 @@
             <p:cNvPr id="34" name="Picture 33">
               <a:extLst>
                 <a:ext uri="{FF2B5EF4-FFF2-40B4-BE49-F238E27FC236}">
-                  <a16:creationId xmlns:a16="http://schemas.microsoft.com/office/drawing/2014/main" id="{EEC1EF68-44E2-BB4B-8749-D11D37B68D23}"/>
+                  <a16:creationId xmlns:a16="http://schemas.microsoft.com/office/drawing/2014/main" xmlns="" id="{EEC1EF68-44E2-BB4B-8749-D11D37B68D23}"/>
                 </a:ext>
               </a:extLst>
             </p:cNvPr>
@@ -19800,7 +18764,7 @@
           <p:cNvPr id="2" name="Title 1">
             <a:extLst>
               <a:ext uri="{FF2B5EF4-FFF2-40B4-BE49-F238E27FC236}">
-                <a16:creationId xmlns:a16="http://schemas.microsoft.com/office/drawing/2014/main" id="{85E2DEF0-F1A3-D448-92DF-AAFB045DF137}"/>
+                <a16:creationId xmlns:a16="http://schemas.microsoft.com/office/drawing/2014/main" xmlns="" id="{85E2DEF0-F1A3-D448-92DF-AAFB045DF137}"/>
               </a:ext>
             </a:extLst>
           </p:cNvPr>
@@ -19837,7 +18801,7 @@
           <p:cNvPr id="3" name="Picture 2">
             <a:extLst>
               <a:ext uri="{FF2B5EF4-FFF2-40B4-BE49-F238E27FC236}">
-                <a16:creationId xmlns:a16="http://schemas.microsoft.com/office/drawing/2014/main" id="{026ED5B0-B482-2E47-9E8E-3008BE36E156}"/>
+                <a16:creationId xmlns:a16="http://schemas.microsoft.com/office/drawing/2014/main" xmlns="" id="{026ED5B0-B482-2E47-9E8E-3008BE36E156}"/>
               </a:ext>
             </a:extLst>
           </p:cNvPr>
@@ -19874,7 +18838,7 @@
           <p:cNvPr id="4" name="Picture 3">
             <a:extLst>
               <a:ext uri="{FF2B5EF4-FFF2-40B4-BE49-F238E27FC236}">
-                <a16:creationId xmlns:a16="http://schemas.microsoft.com/office/drawing/2014/main" id="{3542402F-F6A9-D548-BC63-2A20CFEADD06}"/>
+                <a16:creationId xmlns:a16="http://schemas.microsoft.com/office/drawing/2014/main" xmlns="" id="{3542402F-F6A9-D548-BC63-2A20CFEADD06}"/>
               </a:ext>
             </a:extLst>
           </p:cNvPr>
@@ -19911,7 +18875,7 @@
           <p:cNvPr id="5" name="Picture 4">
             <a:extLst>
               <a:ext uri="{FF2B5EF4-FFF2-40B4-BE49-F238E27FC236}">
-                <a16:creationId xmlns:a16="http://schemas.microsoft.com/office/drawing/2014/main" id="{A197C125-B4AA-1944-A86C-02D95FEFB775}"/>
+                <a16:creationId xmlns:a16="http://schemas.microsoft.com/office/drawing/2014/main" xmlns="" id="{A197C125-B4AA-1944-A86C-02D95FEFB775}"/>
               </a:ext>
             </a:extLst>
           </p:cNvPr>
@@ -19948,7 +18912,7 @@
           <p:cNvPr id="6" name="Picture 5">
             <a:extLst>
               <a:ext uri="{FF2B5EF4-FFF2-40B4-BE49-F238E27FC236}">
-                <a16:creationId xmlns:a16="http://schemas.microsoft.com/office/drawing/2014/main" id="{BE6790F6-9328-364F-ABEB-B6E3D6DEAD49}"/>
+                <a16:creationId xmlns:a16="http://schemas.microsoft.com/office/drawing/2014/main" xmlns="" id="{BE6790F6-9328-364F-ABEB-B6E3D6DEAD49}"/>
               </a:ext>
             </a:extLst>
           </p:cNvPr>
@@ -19985,7 +18949,7 @@
           <p:cNvPr id="7" name="Picture 6">
             <a:extLst>
               <a:ext uri="{FF2B5EF4-FFF2-40B4-BE49-F238E27FC236}">
-                <a16:creationId xmlns:a16="http://schemas.microsoft.com/office/drawing/2014/main" id="{55B8FC75-50D4-2C4A-846C-CCAFB0931F3D}"/>
+                <a16:creationId xmlns:a16="http://schemas.microsoft.com/office/drawing/2014/main" xmlns="" id="{55B8FC75-50D4-2C4A-846C-CCAFB0931F3D}"/>
               </a:ext>
             </a:extLst>
           </p:cNvPr>
@@ -20022,7 +18986,7 @@
           <p:cNvPr id="8" name="TextBox 7">
             <a:extLst>
               <a:ext uri="{FF2B5EF4-FFF2-40B4-BE49-F238E27FC236}">
-                <a16:creationId xmlns:a16="http://schemas.microsoft.com/office/drawing/2014/main" id="{E0BA3FFC-3B8A-5344-AF45-01799FB2D33F}"/>
+                <a16:creationId xmlns:a16="http://schemas.microsoft.com/office/drawing/2014/main" xmlns="" id="{E0BA3FFC-3B8A-5344-AF45-01799FB2D33F}"/>
               </a:ext>
             </a:extLst>
           </p:cNvPr>
@@ -20061,7 +19025,7 @@
           <p:cNvPr id="9" name="Picture 8">
             <a:extLst>
               <a:ext uri="{FF2B5EF4-FFF2-40B4-BE49-F238E27FC236}">
-                <a16:creationId xmlns:a16="http://schemas.microsoft.com/office/drawing/2014/main" id="{6F342014-5747-1347-94FD-3C61B90FA3C6}"/>
+                <a16:creationId xmlns:a16="http://schemas.microsoft.com/office/drawing/2014/main" xmlns="" id="{6F342014-5747-1347-94FD-3C61B90FA3C6}"/>
               </a:ext>
             </a:extLst>
           </p:cNvPr>
@@ -20098,7 +19062,7 @@
           <p:cNvPr id="10" name="Picture 9">
             <a:extLst>
               <a:ext uri="{FF2B5EF4-FFF2-40B4-BE49-F238E27FC236}">
-                <a16:creationId xmlns:a16="http://schemas.microsoft.com/office/drawing/2014/main" id="{25D31E67-8CDD-0944-9E00-C7EC55E7D8B1}"/>
+                <a16:creationId xmlns:a16="http://schemas.microsoft.com/office/drawing/2014/main" xmlns="" id="{25D31E67-8CDD-0944-9E00-C7EC55E7D8B1}"/>
               </a:ext>
             </a:extLst>
           </p:cNvPr>
@@ -20135,7 +19099,7 @@
           <p:cNvPr id="11" name="Picture 10">
             <a:extLst>
               <a:ext uri="{FF2B5EF4-FFF2-40B4-BE49-F238E27FC236}">
-                <a16:creationId xmlns:a16="http://schemas.microsoft.com/office/drawing/2014/main" id="{A4865F98-53AC-3645-8285-9FD95B9058E6}"/>
+                <a16:creationId xmlns:a16="http://schemas.microsoft.com/office/drawing/2014/main" xmlns="" id="{A4865F98-53AC-3645-8285-9FD95B9058E6}"/>
               </a:ext>
             </a:extLst>
           </p:cNvPr>
@@ -20172,7 +19136,7 @@
           <p:cNvPr id="12" name="Picture 11">
             <a:extLst>
               <a:ext uri="{FF2B5EF4-FFF2-40B4-BE49-F238E27FC236}">
-                <a16:creationId xmlns:a16="http://schemas.microsoft.com/office/drawing/2014/main" id="{B9005BC6-2B48-FB49-AA58-51E4CE9A5639}"/>
+                <a16:creationId xmlns:a16="http://schemas.microsoft.com/office/drawing/2014/main" xmlns="" id="{B9005BC6-2B48-FB49-AA58-51E4CE9A5639}"/>
               </a:ext>
             </a:extLst>
           </p:cNvPr>
@@ -20209,7 +19173,7 @@
           <p:cNvPr id="13" name="Right Arrow 12">
             <a:extLst>
               <a:ext uri="{FF2B5EF4-FFF2-40B4-BE49-F238E27FC236}">
-                <a16:creationId xmlns:a16="http://schemas.microsoft.com/office/drawing/2014/main" id="{6209FE90-A54D-764C-A612-F5D1A2DF2F41}"/>
+                <a16:creationId xmlns:a16="http://schemas.microsoft.com/office/drawing/2014/main" xmlns="" id="{6209FE90-A54D-764C-A612-F5D1A2DF2F41}"/>
               </a:ext>
             </a:extLst>
           </p:cNvPr>
@@ -20264,7 +19228,7 @@
           <p:cNvPr id="14" name="Right Arrow 13">
             <a:extLst>
               <a:ext uri="{FF2B5EF4-FFF2-40B4-BE49-F238E27FC236}">
-                <a16:creationId xmlns:a16="http://schemas.microsoft.com/office/drawing/2014/main" id="{9035066E-1EB6-B14F-B2EC-A84E7A4E57A0}"/>
+                <a16:creationId xmlns:a16="http://schemas.microsoft.com/office/drawing/2014/main" xmlns="" id="{9035066E-1EB6-B14F-B2EC-A84E7A4E57A0}"/>
               </a:ext>
             </a:extLst>
           </p:cNvPr>
@@ -20319,7 +19283,7 @@
           <p:cNvPr id="15" name="Right Arrow 14">
             <a:extLst>
               <a:ext uri="{FF2B5EF4-FFF2-40B4-BE49-F238E27FC236}">
-                <a16:creationId xmlns:a16="http://schemas.microsoft.com/office/drawing/2014/main" id="{91B642D3-424D-C640-BAA8-62455EBDEA61}"/>
+                <a16:creationId xmlns:a16="http://schemas.microsoft.com/office/drawing/2014/main" xmlns="" id="{91B642D3-424D-C640-BAA8-62455EBDEA61}"/>
               </a:ext>
             </a:extLst>
           </p:cNvPr>
@@ -20374,7 +19338,7 @@
           <p:cNvPr id="16" name="Right Arrow 15">
             <a:extLst>
               <a:ext uri="{FF2B5EF4-FFF2-40B4-BE49-F238E27FC236}">
-                <a16:creationId xmlns:a16="http://schemas.microsoft.com/office/drawing/2014/main" id="{2421F338-F589-7445-BA12-8B9F55F2E73C}"/>
+                <a16:creationId xmlns:a16="http://schemas.microsoft.com/office/drawing/2014/main" xmlns="" id="{2421F338-F589-7445-BA12-8B9F55F2E73C}"/>
               </a:ext>
             </a:extLst>
           </p:cNvPr>
@@ -20429,7 +19393,7 @@
           <p:cNvPr id="17" name="TextBox 16">
             <a:extLst>
               <a:ext uri="{FF2B5EF4-FFF2-40B4-BE49-F238E27FC236}">
-                <a16:creationId xmlns:a16="http://schemas.microsoft.com/office/drawing/2014/main" id="{FA625B86-F04C-D742-96B0-440C32F566DA}"/>
+                <a16:creationId xmlns:a16="http://schemas.microsoft.com/office/drawing/2014/main" xmlns="" id="{FA625B86-F04C-D742-96B0-440C32F566DA}"/>
               </a:ext>
             </a:extLst>
           </p:cNvPr>
@@ -20468,7 +19432,7 @@
           <p:cNvPr id="18" name="TextBox 17">
             <a:extLst>
               <a:ext uri="{FF2B5EF4-FFF2-40B4-BE49-F238E27FC236}">
-                <a16:creationId xmlns:a16="http://schemas.microsoft.com/office/drawing/2014/main" id="{EDF54C38-EA6E-5D4B-9173-27072B293988}"/>
+                <a16:creationId xmlns:a16="http://schemas.microsoft.com/office/drawing/2014/main" xmlns="" id="{EDF54C38-EA6E-5D4B-9173-27072B293988}"/>
               </a:ext>
             </a:extLst>
           </p:cNvPr>
@@ -20507,7 +19471,7 @@
           <p:cNvPr id="19" name="TextBox 18">
             <a:extLst>
               <a:ext uri="{FF2B5EF4-FFF2-40B4-BE49-F238E27FC236}">
-                <a16:creationId xmlns:a16="http://schemas.microsoft.com/office/drawing/2014/main" id="{578F0C87-FD90-9A4B-9F13-236CFE0D0FF2}"/>
+                <a16:creationId xmlns:a16="http://schemas.microsoft.com/office/drawing/2014/main" xmlns="" id="{578F0C87-FD90-9A4B-9F13-236CFE0D0FF2}"/>
               </a:ext>
             </a:extLst>
           </p:cNvPr>
@@ -20551,7 +19515,7 @@
           <p:cNvPr id="20" name="TextBox 19">
             <a:extLst>
               <a:ext uri="{FF2B5EF4-FFF2-40B4-BE49-F238E27FC236}">
-                <a16:creationId xmlns:a16="http://schemas.microsoft.com/office/drawing/2014/main" id="{74E71FE2-7593-C748-868A-D4D9B9D424A9}"/>
+                <a16:creationId xmlns:a16="http://schemas.microsoft.com/office/drawing/2014/main" xmlns="" id="{74E71FE2-7593-C748-868A-D4D9B9D424A9}"/>
               </a:ext>
             </a:extLst>
           </p:cNvPr>
@@ -20590,7 +19554,7 @@
           <p:cNvPr id="21" name="TextBox 20">
             <a:extLst>
               <a:ext uri="{FF2B5EF4-FFF2-40B4-BE49-F238E27FC236}">
-                <a16:creationId xmlns:a16="http://schemas.microsoft.com/office/drawing/2014/main" id="{CC3D1895-39CB-A348-A0F8-328D9545AF39}"/>
+                <a16:creationId xmlns:a16="http://schemas.microsoft.com/office/drawing/2014/main" xmlns="" id="{CC3D1895-39CB-A348-A0F8-328D9545AF39}"/>
               </a:ext>
             </a:extLst>
           </p:cNvPr>
@@ -20629,7 +19593,7 @@
           <p:cNvPr id="22" name="TextBox 21">
             <a:extLst>
               <a:ext uri="{FF2B5EF4-FFF2-40B4-BE49-F238E27FC236}">
-                <a16:creationId xmlns:a16="http://schemas.microsoft.com/office/drawing/2014/main" id="{C8AA206E-1BFA-3C41-B114-F079B84DFA9A}"/>
+                <a16:creationId xmlns:a16="http://schemas.microsoft.com/office/drawing/2014/main" xmlns="" id="{C8AA206E-1BFA-3C41-B114-F079B84DFA9A}"/>
               </a:ext>
             </a:extLst>
           </p:cNvPr>
@@ -20668,7 +19632,7 @@
           <p:cNvPr id="23" name="TextBox 22">
             <a:extLst>
               <a:ext uri="{FF2B5EF4-FFF2-40B4-BE49-F238E27FC236}">
-                <a16:creationId xmlns:a16="http://schemas.microsoft.com/office/drawing/2014/main" id="{F7F0165E-F8ED-EA47-976F-BEF7E9D38C72}"/>
+                <a16:creationId xmlns:a16="http://schemas.microsoft.com/office/drawing/2014/main" xmlns="" id="{F7F0165E-F8ED-EA47-976F-BEF7E9D38C72}"/>
               </a:ext>
             </a:extLst>
           </p:cNvPr>
@@ -20712,7 +19676,7 @@
           <p:cNvPr id="24" name="TextBox 23">
             <a:extLst>
               <a:ext uri="{FF2B5EF4-FFF2-40B4-BE49-F238E27FC236}">
-                <a16:creationId xmlns:a16="http://schemas.microsoft.com/office/drawing/2014/main" id="{77772295-F5F2-234C-979E-EA544C72A618}"/>
+                <a16:creationId xmlns:a16="http://schemas.microsoft.com/office/drawing/2014/main" xmlns="" id="{77772295-F5F2-234C-979E-EA544C72A618}"/>
               </a:ext>
             </a:extLst>
           </p:cNvPr>
@@ -20756,7 +19720,7 @@
           <p:cNvPr id="25" name="Right Arrow 24">
             <a:extLst>
               <a:ext uri="{FF2B5EF4-FFF2-40B4-BE49-F238E27FC236}">
-                <a16:creationId xmlns:a16="http://schemas.microsoft.com/office/drawing/2014/main" id="{E18C6CB1-D4F9-E541-ADEB-31A9792CE6DA}"/>
+                <a16:creationId xmlns:a16="http://schemas.microsoft.com/office/drawing/2014/main" xmlns="" id="{E18C6CB1-D4F9-E541-ADEB-31A9792CE6DA}"/>
               </a:ext>
             </a:extLst>
           </p:cNvPr>
@@ -20811,7 +19775,7 @@
           <p:cNvPr id="26" name="Right Arrow 25">
             <a:extLst>
               <a:ext uri="{FF2B5EF4-FFF2-40B4-BE49-F238E27FC236}">
-                <a16:creationId xmlns:a16="http://schemas.microsoft.com/office/drawing/2014/main" id="{778936FA-19BC-6F40-A829-DDF43F564FF1}"/>
+                <a16:creationId xmlns:a16="http://schemas.microsoft.com/office/drawing/2014/main" xmlns="" id="{778936FA-19BC-6F40-A829-DDF43F564FF1}"/>
               </a:ext>
             </a:extLst>
           </p:cNvPr>
@@ -20866,7 +19830,7 @@
           <p:cNvPr id="27" name="Right Arrow 26">
             <a:extLst>
               <a:ext uri="{FF2B5EF4-FFF2-40B4-BE49-F238E27FC236}">
-                <a16:creationId xmlns:a16="http://schemas.microsoft.com/office/drawing/2014/main" id="{D6E338C7-E3B7-154B-8647-F60FFD42F676}"/>
+                <a16:creationId xmlns:a16="http://schemas.microsoft.com/office/drawing/2014/main" xmlns="" id="{D6E338C7-E3B7-154B-8647-F60FFD42F676}"/>
               </a:ext>
             </a:extLst>
           </p:cNvPr>
@@ -20921,7 +19885,7 @@
           <p:cNvPr id="28" name="Right Arrow 27">
             <a:extLst>
               <a:ext uri="{FF2B5EF4-FFF2-40B4-BE49-F238E27FC236}">
-                <a16:creationId xmlns:a16="http://schemas.microsoft.com/office/drawing/2014/main" id="{4F719229-945F-EA48-9510-909E5DD6C41A}"/>
+                <a16:creationId xmlns:a16="http://schemas.microsoft.com/office/drawing/2014/main" xmlns="" id="{4F719229-945F-EA48-9510-909E5DD6C41A}"/>
               </a:ext>
             </a:extLst>
           </p:cNvPr>
@@ -20976,7 +19940,7 @@
           <p:cNvPr id="29" name="Picture 28">
             <a:extLst>
               <a:ext uri="{FF2B5EF4-FFF2-40B4-BE49-F238E27FC236}">
-                <a16:creationId xmlns:a16="http://schemas.microsoft.com/office/drawing/2014/main" id="{1066A776-238D-E946-8A63-FCA67727FBFB}"/>
+                <a16:creationId xmlns:a16="http://schemas.microsoft.com/office/drawing/2014/main" xmlns="" id="{1066A776-238D-E946-8A63-FCA67727FBFB}"/>
               </a:ext>
             </a:extLst>
           </p:cNvPr>
@@ -21012,7 +19976,7 @@
           <p:cNvPr id="30" name="Picture 29">
             <a:extLst>
               <a:ext uri="{FF2B5EF4-FFF2-40B4-BE49-F238E27FC236}">
-                <a16:creationId xmlns:a16="http://schemas.microsoft.com/office/drawing/2014/main" id="{ED8DE337-5D4C-6349-B258-06B4824EED7F}"/>
+                <a16:creationId xmlns:a16="http://schemas.microsoft.com/office/drawing/2014/main" xmlns="" id="{ED8DE337-5D4C-6349-B258-06B4824EED7F}"/>
               </a:ext>
             </a:extLst>
           </p:cNvPr>
@@ -21049,7 +20013,7 @@
           <p:cNvPr id="31" name="Right Arrow 30">
             <a:extLst>
               <a:ext uri="{FF2B5EF4-FFF2-40B4-BE49-F238E27FC236}">
-                <a16:creationId xmlns:a16="http://schemas.microsoft.com/office/drawing/2014/main" id="{9F76319E-EB9A-284C-B898-8669D9B100CA}"/>
+                <a16:creationId xmlns:a16="http://schemas.microsoft.com/office/drawing/2014/main" xmlns="" id="{9F76319E-EB9A-284C-B898-8669D9B100CA}"/>
               </a:ext>
             </a:extLst>
           </p:cNvPr>
@@ -21104,7 +20068,7 @@
           <p:cNvPr id="32" name="TextBox 31">
             <a:extLst>
               <a:ext uri="{FF2B5EF4-FFF2-40B4-BE49-F238E27FC236}">
-                <a16:creationId xmlns:a16="http://schemas.microsoft.com/office/drawing/2014/main" id="{B74DAC01-FA5B-DE4B-B97D-5BFE52AB42DB}"/>
+                <a16:creationId xmlns:a16="http://schemas.microsoft.com/office/drawing/2014/main" xmlns="" id="{B74DAC01-FA5B-DE4B-B97D-5BFE52AB42DB}"/>
               </a:ext>
             </a:extLst>
           </p:cNvPr>
@@ -21143,7 +20107,7 @@
           <p:cNvPr id="33" name="TextBox 32">
             <a:extLst>
               <a:ext uri="{FF2B5EF4-FFF2-40B4-BE49-F238E27FC236}">
-                <a16:creationId xmlns:a16="http://schemas.microsoft.com/office/drawing/2014/main" id="{38D31E72-5762-514F-B634-1A4B1451CFA4}"/>
+                <a16:creationId xmlns:a16="http://schemas.microsoft.com/office/drawing/2014/main" xmlns="" id="{38D31E72-5762-514F-B634-1A4B1451CFA4}"/>
               </a:ext>
             </a:extLst>
           </p:cNvPr>
@@ -21187,7 +20151,7 @@
           <p:cNvPr id="34" name="Right Arrow 33">
             <a:extLst>
               <a:ext uri="{FF2B5EF4-FFF2-40B4-BE49-F238E27FC236}">
-                <a16:creationId xmlns:a16="http://schemas.microsoft.com/office/drawing/2014/main" id="{F8A1B918-4D08-FB45-83D0-D59CE08F343F}"/>
+                <a16:creationId xmlns:a16="http://schemas.microsoft.com/office/drawing/2014/main" xmlns="" id="{F8A1B918-4D08-FB45-83D0-D59CE08F343F}"/>
               </a:ext>
             </a:extLst>
           </p:cNvPr>
@@ -21272,7 +20236,7 @@
           <p:cNvPr id="2" name="Title 1">
             <a:extLst>
               <a:ext uri="{FF2B5EF4-FFF2-40B4-BE49-F238E27FC236}">
-                <a16:creationId xmlns:a16="http://schemas.microsoft.com/office/drawing/2014/main" id="{F79BF5DF-2CEB-6949-8762-A1A6205C97AA}"/>
+                <a16:creationId xmlns:a16="http://schemas.microsoft.com/office/drawing/2014/main" xmlns="" id="{F79BF5DF-2CEB-6949-8762-A1A6205C97AA}"/>
               </a:ext>
             </a:extLst>
           </p:cNvPr>
@@ -21309,7 +20273,7 @@
           <p:cNvPr id="3" name="Picture 2">
             <a:extLst>
               <a:ext uri="{FF2B5EF4-FFF2-40B4-BE49-F238E27FC236}">
-                <a16:creationId xmlns:a16="http://schemas.microsoft.com/office/drawing/2014/main" id="{AA5EE812-2442-4D47-A8E3-D50CC2A963D9}"/>
+                <a16:creationId xmlns:a16="http://schemas.microsoft.com/office/drawing/2014/main" xmlns="" id="{AA5EE812-2442-4D47-A8E3-D50CC2A963D9}"/>
               </a:ext>
             </a:extLst>
           </p:cNvPr>
@@ -21346,7 +20310,7 @@
           <p:cNvPr id="4" name="Picture 3">
             <a:extLst>
               <a:ext uri="{FF2B5EF4-FFF2-40B4-BE49-F238E27FC236}">
-                <a16:creationId xmlns:a16="http://schemas.microsoft.com/office/drawing/2014/main" id="{349D34B2-73C8-A647-96C0-D130CE8D35AA}"/>
+                <a16:creationId xmlns:a16="http://schemas.microsoft.com/office/drawing/2014/main" xmlns="" id="{349D34B2-73C8-A647-96C0-D130CE8D35AA}"/>
               </a:ext>
             </a:extLst>
           </p:cNvPr>
@@ -21383,7 +20347,7 @@
           <p:cNvPr id="5" name="Picture 4">
             <a:extLst>
               <a:ext uri="{FF2B5EF4-FFF2-40B4-BE49-F238E27FC236}">
-                <a16:creationId xmlns:a16="http://schemas.microsoft.com/office/drawing/2014/main" id="{34A3D1F0-A869-614B-8E2B-CB6B231BA6FE}"/>
+                <a16:creationId xmlns:a16="http://schemas.microsoft.com/office/drawing/2014/main" xmlns="" id="{34A3D1F0-A869-614B-8E2B-CB6B231BA6FE}"/>
               </a:ext>
             </a:extLst>
           </p:cNvPr>
@@ -21420,7 +20384,7 @@
           <p:cNvPr id="6" name="Picture 5">
             <a:extLst>
               <a:ext uri="{FF2B5EF4-FFF2-40B4-BE49-F238E27FC236}">
-                <a16:creationId xmlns:a16="http://schemas.microsoft.com/office/drawing/2014/main" id="{AACAEB57-90C2-F54C-83DC-A821F17E7401}"/>
+                <a16:creationId xmlns:a16="http://schemas.microsoft.com/office/drawing/2014/main" xmlns="" id="{AACAEB57-90C2-F54C-83DC-A821F17E7401}"/>
               </a:ext>
             </a:extLst>
           </p:cNvPr>
@@ -21457,7 +20421,7 @@
           <p:cNvPr id="7" name="Picture 6">
             <a:extLst>
               <a:ext uri="{FF2B5EF4-FFF2-40B4-BE49-F238E27FC236}">
-                <a16:creationId xmlns:a16="http://schemas.microsoft.com/office/drawing/2014/main" id="{1BD7989D-C9E1-9E41-AFCA-C55D84906280}"/>
+                <a16:creationId xmlns:a16="http://schemas.microsoft.com/office/drawing/2014/main" xmlns="" id="{1BD7989D-C9E1-9E41-AFCA-C55D84906280}"/>
               </a:ext>
             </a:extLst>
           </p:cNvPr>
@@ -21494,7 +20458,7 @@
           <p:cNvPr id="8" name="TextBox 7">
             <a:extLst>
               <a:ext uri="{FF2B5EF4-FFF2-40B4-BE49-F238E27FC236}">
-                <a16:creationId xmlns:a16="http://schemas.microsoft.com/office/drawing/2014/main" id="{CC3F6B95-10AE-204B-9AD5-EDE36F6D041C}"/>
+                <a16:creationId xmlns:a16="http://schemas.microsoft.com/office/drawing/2014/main" xmlns="" id="{CC3F6B95-10AE-204B-9AD5-EDE36F6D041C}"/>
               </a:ext>
             </a:extLst>
           </p:cNvPr>
@@ -21533,7 +20497,7 @@
           <p:cNvPr id="9" name="Picture 8">
             <a:extLst>
               <a:ext uri="{FF2B5EF4-FFF2-40B4-BE49-F238E27FC236}">
-                <a16:creationId xmlns:a16="http://schemas.microsoft.com/office/drawing/2014/main" id="{A26829DB-18C7-B24D-AC7F-486E1C437FB8}"/>
+                <a16:creationId xmlns:a16="http://schemas.microsoft.com/office/drawing/2014/main" xmlns="" id="{A26829DB-18C7-B24D-AC7F-486E1C437FB8}"/>
               </a:ext>
             </a:extLst>
           </p:cNvPr>
@@ -21570,7 +20534,7 @@
           <p:cNvPr id="10" name="Picture 9">
             <a:extLst>
               <a:ext uri="{FF2B5EF4-FFF2-40B4-BE49-F238E27FC236}">
-                <a16:creationId xmlns:a16="http://schemas.microsoft.com/office/drawing/2014/main" id="{2D9DB9D8-C4D4-4F46-B185-EAFCBAA39F25}"/>
+                <a16:creationId xmlns:a16="http://schemas.microsoft.com/office/drawing/2014/main" xmlns="" id="{2D9DB9D8-C4D4-4F46-B185-EAFCBAA39F25}"/>
               </a:ext>
             </a:extLst>
           </p:cNvPr>
@@ -21607,7 +20571,7 @@
           <p:cNvPr id="11" name="Picture 10">
             <a:extLst>
               <a:ext uri="{FF2B5EF4-FFF2-40B4-BE49-F238E27FC236}">
-                <a16:creationId xmlns:a16="http://schemas.microsoft.com/office/drawing/2014/main" id="{1C457437-FAB0-154A-BAF2-6AE0F1E3F1A7}"/>
+                <a16:creationId xmlns:a16="http://schemas.microsoft.com/office/drawing/2014/main" xmlns="" id="{1C457437-FAB0-154A-BAF2-6AE0F1E3F1A7}"/>
               </a:ext>
             </a:extLst>
           </p:cNvPr>
@@ -21644,7 +20608,7 @@
           <p:cNvPr id="12" name="Picture 11">
             <a:extLst>
               <a:ext uri="{FF2B5EF4-FFF2-40B4-BE49-F238E27FC236}">
-                <a16:creationId xmlns:a16="http://schemas.microsoft.com/office/drawing/2014/main" id="{9C162FE3-78C5-704F-9A49-138C1796CCAF}"/>
+                <a16:creationId xmlns:a16="http://schemas.microsoft.com/office/drawing/2014/main" xmlns="" id="{9C162FE3-78C5-704F-9A49-138C1796CCAF}"/>
               </a:ext>
             </a:extLst>
           </p:cNvPr>
@@ -21681,7 +20645,7 @@
           <p:cNvPr id="13" name="Right Arrow 12">
             <a:extLst>
               <a:ext uri="{FF2B5EF4-FFF2-40B4-BE49-F238E27FC236}">
-                <a16:creationId xmlns:a16="http://schemas.microsoft.com/office/drawing/2014/main" id="{A4AA76E5-1B2F-0C46-846B-69000008409C}"/>
+                <a16:creationId xmlns:a16="http://schemas.microsoft.com/office/drawing/2014/main" xmlns="" id="{A4AA76E5-1B2F-0C46-846B-69000008409C}"/>
               </a:ext>
             </a:extLst>
           </p:cNvPr>
@@ -21736,7 +20700,7 @@
           <p:cNvPr id="14" name="Right Arrow 13">
             <a:extLst>
               <a:ext uri="{FF2B5EF4-FFF2-40B4-BE49-F238E27FC236}">
-                <a16:creationId xmlns:a16="http://schemas.microsoft.com/office/drawing/2014/main" id="{3042A63D-1223-D146-88BF-66489DC1C942}"/>
+                <a16:creationId xmlns:a16="http://schemas.microsoft.com/office/drawing/2014/main" xmlns="" id="{3042A63D-1223-D146-88BF-66489DC1C942}"/>
               </a:ext>
             </a:extLst>
           </p:cNvPr>
@@ -21791,7 +20755,7 @@
           <p:cNvPr id="15" name="Right Arrow 14">
             <a:extLst>
               <a:ext uri="{FF2B5EF4-FFF2-40B4-BE49-F238E27FC236}">
-                <a16:creationId xmlns:a16="http://schemas.microsoft.com/office/drawing/2014/main" id="{D6DE9811-1F01-C741-A3D1-1725DA469258}"/>
+                <a16:creationId xmlns:a16="http://schemas.microsoft.com/office/drawing/2014/main" xmlns="" id="{D6DE9811-1F01-C741-A3D1-1725DA469258}"/>
               </a:ext>
             </a:extLst>
           </p:cNvPr>
@@ -21846,7 +20810,7 @@
           <p:cNvPr id="16" name="Right Arrow 15">
             <a:extLst>
               <a:ext uri="{FF2B5EF4-FFF2-40B4-BE49-F238E27FC236}">
-                <a16:creationId xmlns:a16="http://schemas.microsoft.com/office/drawing/2014/main" id="{EB7ACBDB-3936-1148-822C-746E82DE646D}"/>
+                <a16:creationId xmlns:a16="http://schemas.microsoft.com/office/drawing/2014/main" xmlns="" id="{EB7ACBDB-3936-1148-822C-746E82DE646D}"/>
               </a:ext>
             </a:extLst>
           </p:cNvPr>
@@ -21901,7 +20865,7 @@
           <p:cNvPr id="17" name="TextBox 16">
             <a:extLst>
               <a:ext uri="{FF2B5EF4-FFF2-40B4-BE49-F238E27FC236}">
-                <a16:creationId xmlns:a16="http://schemas.microsoft.com/office/drawing/2014/main" id="{1987161E-C8AE-6944-9F8C-CC84E0894BCF}"/>
+                <a16:creationId xmlns:a16="http://schemas.microsoft.com/office/drawing/2014/main" xmlns="" id="{1987161E-C8AE-6944-9F8C-CC84E0894BCF}"/>
               </a:ext>
             </a:extLst>
           </p:cNvPr>
@@ -21940,7 +20904,7 @@
           <p:cNvPr id="18" name="TextBox 17">
             <a:extLst>
               <a:ext uri="{FF2B5EF4-FFF2-40B4-BE49-F238E27FC236}">
-                <a16:creationId xmlns:a16="http://schemas.microsoft.com/office/drawing/2014/main" id="{747C6215-E1C8-3E46-91A6-7AB50624CD48}"/>
+                <a16:creationId xmlns:a16="http://schemas.microsoft.com/office/drawing/2014/main" xmlns="" id="{747C6215-E1C8-3E46-91A6-7AB50624CD48}"/>
               </a:ext>
             </a:extLst>
           </p:cNvPr>
@@ -21979,7 +20943,7 @@
           <p:cNvPr id="19" name="TextBox 18">
             <a:extLst>
               <a:ext uri="{FF2B5EF4-FFF2-40B4-BE49-F238E27FC236}">
-                <a16:creationId xmlns:a16="http://schemas.microsoft.com/office/drawing/2014/main" id="{E79B1396-3723-AA4C-8B3B-8DADC6D07E4C}"/>
+                <a16:creationId xmlns:a16="http://schemas.microsoft.com/office/drawing/2014/main" xmlns="" id="{E79B1396-3723-AA4C-8B3B-8DADC6D07E4C}"/>
               </a:ext>
             </a:extLst>
           </p:cNvPr>
@@ -22023,7 +20987,7 @@
           <p:cNvPr id="20" name="TextBox 19">
             <a:extLst>
               <a:ext uri="{FF2B5EF4-FFF2-40B4-BE49-F238E27FC236}">
-                <a16:creationId xmlns:a16="http://schemas.microsoft.com/office/drawing/2014/main" id="{71DAF6D1-3433-A847-9C38-3E6C191A562C}"/>
+                <a16:creationId xmlns:a16="http://schemas.microsoft.com/office/drawing/2014/main" xmlns="" id="{71DAF6D1-3433-A847-9C38-3E6C191A562C}"/>
               </a:ext>
             </a:extLst>
           </p:cNvPr>
@@ -22062,7 +21026,7 @@
           <p:cNvPr id="21" name="TextBox 20">
             <a:extLst>
               <a:ext uri="{FF2B5EF4-FFF2-40B4-BE49-F238E27FC236}">
-                <a16:creationId xmlns:a16="http://schemas.microsoft.com/office/drawing/2014/main" id="{1D513BE2-E371-8C44-8AC7-21B21AF57E2C}"/>
+                <a16:creationId xmlns:a16="http://schemas.microsoft.com/office/drawing/2014/main" xmlns="" id="{1D513BE2-E371-8C44-8AC7-21B21AF57E2C}"/>
               </a:ext>
             </a:extLst>
           </p:cNvPr>
@@ -22101,7 +21065,7 @@
           <p:cNvPr id="22" name="TextBox 21">
             <a:extLst>
               <a:ext uri="{FF2B5EF4-FFF2-40B4-BE49-F238E27FC236}">
-                <a16:creationId xmlns:a16="http://schemas.microsoft.com/office/drawing/2014/main" id="{E8F4CD2D-6DC0-3B40-8C94-140B097CBA26}"/>
+                <a16:creationId xmlns:a16="http://schemas.microsoft.com/office/drawing/2014/main" xmlns="" id="{E8F4CD2D-6DC0-3B40-8C94-140B097CBA26}"/>
               </a:ext>
             </a:extLst>
           </p:cNvPr>
@@ -22140,7 +21104,7 @@
           <p:cNvPr id="23" name="TextBox 22">
             <a:extLst>
               <a:ext uri="{FF2B5EF4-FFF2-40B4-BE49-F238E27FC236}">
-                <a16:creationId xmlns:a16="http://schemas.microsoft.com/office/drawing/2014/main" id="{B482EBD2-E785-404E-A4CB-FDA8C0BF62A3}"/>
+                <a16:creationId xmlns:a16="http://schemas.microsoft.com/office/drawing/2014/main" xmlns="" id="{B482EBD2-E785-404E-A4CB-FDA8C0BF62A3}"/>
               </a:ext>
             </a:extLst>
           </p:cNvPr>
@@ -22184,7 +21148,7 @@
           <p:cNvPr id="24" name="TextBox 23">
             <a:extLst>
               <a:ext uri="{FF2B5EF4-FFF2-40B4-BE49-F238E27FC236}">
-                <a16:creationId xmlns:a16="http://schemas.microsoft.com/office/drawing/2014/main" id="{438B6B4E-F1EF-6B46-9645-E8D08172741B}"/>
+                <a16:creationId xmlns:a16="http://schemas.microsoft.com/office/drawing/2014/main" xmlns="" id="{438B6B4E-F1EF-6B46-9645-E8D08172741B}"/>
               </a:ext>
             </a:extLst>
           </p:cNvPr>
@@ -22228,7 +21192,7 @@
           <p:cNvPr id="25" name="Right Arrow 24">
             <a:extLst>
               <a:ext uri="{FF2B5EF4-FFF2-40B4-BE49-F238E27FC236}">
-                <a16:creationId xmlns:a16="http://schemas.microsoft.com/office/drawing/2014/main" id="{21EECBB4-B11D-3E4B-BA99-4741B9883275}"/>
+                <a16:creationId xmlns:a16="http://schemas.microsoft.com/office/drawing/2014/main" xmlns="" id="{21EECBB4-B11D-3E4B-BA99-4741B9883275}"/>
               </a:ext>
             </a:extLst>
           </p:cNvPr>
@@ -22283,7 +21247,7 @@
           <p:cNvPr id="26" name="Right Arrow 25">
             <a:extLst>
               <a:ext uri="{FF2B5EF4-FFF2-40B4-BE49-F238E27FC236}">
-                <a16:creationId xmlns:a16="http://schemas.microsoft.com/office/drawing/2014/main" id="{63EA952E-F6BB-AF45-B03F-2A18E9086A4D}"/>
+                <a16:creationId xmlns:a16="http://schemas.microsoft.com/office/drawing/2014/main" xmlns="" id="{63EA952E-F6BB-AF45-B03F-2A18E9086A4D}"/>
               </a:ext>
             </a:extLst>
           </p:cNvPr>
@@ -22338,7 +21302,7 @@
           <p:cNvPr id="27" name="Right Arrow 26">
             <a:extLst>
               <a:ext uri="{FF2B5EF4-FFF2-40B4-BE49-F238E27FC236}">
-                <a16:creationId xmlns:a16="http://schemas.microsoft.com/office/drawing/2014/main" id="{88049187-81FC-B94A-AEB5-15B79E0B1AD7}"/>
+                <a16:creationId xmlns:a16="http://schemas.microsoft.com/office/drawing/2014/main" xmlns="" id="{88049187-81FC-B94A-AEB5-15B79E0B1AD7}"/>
               </a:ext>
             </a:extLst>
           </p:cNvPr>
@@ -22393,7 +21357,7 @@
           <p:cNvPr id="28" name="Right Arrow 27">
             <a:extLst>
               <a:ext uri="{FF2B5EF4-FFF2-40B4-BE49-F238E27FC236}">
-                <a16:creationId xmlns:a16="http://schemas.microsoft.com/office/drawing/2014/main" id="{7054DB0E-E1FA-FA4B-8A1A-48D503D9259C}"/>
+                <a16:creationId xmlns:a16="http://schemas.microsoft.com/office/drawing/2014/main" xmlns="" id="{7054DB0E-E1FA-FA4B-8A1A-48D503D9259C}"/>
               </a:ext>
             </a:extLst>
           </p:cNvPr>
@@ -22448,7 +21412,7 @@
           <p:cNvPr id="29" name="Picture 28">
             <a:extLst>
               <a:ext uri="{FF2B5EF4-FFF2-40B4-BE49-F238E27FC236}">
-                <a16:creationId xmlns:a16="http://schemas.microsoft.com/office/drawing/2014/main" id="{C568B0FF-C92B-2442-BF05-552A26241644}"/>
+                <a16:creationId xmlns:a16="http://schemas.microsoft.com/office/drawing/2014/main" xmlns="" id="{C568B0FF-C92B-2442-BF05-552A26241644}"/>
               </a:ext>
             </a:extLst>
           </p:cNvPr>
@@ -22484,7 +21448,7 @@
           <p:cNvPr id="30" name="Picture 29">
             <a:extLst>
               <a:ext uri="{FF2B5EF4-FFF2-40B4-BE49-F238E27FC236}">
-                <a16:creationId xmlns:a16="http://schemas.microsoft.com/office/drawing/2014/main" id="{9163F4BC-0988-264B-9777-83C6EE1F70BC}"/>
+                <a16:creationId xmlns:a16="http://schemas.microsoft.com/office/drawing/2014/main" xmlns="" id="{9163F4BC-0988-264B-9777-83C6EE1F70BC}"/>
               </a:ext>
             </a:extLst>
           </p:cNvPr>
@@ -22521,7 +21485,7 @@
           <p:cNvPr id="31" name="Right Arrow 30">
             <a:extLst>
               <a:ext uri="{FF2B5EF4-FFF2-40B4-BE49-F238E27FC236}">
-                <a16:creationId xmlns:a16="http://schemas.microsoft.com/office/drawing/2014/main" id="{B5E95D24-3584-5E43-B9E1-CE890AD151DE}"/>
+                <a16:creationId xmlns:a16="http://schemas.microsoft.com/office/drawing/2014/main" xmlns="" id="{B5E95D24-3584-5E43-B9E1-CE890AD151DE}"/>
               </a:ext>
             </a:extLst>
           </p:cNvPr>
@@ -22576,7 +21540,7 @@
           <p:cNvPr id="32" name="TextBox 31">
             <a:extLst>
               <a:ext uri="{FF2B5EF4-FFF2-40B4-BE49-F238E27FC236}">
-                <a16:creationId xmlns:a16="http://schemas.microsoft.com/office/drawing/2014/main" id="{3FDF6785-6629-CC48-BEB9-F87A9A73DF74}"/>
+                <a16:creationId xmlns:a16="http://schemas.microsoft.com/office/drawing/2014/main" xmlns="" id="{3FDF6785-6629-CC48-BEB9-F87A9A73DF74}"/>
               </a:ext>
             </a:extLst>
           </p:cNvPr>
@@ -22615,7 +21579,7 @@
           <p:cNvPr id="33" name="TextBox 32">
             <a:extLst>
               <a:ext uri="{FF2B5EF4-FFF2-40B4-BE49-F238E27FC236}">
-                <a16:creationId xmlns:a16="http://schemas.microsoft.com/office/drawing/2014/main" id="{D10E9C49-2F6C-B04C-A178-E0060A60C942}"/>
+                <a16:creationId xmlns:a16="http://schemas.microsoft.com/office/drawing/2014/main" xmlns="" id="{D10E9C49-2F6C-B04C-A178-E0060A60C942}"/>
               </a:ext>
             </a:extLst>
           </p:cNvPr>
@@ -22659,7 +21623,7 @@
           <p:cNvPr id="34" name="Right Arrow 33">
             <a:extLst>
               <a:ext uri="{FF2B5EF4-FFF2-40B4-BE49-F238E27FC236}">
-                <a16:creationId xmlns:a16="http://schemas.microsoft.com/office/drawing/2014/main" id="{FAF78CD1-CE46-544F-98FB-53C8A5097D5C}"/>
+                <a16:creationId xmlns:a16="http://schemas.microsoft.com/office/drawing/2014/main" xmlns="" id="{FAF78CD1-CE46-544F-98FB-53C8A5097D5C}"/>
               </a:ext>
             </a:extLst>
           </p:cNvPr>
@@ -22714,7 +21678,7 @@
           <p:cNvPr id="35" name="Rectangle 34">
             <a:extLst>
               <a:ext uri="{FF2B5EF4-FFF2-40B4-BE49-F238E27FC236}">
-                <a16:creationId xmlns:a16="http://schemas.microsoft.com/office/drawing/2014/main" id="{A8D4A64E-E623-9D4E-B04A-44303A2A338B}"/>
+                <a16:creationId xmlns:a16="http://schemas.microsoft.com/office/drawing/2014/main" xmlns="" id="{A8D4A64E-E623-9D4E-B04A-44303A2A338B}"/>
               </a:ext>
             </a:extLst>
           </p:cNvPr>
@@ -22769,7 +21733,7 @@
           <p:cNvPr id="36" name="TextBox 35">
             <a:extLst>
               <a:ext uri="{FF2B5EF4-FFF2-40B4-BE49-F238E27FC236}">
-                <a16:creationId xmlns:a16="http://schemas.microsoft.com/office/drawing/2014/main" id="{1CB69AAC-C563-514B-8541-012BD3F42915}"/>
+                <a16:creationId xmlns:a16="http://schemas.microsoft.com/office/drawing/2014/main" xmlns="" id="{1CB69AAC-C563-514B-8541-012BD3F42915}"/>
               </a:ext>
             </a:extLst>
           </p:cNvPr>
@@ -22808,7 +21772,7 @@
           <p:cNvPr id="37" name="Rectangle 36">
             <a:extLst>
               <a:ext uri="{FF2B5EF4-FFF2-40B4-BE49-F238E27FC236}">
-                <a16:creationId xmlns:a16="http://schemas.microsoft.com/office/drawing/2014/main" id="{2640E6CE-2449-DD48-A95A-9EB7ED1C232E}"/>
+                <a16:creationId xmlns:a16="http://schemas.microsoft.com/office/drawing/2014/main" xmlns="" id="{2640E6CE-2449-DD48-A95A-9EB7ED1C232E}"/>
               </a:ext>
             </a:extLst>
           </p:cNvPr>
@@ -22863,7 +21827,7 @@
           <p:cNvPr id="38" name="TextBox 37">
             <a:extLst>
               <a:ext uri="{FF2B5EF4-FFF2-40B4-BE49-F238E27FC236}">
-                <a16:creationId xmlns:a16="http://schemas.microsoft.com/office/drawing/2014/main" id="{FEE0342D-712B-CC4F-8711-4637F23F9E16}"/>
+                <a16:creationId xmlns:a16="http://schemas.microsoft.com/office/drawing/2014/main" xmlns="" id="{FEE0342D-712B-CC4F-8711-4637F23F9E16}"/>
               </a:ext>
             </a:extLst>
           </p:cNvPr>
@@ -22932,7 +21896,7 @@
           <p:cNvPr id="2" name="Title 1">
             <a:extLst>
               <a:ext uri="{FF2B5EF4-FFF2-40B4-BE49-F238E27FC236}">
-                <a16:creationId xmlns:a16="http://schemas.microsoft.com/office/drawing/2014/main" id="{0BC6CE8F-148C-2147-A35A-E66F6E0D9E40}"/>
+                <a16:creationId xmlns:a16="http://schemas.microsoft.com/office/drawing/2014/main" xmlns="" id="{0BC6CE8F-148C-2147-A35A-E66F6E0D9E40}"/>
               </a:ext>
             </a:extLst>
           </p:cNvPr>
@@ -22965,7 +21929,7 @@
           <p:cNvPr id="3" name="Rectangle 2">
             <a:extLst>
               <a:ext uri="{FF2B5EF4-FFF2-40B4-BE49-F238E27FC236}">
-                <a16:creationId xmlns:a16="http://schemas.microsoft.com/office/drawing/2014/main" id="{1F6313E2-9C76-8643-87A5-02FAB5DBDB1D}"/>
+                <a16:creationId xmlns:a16="http://schemas.microsoft.com/office/drawing/2014/main" xmlns="" id="{1F6313E2-9C76-8643-87A5-02FAB5DBDB1D}"/>
               </a:ext>
             </a:extLst>
           </p:cNvPr>
@@ -23120,7 +22084,7 @@
           <p:cNvPr id="4" name="TextBox 3">
             <a:extLst>
               <a:ext uri="{FF2B5EF4-FFF2-40B4-BE49-F238E27FC236}">
-                <a16:creationId xmlns:a16="http://schemas.microsoft.com/office/drawing/2014/main" id="{A35AED9B-5160-3244-BB6A-988E8B64026A}"/>
+                <a16:creationId xmlns:a16="http://schemas.microsoft.com/office/drawing/2014/main" xmlns="" id="{A35AED9B-5160-3244-BB6A-988E8B64026A}"/>
               </a:ext>
             </a:extLst>
           </p:cNvPr>
@@ -23181,7 +22145,7 @@
           <p:cNvPr id="5" name="Rectangle 4">
             <a:extLst>
               <a:ext uri="{FF2B5EF4-FFF2-40B4-BE49-F238E27FC236}">
-                <a16:creationId xmlns:a16="http://schemas.microsoft.com/office/drawing/2014/main" id="{56EEFB61-936B-5240-9698-A141875602F8}"/>
+                <a16:creationId xmlns:a16="http://schemas.microsoft.com/office/drawing/2014/main" xmlns="" id="{56EEFB61-936B-5240-9698-A141875602F8}"/>
               </a:ext>
             </a:extLst>
           </p:cNvPr>
@@ -23269,7 +22233,7 @@
           <p:cNvPr id="2" name="Title 1">
             <a:extLst>
               <a:ext uri="{FF2B5EF4-FFF2-40B4-BE49-F238E27FC236}">
-                <a16:creationId xmlns:a16="http://schemas.microsoft.com/office/drawing/2014/main" id="{A784D21E-3118-764D-97D0-EE3CE40242A6}"/>
+                <a16:creationId xmlns:a16="http://schemas.microsoft.com/office/drawing/2014/main" xmlns="" id="{A784D21E-3118-764D-97D0-EE3CE40242A6}"/>
               </a:ext>
             </a:extLst>
           </p:cNvPr>
@@ -23302,7 +22266,7 @@
           <p:cNvPr id="3" name="Content Placeholder 4">
             <a:extLst>
               <a:ext uri="{FF2B5EF4-FFF2-40B4-BE49-F238E27FC236}">
-                <a16:creationId xmlns:a16="http://schemas.microsoft.com/office/drawing/2014/main" id="{8E391BF9-513B-6B4B-A4BB-B761F17FD55A}"/>
+                <a16:creationId xmlns:a16="http://schemas.microsoft.com/office/drawing/2014/main" xmlns="" id="{8E391BF9-513B-6B4B-A4BB-B761F17FD55A}"/>
               </a:ext>
             </a:extLst>
           </p:cNvPr>
@@ -23528,7 +22492,7 @@
           <p:cNvPr id="2" name="Title 1">
             <a:extLst>
               <a:ext uri="{FF2B5EF4-FFF2-40B4-BE49-F238E27FC236}">
-                <a16:creationId xmlns:a16="http://schemas.microsoft.com/office/drawing/2014/main" id="{D4BCEEE2-6F86-AF4E-9F67-4624AA2D691C}"/>
+                <a16:creationId xmlns:a16="http://schemas.microsoft.com/office/drawing/2014/main" xmlns="" id="{D4BCEEE2-6F86-AF4E-9F67-4624AA2D691C}"/>
               </a:ext>
             </a:extLst>
           </p:cNvPr>
@@ -23565,7 +22529,7 @@
           <p:cNvPr id="3" name="Content Placeholder 2">
             <a:extLst>
               <a:ext uri="{FF2B5EF4-FFF2-40B4-BE49-F238E27FC236}">
-                <a16:creationId xmlns:a16="http://schemas.microsoft.com/office/drawing/2014/main" id="{078BE748-1B9C-5B4F-8FE3-DB8944EB4E62}"/>
+                <a16:creationId xmlns:a16="http://schemas.microsoft.com/office/drawing/2014/main" xmlns="" id="{078BE748-1B9C-5B4F-8FE3-DB8944EB4E62}"/>
               </a:ext>
             </a:extLst>
           </p:cNvPr>
